--- a/Árvore de Espalhamento Mínimo.pptx
+++ b/Árvore de Espalhamento Mínimo.pptx
@@ -949,7 +949,7 @@
               <a:effectLst/>
               <a:uLnTx/>
               <a:uFillTx/>
-              <a:latin typeface="Arial" panose="02080604020202020204" pitchFamily="34" charset="0"/>
+              <a:latin typeface="Arial" panose="020B0604020202020204" pitchFamily="34" charset="0"/>
               <a:ea typeface="SimSun" pitchFamily="2" charset="-122"/>
               <a:cs typeface="+mn-cs"/>
             </a:endParaRPr>
@@ -997,7 +997,7 @@
               <a:effectLst/>
               <a:uLnTx/>
               <a:uFillTx/>
-              <a:latin typeface="Arial" panose="02080604020202020204" pitchFamily="34" charset="0"/>
+              <a:latin typeface="Arial" panose="020B0604020202020204" pitchFamily="34" charset="0"/>
               <a:ea typeface="SimSun" pitchFamily="2" charset="-122"/>
               <a:cs typeface="+mn-cs"/>
             </a:endParaRPr>
@@ -1046,7 +1046,7 @@
                 <a:effectLst/>
                 <a:uLnTx/>
                 <a:uFillTx/>
-                <a:latin typeface="Arial" panose="02080604020202020204" pitchFamily="34" charset="0"/>
+                <a:latin typeface="Arial" panose="020B0604020202020204" pitchFamily="34" charset="0"/>
                 <a:ea typeface="SimSun" pitchFamily="2" charset="-122"/>
                 <a:cs typeface="+mn-cs"/>
               </a:rPr>
@@ -1061,7 +1061,7 @@
               <a:effectLst/>
               <a:uLnTx/>
               <a:uFillTx/>
-              <a:latin typeface="Arial" panose="02080604020202020204" pitchFamily="34" charset="0"/>
+              <a:latin typeface="Arial" panose="020B0604020202020204" pitchFamily="34" charset="0"/>
               <a:ea typeface="SimSun" pitchFamily="2" charset="-122"/>
               <a:cs typeface="+mn-cs"/>
             </a:endParaRPr>
@@ -2715,7 +2715,7 @@
               <a:effectLst/>
               <a:uLnTx/>
               <a:uFillTx/>
-              <a:latin typeface="Arial" panose="02080604020202020204" pitchFamily="34" charset="0"/>
+              <a:latin typeface="Arial" panose="020B0604020202020204" pitchFamily="34" charset="0"/>
               <a:ea typeface="SimSun" pitchFamily="2" charset="-122"/>
               <a:cs typeface="+mn-cs"/>
             </a:endParaRPr>
@@ -2763,7 +2763,7 @@
               <a:effectLst/>
               <a:uLnTx/>
               <a:uFillTx/>
-              <a:latin typeface="Arial" panose="02080604020202020204" pitchFamily="34" charset="0"/>
+              <a:latin typeface="Arial" panose="020B0604020202020204" pitchFamily="34" charset="0"/>
               <a:ea typeface="SimSun" pitchFamily="2" charset="-122"/>
               <a:cs typeface="+mn-cs"/>
             </a:endParaRPr>
@@ -2812,7 +2812,7 @@
                 <a:effectLst/>
                 <a:uLnTx/>
                 <a:uFillTx/>
-                <a:latin typeface="Arial" panose="02080604020202020204" pitchFamily="34" charset="0"/>
+                <a:latin typeface="Arial" panose="020B0604020202020204" pitchFamily="34" charset="0"/>
                 <a:ea typeface="SimSun" pitchFamily="2" charset="-122"/>
                 <a:cs typeface="+mn-cs"/>
               </a:rPr>
@@ -2827,7 +2827,7 @@
               <a:effectLst/>
               <a:uLnTx/>
               <a:uFillTx/>
-              <a:latin typeface="Arial" panose="02080604020202020204" pitchFamily="34" charset="0"/>
+              <a:latin typeface="Arial" panose="020B0604020202020204" pitchFamily="34" charset="0"/>
               <a:ea typeface="SimSun" pitchFamily="2" charset="-122"/>
               <a:cs typeface="+mn-cs"/>
             </a:endParaRPr>
@@ -3572,7 +3572,7 @@
         <a:spcAft>
           <a:spcPct val="0"/>
         </a:spcAft>
-        <a:buFont typeface="Arial" panose="02080604020202020204" pitchFamily="34" charset="0"/>
+        <a:buFont typeface="Arial" panose="020B0604020202020204" pitchFamily="34" charset="0"/>
         <a:buNone/>
         <a:defRPr sz="1800" b="0" i="0" u="none" kern="1200" baseline="0">
           <a:solidFill>
@@ -3593,13 +3593,13 @@
         <a:spcAft>
           <a:spcPct val="0"/>
         </a:spcAft>
-        <a:buFont typeface="Arial" panose="02080604020202020204" pitchFamily="34" charset="0"/>
+        <a:buFont typeface="Arial" panose="020B0604020202020204" pitchFamily="34" charset="0"/>
         <a:buNone/>
         <a:defRPr b="0" i="0" u="none" kern="1200" baseline="0">
           <a:solidFill>
             <a:schemeClr val="tx1"/>
           </a:solidFill>
-          <a:latin typeface="Arial" panose="02080604020202020204" pitchFamily="34" charset="0"/>
+          <a:latin typeface="Arial" panose="020B0604020202020204" pitchFamily="34" charset="0"/>
           <a:ea typeface="+mn-ea"/>
           <a:cs typeface="+mn-cs"/>
         </a:defRPr>
@@ -3614,13 +3614,13 @@
         <a:spcAft>
           <a:spcPct val="0"/>
         </a:spcAft>
-        <a:buFont typeface="Arial" panose="02080604020202020204" pitchFamily="34" charset="0"/>
+        <a:buFont typeface="Arial" panose="020B0604020202020204" pitchFamily="34" charset="0"/>
         <a:buNone/>
         <a:defRPr b="0" i="0" u="none" kern="1200" baseline="0">
           <a:solidFill>
             <a:schemeClr val="tx1"/>
           </a:solidFill>
-          <a:latin typeface="Arial" panose="02080604020202020204" pitchFamily="34" charset="0"/>
+          <a:latin typeface="Arial" panose="020B0604020202020204" pitchFamily="34" charset="0"/>
           <a:ea typeface="+mn-ea"/>
           <a:cs typeface="+mn-cs"/>
         </a:defRPr>
@@ -3635,13 +3635,13 @@
         <a:spcAft>
           <a:spcPct val="0"/>
         </a:spcAft>
-        <a:buFont typeface="Arial" panose="02080604020202020204" pitchFamily="34" charset="0"/>
+        <a:buFont typeface="Arial" panose="020B0604020202020204" pitchFamily="34" charset="0"/>
         <a:buNone/>
         <a:defRPr b="0" i="0" u="none" kern="1200" baseline="0">
           <a:solidFill>
             <a:schemeClr val="tx1"/>
           </a:solidFill>
-          <a:latin typeface="Arial" panose="02080604020202020204" pitchFamily="34" charset="0"/>
+          <a:latin typeface="Arial" panose="020B0604020202020204" pitchFamily="34" charset="0"/>
           <a:ea typeface="+mn-ea"/>
           <a:cs typeface="+mn-cs"/>
         </a:defRPr>
@@ -3656,13 +3656,13 @@
         <a:spcAft>
           <a:spcPct val="0"/>
         </a:spcAft>
-        <a:buFont typeface="Arial" panose="02080604020202020204" pitchFamily="34" charset="0"/>
+        <a:buFont typeface="Arial" panose="020B0604020202020204" pitchFamily="34" charset="0"/>
         <a:buNone/>
         <a:defRPr b="0" i="0" u="none" kern="1200" baseline="0">
           <a:solidFill>
             <a:schemeClr val="tx1"/>
           </a:solidFill>
-          <a:latin typeface="Arial" panose="02080604020202020204" pitchFamily="34" charset="0"/>
+          <a:latin typeface="Arial" panose="020B0604020202020204" pitchFamily="34" charset="0"/>
           <a:ea typeface="+mn-ea"/>
           <a:cs typeface="+mn-cs"/>
         </a:defRPr>
@@ -3677,13 +3677,13 @@
         <a:spcAft>
           <a:spcPct val="0"/>
         </a:spcAft>
-        <a:buFont typeface="Arial" panose="02080604020202020204" pitchFamily="34" charset="0"/>
+        <a:buFont typeface="Arial" panose="020B0604020202020204" pitchFamily="34" charset="0"/>
         <a:buNone/>
         <a:defRPr b="0" i="0" u="none" kern="1200" baseline="0">
           <a:solidFill>
             <a:schemeClr val="tx1"/>
           </a:solidFill>
-          <a:latin typeface="Arial" panose="02080604020202020204" pitchFamily="34" charset="0"/>
+          <a:latin typeface="Arial" panose="020B0604020202020204" pitchFamily="34" charset="0"/>
           <a:ea typeface="+mn-ea"/>
           <a:cs typeface="+mn-cs"/>
         </a:defRPr>
@@ -3698,13 +3698,13 @@
         <a:spcAft>
           <a:spcPct val="0"/>
         </a:spcAft>
-        <a:buFont typeface="Arial" panose="02080604020202020204" pitchFamily="34" charset="0"/>
+        <a:buFont typeface="Arial" panose="020B0604020202020204" pitchFamily="34" charset="0"/>
         <a:buNone/>
         <a:defRPr b="0" i="0" u="none" kern="1200" baseline="0">
           <a:solidFill>
             <a:schemeClr val="tx1"/>
           </a:solidFill>
-          <a:latin typeface="Arial" panose="02080604020202020204" pitchFamily="34" charset="0"/>
+          <a:latin typeface="Arial" panose="020B0604020202020204" pitchFamily="34" charset="0"/>
           <a:ea typeface="+mn-ea"/>
           <a:cs typeface="+mn-cs"/>
         </a:defRPr>
@@ -3719,13 +3719,13 @@
         <a:spcAft>
           <a:spcPct val="0"/>
         </a:spcAft>
-        <a:buFont typeface="Arial" panose="02080604020202020204" pitchFamily="34" charset="0"/>
+        <a:buFont typeface="Arial" panose="020B0604020202020204" pitchFamily="34" charset="0"/>
         <a:buNone/>
         <a:defRPr b="0" i="0" u="none" kern="1200" baseline="0">
           <a:solidFill>
             <a:schemeClr val="tx1"/>
           </a:solidFill>
-          <a:latin typeface="Arial" panose="02080604020202020204" pitchFamily="34" charset="0"/>
+          <a:latin typeface="Arial" panose="020B0604020202020204" pitchFamily="34" charset="0"/>
           <a:ea typeface="+mn-ea"/>
           <a:cs typeface="+mn-cs"/>
         </a:defRPr>
@@ -3740,13 +3740,13 @@
         <a:spcAft>
           <a:spcPct val="0"/>
         </a:spcAft>
-        <a:buFont typeface="Arial" panose="02080604020202020204" pitchFamily="34" charset="0"/>
+        <a:buFont typeface="Arial" panose="020B0604020202020204" pitchFamily="34" charset="0"/>
         <a:buNone/>
         <a:defRPr b="0" i="0" u="none" kern="1200" baseline="0">
           <a:solidFill>
             <a:schemeClr val="tx1"/>
           </a:solidFill>
-          <a:latin typeface="Arial" panose="02080604020202020204" pitchFamily="34" charset="0"/>
+          <a:latin typeface="Arial" panose="020B0604020202020204" pitchFamily="34" charset="0"/>
           <a:ea typeface="+mn-ea"/>
           <a:cs typeface="+mn-cs"/>
         </a:defRPr>
@@ -3781,10 +3781,10 @@
           <a:bodyPr/>
           <a:p>
             <a:r>
-              <a:rPr lang="" altLang="en-US"/>
+              <a:rPr lang="en-US" altLang="en-US" b="1"/>
               <a:t>Árvore de Espalhamento Mínimo</a:t>
             </a:r>
-            <a:endParaRPr lang="" altLang="en-US"/>
+            <a:endParaRPr lang="en-US" altLang="en-US" b="1"/>
           </a:p>
         </p:txBody>
       </p:sp>
@@ -3807,14 +3807,14 @@
         <p:txBody>
           <a:bodyPr/>
           <a:p>
-            <a:endParaRPr lang="" altLang="en-US"/>
-          </a:p>
-          <a:p>
-            <a:r>
-              <a:rPr lang="" altLang="en-US"/>
+            <a:endParaRPr lang="en-US" altLang="en-US"/>
+          </a:p>
+          <a:p>
+            <a:r>
+              <a:rPr lang="en-US" altLang="en-US" sz="2800"/>
               <a:t>Guilherme Camargo Valese</a:t>
             </a:r>
-            <a:endParaRPr lang="" altLang="en-US"/>
+            <a:endParaRPr lang="en-US" altLang="en-US" sz="2800"/>
           </a:p>
         </p:txBody>
       </p:sp>
@@ -3851,10 +3851,10 @@
           <a:bodyPr/>
           <a:p>
             <a:r>
-              <a:rPr lang="" altLang="en-US"/>
+              <a:rPr lang="en-US" altLang="en-US"/>
               <a:t>Definição</a:t>
             </a:r>
-            <a:endParaRPr lang="" altLang="en-US"/>
+            <a:endParaRPr lang="en-US" altLang="en-US"/>
           </a:p>
         </p:txBody>
       </p:sp>
@@ -3873,30 +3873,26 @@
           <a:bodyPr/>
           <a:p>
             <a:r>
-              <a:rPr lang="" altLang="en-US"/>
+              <a:rPr lang="en-US" altLang="en-US"/>
               <a:t>A árvore de espalhamento mínimo representa o caminho de menor custo que conecte todos os vértices de um grafo;</a:t>
             </a:r>
-            <a:endParaRPr lang="" altLang="en-US"/>
-          </a:p>
-          <a:p>
-            <a:endParaRPr lang="" altLang="en-US"/>
-          </a:p>
-          <a:p>
-            <a:r>
-              <a:rPr lang="" altLang="en-US"/>
+            <a:endParaRPr lang="en-US" altLang="en-US"/>
+          </a:p>
+          <a:p>
+            <a:endParaRPr lang="en-US" altLang="en-US"/>
+          </a:p>
+          <a:p>
+            <a:r>
+              <a:rPr lang="en-US" altLang="en-US"/>
               <a:t>Este custo pode ser atribuido como um peso específico de cada aresta;</a:t>
             </a:r>
-            <a:endParaRPr lang="" altLang="en-US"/>
-          </a:p>
-          <a:p>
-            <a:endParaRPr lang="" altLang="en-US"/>
-          </a:p>
-          <a:p>
-            <a:r>
-              <a:rPr lang="" altLang="en-US"/>
-              <a:t>O custo total do subgrafo é a soma dos custos de cada aresta </a:t>
-            </a:r>
-            <a:endParaRPr lang="" altLang="en-US"/>
+            <a:endParaRPr lang="en-US" altLang="en-US"/>
+          </a:p>
+          <a:p>
+            <a:pPr marL="0" indent="0">
+              <a:buNone/>
+            </a:pPr>
+            <a:endParaRPr lang="en-US" altLang="en-US"/>
           </a:p>
         </p:txBody>
       </p:sp>
@@ -3933,10 +3929,10 @@
           <a:bodyPr/>
           <a:p>
             <a:r>
-              <a:rPr lang="" altLang="en-US"/>
+              <a:rPr lang="en-US" altLang="en-US"/>
               <a:t>Aplicações</a:t>
             </a:r>
-            <a:endParaRPr lang="" altLang="en-US"/>
+            <a:endParaRPr lang="en-US" altLang="en-US"/>
           </a:p>
         </p:txBody>
       </p:sp>
@@ -3955,30 +3951,30 @@
           <a:bodyPr/>
           <a:p>
             <a:r>
-              <a:rPr lang="" altLang="en-US"/>
+              <a:rPr lang="en-US" altLang="en-US"/>
               <a:t>Custo de instalação de redes;</a:t>
             </a:r>
-            <a:endParaRPr lang="" altLang="en-US"/>
-          </a:p>
-          <a:p>
-            <a:endParaRPr lang="" altLang="en-US"/>
-          </a:p>
-          <a:p>
-            <a:r>
-              <a:rPr lang="" altLang="en-US"/>
+            <a:endParaRPr lang="en-US" altLang="en-US"/>
+          </a:p>
+          <a:p>
+            <a:endParaRPr lang="en-US" altLang="en-US"/>
+          </a:p>
+          <a:p>
+            <a:r>
+              <a:rPr lang="en-US" altLang="en-US"/>
               <a:t>Caminhos para transporte de cargas;</a:t>
             </a:r>
-            <a:endParaRPr lang="" altLang="en-US"/>
-          </a:p>
-          <a:p>
-            <a:endParaRPr lang="" altLang="en-US"/>
-          </a:p>
-          <a:p>
-            <a:r>
-              <a:rPr lang="" altLang="en-US"/>
+            <a:endParaRPr lang="en-US" altLang="en-US"/>
+          </a:p>
+          <a:p>
+            <a:endParaRPr lang="en-US" altLang="en-US"/>
+          </a:p>
+          <a:p>
+            <a:r>
+              <a:rPr lang="en-US" altLang="en-US"/>
               <a:t>Armazenamento de dados;</a:t>
             </a:r>
-            <a:endParaRPr lang="" altLang="en-US"/>
+            <a:endParaRPr lang="en-US" altLang="en-US"/>
           </a:p>
         </p:txBody>
       </p:sp>
@@ -4077,10 +4073,10 @@
           <a:bodyPr/>
           <a:p>
             <a:r>
-              <a:rPr lang="" altLang="en-US"/>
+              <a:rPr lang="en-US" altLang="en-US"/>
               <a:t>Principais algoritmos</a:t>
             </a:r>
-            <a:endParaRPr lang="" altLang="en-US"/>
+            <a:endParaRPr lang="en-US" altLang="en-US"/>
           </a:p>
         </p:txBody>
       </p:sp>
@@ -4099,30 +4095,30 @@
           <a:bodyPr/>
           <a:p>
             <a:r>
-              <a:rPr lang="" altLang="en-US"/>
+              <a:rPr lang="en-US" altLang="en-US"/>
               <a:t>Kruskal</a:t>
             </a:r>
-            <a:endParaRPr lang="" altLang="en-US"/>
-          </a:p>
-          <a:p>
-            <a:endParaRPr lang="" altLang="en-US"/>
-          </a:p>
-          <a:p>
-            <a:r>
-              <a:rPr lang="" altLang="en-US"/>
+            <a:endParaRPr lang="en-US" altLang="en-US"/>
+          </a:p>
+          <a:p>
+            <a:endParaRPr lang="en-US" altLang="en-US"/>
+          </a:p>
+          <a:p>
+            <a:r>
+              <a:rPr lang="en-US" altLang="en-US"/>
               <a:t>Prim</a:t>
             </a:r>
-            <a:endParaRPr lang="" altLang="en-US"/>
-          </a:p>
-          <a:p>
-            <a:endParaRPr lang="" altLang="en-US"/>
-          </a:p>
-          <a:p>
-            <a:r>
-              <a:rPr lang="" altLang="en-US"/>
+            <a:endParaRPr lang="en-US" altLang="en-US"/>
+          </a:p>
+          <a:p>
+            <a:endParaRPr lang="en-US" altLang="en-US"/>
+          </a:p>
+          <a:p>
+            <a:r>
+              <a:rPr lang="en-US" altLang="en-US"/>
               <a:t>Sollin</a:t>
             </a:r>
-            <a:endParaRPr lang="" altLang="en-US"/>
+            <a:endParaRPr lang="en-US" altLang="en-US"/>
           </a:p>
         </p:txBody>
       </p:sp>
@@ -4159,10 +4155,10 @@
           <a:bodyPr/>
           <a:p>
             <a:r>
-              <a:rPr lang="" altLang="en-US"/>
+              <a:rPr lang="en-US" altLang="en-US"/>
               <a:t>Kruskal</a:t>
             </a:r>
-            <a:endParaRPr lang="" altLang="en-US"/>
+            <a:endParaRPr lang="en-US" altLang="en-US"/>
           </a:p>
         </p:txBody>
       </p:sp>
@@ -4304,10 +4300,10 @@
           <a:bodyPr/>
           <a:p>
             <a:r>
-              <a:rPr lang="" altLang="en-US"/>
+              <a:rPr lang="en-US" altLang="en-US"/>
               <a:t>Prim</a:t>
             </a:r>
-            <a:endParaRPr lang="" altLang="en-US"/>
+            <a:endParaRPr lang="en-US" altLang="en-US"/>
           </a:p>
         </p:txBody>
       </p:sp>
@@ -4362,10 +4358,10 @@
           <a:bodyPr/>
           <a:p>
             <a:r>
-              <a:rPr lang="" altLang="en-US"/>
+              <a:rPr lang="en-US" altLang="en-US"/>
               <a:t>Dados utilizados</a:t>
             </a:r>
-            <a:endParaRPr lang="" altLang="en-US"/>
+            <a:endParaRPr lang="en-US" altLang="en-US"/>
           </a:p>
         </p:txBody>
       </p:sp>
@@ -4389,22 +4385,22 @@
           <a:bodyPr/>
           <a:p>
             <a:r>
-              <a:rPr lang="" altLang="en-US"/>
+              <a:rPr lang="en-US" altLang="en-US"/>
               <a:t>Dados de rede óptica italiana, retirados do artigo “</a:t>
             </a:r>
             <a:r>
-              <a:rPr lang="" altLang="en-US" sz="2800" b="1"/>
+              <a:rPr lang="en-US" altLang="en-US" sz="2800" b="1"/>
               <a:t>O Problema da Árvore Geradora Mínima Fuzzy: um algoritmo para o caso envolvendo incertezas nos pesos das arestas e na estrutura da rede”</a:t>
             </a:r>
             <a:r>
-              <a:rPr lang="" altLang="en-US" b="1"/>
+              <a:rPr lang="en-US" altLang="en-US" b="1"/>
               <a:t> </a:t>
             </a:r>
             <a:r>
-              <a:rPr lang="" altLang="en-US"/>
+              <a:rPr lang="en-US" altLang="en-US"/>
               <a:t>de autoria de Fábio Hernandes e Cassiano Blonski Sampaio</a:t>
             </a:r>
-            <a:endParaRPr lang="" altLang="en-US"/>
+            <a:endParaRPr lang="en-US" altLang="en-US"/>
           </a:p>
         </p:txBody>
       </p:sp>
@@ -4441,10 +4437,10 @@
           <a:bodyPr/>
           <a:p>
             <a:r>
-              <a:rPr lang="" altLang="en-US"/>
+              <a:rPr lang="en-US" altLang="en-US"/>
               <a:t>Referências</a:t>
             </a:r>
-            <a:endParaRPr lang="" altLang="en-US"/>
+            <a:endParaRPr lang="en-US" altLang="en-US"/>
           </a:p>
         </p:txBody>
       </p:sp>

--- a/Árvore de Espalhamento Mínimo.pptx
+++ b/Árvore de Espalhamento Mínimo.pptx
@@ -5,27 +5,32 @@
     <p:sldMasterId id="2147483648" r:id="rId1"/>
   </p:sldMasterIdLst>
   <p:notesMasterIdLst>
-    <p:notesMasterId r:id="rId12"/>
+    <p:notesMasterId r:id="rId4"/>
   </p:notesMasterIdLst>
   <p:handoutMasterIdLst>
-    <p:handoutMasterId r:id="rId13"/>
+    <p:handoutMasterId r:id="rId18"/>
   </p:handoutMasterIdLst>
   <p:sldIdLst>
-    <p:sldId id="257" r:id="rId3"/>
-    <p:sldId id="258" r:id="rId4"/>
-    <p:sldId id="259" r:id="rId5"/>
-    <p:sldId id="261" r:id="rId6"/>
-    <p:sldId id="260" r:id="rId7"/>
-    <p:sldId id="262" r:id="rId8"/>
-    <p:sldId id="264" r:id="rId9"/>
-    <p:sldId id="265" r:id="rId10"/>
-    <p:sldId id="263" r:id="rId11"/>
+    <p:sldId id="271" r:id="rId3"/>
+    <p:sldId id="256" r:id="rId5"/>
+    <p:sldId id="258" r:id="rId6"/>
+    <p:sldId id="259" r:id="rId7"/>
+    <p:sldId id="260" r:id="rId8"/>
+    <p:sldId id="262" r:id="rId9"/>
+    <p:sldId id="263" r:id="rId10"/>
+    <p:sldId id="264" r:id="rId11"/>
+    <p:sldId id="265" r:id="rId12"/>
+    <p:sldId id="266" r:id="rId13"/>
+    <p:sldId id="267" r:id="rId14"/>
+    <p:sldId id="268" r:id="rId15"/>
+    <p:sldId id="269" r:id="rId16"/>
+    <p:sldId id="270" r:id="rId17"/>
   </p:sldIdLst>
-  <p:sldSz cx="12192000" cy="6858000"/>
-  <p:notesSz cx="7103745" cy="10234295"/>
+  <p:sldSz cx="10080625" cy="5670550"/>
+  <p:notesSz cx="7559675" cy="10691495"/>
   <p:defaultTextStyle>
     <a:defPPr>
-      <a:defRPr lang="zh-CN"/>
+      <a:defRPr lang="en-US"/>
     </a:defPPr>
     <a:lvl1pPr marL="0" algn="l" defTabSz="914400" rtl="0" eaLnBrk="1" latinLnBrk="0" hangingPunct="1">
       <a:defRPr sz="1800" kern="1200">
@@ -125,9 +130,10 @@
 <p:handoutMaster xmlns:a="http://schemas.openxmlformats.org/drawingml/2006/main" xmlns:r="http://schemas.openxmlformats.org/officeDocument/2006/relationships" xmlns:p="http://schemas.openxmlformats.org/presentationml/2006/main">
   <p:cSld>
     <p:bg>
-      <p:bgRef idx="1001">
-        <a:schemeClr val="bg1"/>
-      </p:bgRef>
+      <p:bgPr>
+        <a:noFill/>
+        <a:effectLst/>
+      </p:bgPr>
     </p:bg>
     <p:spTree>
       <p:nvGrpSpPr>
@@ -145,8 +151,8 @@
       </p:grpSpPr>
       <p:sp>
         <p:nvSpPr>
-          <p:cNvPr id="2" name="页眉占位符 1"/>
-          <p:cNvSpPr>
+          <p:cNvPr id="2" name="Header Placeholder 1"/>
+          <p:cNvSpPr txBox="1">
             <a:spLocks noGrp="1"/>
           </p:cNvSpPr>
           <p:nvPr>
@@ -156,28 +162,50 @@
         <p:spPr>
           <a:xfrm>
             <a:off x="0" y="0"/>
-            <a:ext cx="3078290" cy="513492"/>
+            <a:ext cx="3280680" cy="534240"/>
           </a:xfrm>
           <a:prstGeom prst="rect">
             <a:avLst/>
           </a:prstGeom>
-        </p:spPr>
-        <p:txBody>
-          <a:bodyPr vert="horz" lIns="91440" tIns="45720" rIns="91440" bIns="45720" rtlCol="0"/>
-          <a:lstStyle>
-            <a:lvl1pPr algn="l">
-              <a:defRPr sz="1245"/>
-            </a:lvl1pPr>
-          </a:lstStyle>
-          <a:p>
-            <a:endParaRPr lang="zh-CN" altLang="en-US"/>
-          </a:p>
-        </p:txBody>
-      </p:sp>
-      <p:sp>
-        <p:nvSpPr>
-          <p:cNvPr id="3" name="日期占位符 2"/>
-          <p:cNvSpPr>
+          <a:noFill/>
+          <a:ln>
+            <a:noFill/>
+          </a:ln>
+        </p:spPr>
+        <p:txBody>
+          <a:bodyPr vert="horz" wrap="none" lIns="90000" tIns="45000" rIns="90000" bIns="45000" anchorCtr="0" compatLnSpc="0">
+            <a:noAutofit/>
+          </a:bodyPr>
+          <a:lstStyle/>
+          <a:p>
+            <a:pPr marL="0" marR="0" lvl="0" indent="0" rtl="0" hangingPunct="0">
+              <a:lnSpc>
+                <a:spcPct val="100000"/>
+              </a:lnSpc>
+              <a:spcBef>
+                <a:spcPts val="0"/>
+              </a:spcBef>
+              <a:spcAft>
+                <a:spcPts val="0"/>
+              </a:spcAft>
+              <a:buNone/>
+              <a:defRPr sz="1400"/>
+            </a:pPr>
+            <a:endParaRPr lang="pt-BR" sz="1400" b="0" i="0" u="none" strike="noStrike" kern="1200">
+              <a:ln>
+                <a:noFill/>
+              </a:ln>
+              <a:latin typeface="Arial" panose="020B0604020202020204" pitchFamily="34"/>
+              <a:ea typeface="Microsoft YaHei" pitchFamily="2"/>
+              <a:cs typeface="Mangal" pitchFamily="2"/>
+            </a:endParaRPr>
+          </a:p>
+        </p:txBody>
+      </p:sp>
+      <p:sp>
+        <p:nvSpPr>
+          <p:cNvPr id="3" name="Date Placeholder 2"/>
+          <p:cNvSpPr txBox="1">
             <a:spLocks noGrp="1"/>
           </p:cNvSpPr>
           <p:nvPr>
@@ -186,32 +214,51 @@
         </p:nvSpPr>
         <p:spPr>
           <a:xfrm>
-            <a:off x="4023812" y="0"/>
-            <a:ext cx="3078290" cy="513492"/>
+            <a:off x="4278960" y="0"/>
+            <a:ext cx="3280680" cy="534240"/>
           </a:xfrm>
           <a:prstGeom prst="rect">
             <a:avLst/>
           </a:prstGeom>
-        </p:spPr>
-        <p:txBody>
-          <a:bodyPr vert="horz" lIns="91440" tIns="45720" rIns="91440" bIns="45720" rtlCol="0"/>
-          <a:lstStyle>
-            <a:lvl1pPr algn="r">
-              <a:defRPr sz="1245"/>
-            </a:lvl1pPr>
-          </a:lstStyle>
-          <a:p>
-            <a:fld id="{0F9B84EA-7D68-4D60-9CB1-D50884785D1C}" type="datetimeFigureOut">
-              <a:rPr lang="zh-CN" altLang="en-US" smtClean="0"/>
-            </a:fld>
-            <a:endParaRPr lang="zh-CN" altLang="en-US"/>
-          </a:p>
-        </p:txBody>
-      </p:sp>
-      <p:sp>
-        <p:nvSpPr>
-          <p:cNvPr id="4" name="页脚占位符 3"/>
-          <p:cNvSpPr>
+          <a:noFill/>
+          <a:ln>
+            <a:noFill/>
+          </a:ln>
+        </p:spPr>
+        <p:txBody>
+          <a:bodyPr vert="horz" wrap="none" lIns="90000" tIns="45000" rIns="90000" bIns="45000" anchorCtr="0" compatLnSpc="0">
+            <a:noAutofit/>
+          </a:bodyPr>
+          <a:lstStyle/>
+          <a:p>
+            <a:pPr marL="0" marR="0" lvl="0" indent="0" algn="r" rtl="0" hangingPunct="0">
+              <a:lnSpc>
+                <a:spcPct val="100000"/>
+              </a:lnSpc>
+              <a:spcBef>
+                <a:spcPts val="0"/>
+              </a:spcBef>
+              <a:spcAft>
+                <a:spcPts val="0"/>
+              </a:spcAft>
+              <a:buNone/>
+              <a:defRPr sz="1400"/>
+            </a:pPr>
+            <a:endParaRPr lang="pt-BR" sz="1400" b="0" i="0" u="none" strike="noStrike" kern="1200">
+              <a:ln>
+                <a:noFill/>
+              </a:ln>
+              <a:latin typeface="Arial" panose="020B0604020202020204" pitchFamily="34"/>
+              <a:ea typeface="Microsoft YaHei" pitchFamily="2"/>
+              <a:cs typeface="Mangal" pitchFamily="2"/>
+            </a:endParaRPr>
+          </a:p>
+        </p:txBody>
+      </p:sp>
+      <p:sp>
+        <p:nvSpPr>
+          <p:cNvPr id="4" name="Footer Placeholder 3"/>
+          <p:cNvSpPr txBox="1">
             <a:spLocks noGrp="1"/>
           </p:cNvSpPr>
           <p:nvPr>
@@ -220,29 +267,51 @@
         </p:nvSpPr>
         <p:spPr>
           <a:xfrm>
-            <a:off x="0" y="9720804"/>
-            <a:ext cx="3078290" cy="513491"/>
+            <a:off x="0" y="10157400"/>
+            <a:ext cx="3280680" cy="534240"/>
           </a:xfrm>
           <a:prstGeom prst="rect">
             <a:avLst/>
           </a:prstGeom>
-        </p:spPr>
-        <p:txBody>
-          <a:bodyPr vert="horz" lIns="91440" tIns="45720" rIns="91440" bIns="45720" rtlCol="0" anchor="b"/>
-          <a:lstStyle>
-            <a:lvl1pPr algn="l">
-              <a:defRPr sz="1245"/>
-            </a:lvl1pPr>
-          </a:lstStyle>
-          <a:p>
-            <a:endParaRPr lang="zh-CN" altLang="en-US"/>
-          </a:p>
-        </p:txBody>
-      </p:sp>
-      <p:sp>
-        <p:nvSpPr>
-          <p:cNvPr id="5" name="灯片编号占位符 4"/>
-          <p:cNvSpPr>
+          <a:noFill/>
+          <a:ln>
+            <a:noFill/>
+          </a:ln>
+        </p:spPr>
+        <p:txBody>
+          <a:bodyPr vert="horz" wrap="none" lIns="90000" tIns="45000" rIns="90000" bIns="45000" anchor="b" anchorCtr="0" compatLnSpc="0">
+            <a:noAutofit/>
+          </a:bodyPr>
+          <a:lstStyle/>
+          <a:p>
+            <a:pPr marL="0" marR="0" lvl="0" indent="0" rtl="0" hangingPunct="0">
+              <a:lnSpc>
+                <a:spcPct val="100000"/>
+              </a:lnSpc>
+              <a:spcBef>
+                <a:spcPts val="0"/>
+              </a:spcBef>
+              <a:spcAft>
+                <a:spcPts val="0"/>
+              </a:spcAft>
+              <a:buNone/>
+              <a:defRPr sz="1400"/>
+            </a:pPr>
+            <a:endParaRPr lang="pt-BR" sz="1400" b="0" i="0" u="none" strike="noStrike" kern="1200">
+              <a:ln>
+                <a:noFill/>
+              </a:ln>
+              <a:latin typeface="Arial" panose="020B0604020202020204" pitchFamily="34"/>
+              <a:ea typeface="Microsoft YaHei" pitchFamily="2"/>
+              <a:cs typeface="Mangal" pitchFamily="2"/>
+            </a:endParaRPr>
+          </a:p>
+        </p:txBody>
+      </p:sp>
+      <p:sp>
+        <p:nvSpPr>
+          <p:cNvPr id="5" name="Slide Number Placeholder 4"/>
+          <p:cNvSpPr txBox="1">
             <a:spLocks noGrp="1"/>
           </p:cNvSpPr>
           <p:nvPr>
@@ -251,25 +320,47 @@
         </p:nvSpPr>
         <p:spPr>
           <a:xfrm>
-            <a:off x="4023812" y="9720804"/>
-            <a:ext cx="3078290" cy="513491"/>
+            <a:off x="4278960" y="10157400"/>
+            <a:ext cx="3280680" cy="534240"/>
           </a:xfrm>
           <a:prstGeom prst="rect">
             <a:avLst/>
           </a:prstGeom>
-        </p:spPr>
-        <p:txBody>
-          <a:bodyPr vert="horz" lIns="91440" tIns="45720" rIns="91440" bIns="45720" rtlCol="0" anchor="b"/>
-          <a:lstStyle>
-            <a:lvl1pPr algn="r">
-              <a:defRPr sz="1245"/>
-            </a:lvl1pPr>
-          </a:lstStyle>
-          <a:p>
-            <a:fld id="{8D4E0FC9-F1F8-4FAE-9988-3BA365CFD46F}" type="slidenum">
-              <a:rPr lang="zh-CN" altLang="en-US" smtClean="0"/>
+          <a:noFill/>
+          <a:ln>
+            <a:noFill/>
+          </a:ln>
+        </p:spPr>
+        <p:txBody>
+          <a:bodyPr vert="horz" wrap="none" lIns="90000" tIns="45000" rIns="90000" bIns="45000" anchor="b" anchorCtr="0" compatLnSpc="0">
+            <a:noAutofit/>
+          </a:bodyPr>
+          <a:lstStyle/>
+          <a:p>
+            <a:pPr marL="0" marR="0" lvl="0" indent="0" algn="r" rtl="0" hangingPunct="0">
+              <a:lnSpc>
+                <a:spcPct val="100000"/>
+              </a:lnSpc>
+              <a:spcBef>
+                <a:spcPts val="0"/>
+              </a:spcBef>
+              <a:spcAft>
+                <a:spcPts val="0"/>
+              </a:spcAft>
+              <a:buNone/>
+              <a:defRPr sz="1400"/>
+            </a:pPr>
+            <a:fld id="{1D38B5E6-F3FD-4805-986F-329DAF559E33}" type="slidenum">
+              <a:rPr/>
             </a:fld>
-            <a:endParaRPr lang="zh-CN" altLang="en-US"/>
+            <a:endParaRPr lang="pt-BR" sz="1400" b="0" i="0" u="none" strike="noStrike" kern="1200">
+              <a:ln>
+                <a:noFill/>
+              </a:ln>
+              <a:latin typeface="Arial" panose="020B0604020202020204" pitchFamily="34"/>
+              <a:ea typeface="Microsoft YaHei" pitchFamily="2"/>
+              <a:cs typeface="Mangal" pitchFamily="2"/>
+            </a:endParaRPr>
           </a:p>
         </p:txBody>
       </p:sp>
@@ -303,72 +394,7 @@
       </p:grpSpPr>
       <p:sp>
         <p:nvSpPr>
-          <p:cNvPr id="2" name="页眉占位符 1"/>
-          <p:cNvSpPr>
-            <a:spLocks noGrp="1"/>
-          </p:cNvSpPr>
-          <p:nvPr>
-            <p:ph type="hdr" sz="quarter"/>
-          </p:nvPr>
-        </p:nvSpPr>
-        <p:spPr>
-          <a:xfrm>
-            <a:off x="0" y="0"/>
-            <a:ext cx="3078163" cy="512763"/>
-          </a:xfrm>
-          <a:prstGeom prst="rect">
-            <a:avLst/>
-          </a:prstGeom>
-        </p:spPr>
-        <p:txBody>
-          <a:bodyPr vert="horz" lIns="91440" tIns="45720" rIns="91440" bIns="45720" rtlCol="0"/>
-          <a:lstStyle>
-            <a:lvl1pPr algn="l">
-              <a:defRPr sz="1200"/>
-            </a:lvl1pPr>
-          </a:lstStyle>
-          <a:p>
-            <a:endParaRPr lang="zh-CN" altLang="en-US"/>
-          </a:p>
-        </p:txBody>
-      </p:sp>
-      <p:sp>
-        <p:nvSpPr>
-          <p:cNvPr id="3" name="日期占位符 2"/>
-          <p:cNvSpPr>
-            <a:spLocks noGrp="1"/>
-          </p:cNvSpPr>
-          <p:nvPr>
-            <p:ph type="dt" idx="1"/>
-          </p:nvPr>
-        </p:nvSpPr>
-        <p:spPr>
-          <a:xfrm>
-            <a:off x="4024313" y="0"/>
-            <a:ext cx="3078162" cy="512763"/>
-          </a:xfrm>
-          <a:prstGeom prst="rect">
-            <a:avLst/>
-          </a:prstGeom>
-        </p:spPr>
-        <p:txBody>
-          <a:bodyPr vert="horz" lIns="91440" tIns="45720" rIns="91440" bIns="45720" rtlCol="0"/>
-          <a:lstStyle>
-            <a:lvl1pPr algn="r">
-              <a:defRPr sz="1200"/>
-            </a:lvl1pPr>
-          </a:lstStyle>
-          <a:p>
-            <a:fld id="{D6C8D182-E4C8-4120-9249-FC9774456FFA}" type="datetimeFigureOut">
-              <a:rPr lang="zh-CN" altLang="en-US" smtClean="0"/>
-            </a:fld>
-            <a:endParaRPr lang="zh-CN" altLang="en-US"/>
-          </a:p>
-        </p:txBody>
-      </p:sp>
-      <p:sp>
-        <p:nvSpPr>
-          <p:cNvPr id="4" name="幻灯片图像占位符 3"/>
+          <p:cNvPr id="2" name="Slide Image Placeholder 1"/>
           <p:cNvSpPr>
             <a:spLocks noGrp="1" noRot="1" noChangeAspect="1"/>
           </p:cNvSpPr>
@@ -378,31 +404,23 @@
         </p:nvSpPr>
         <p:spPr>
           <a:xfrm>
-            <a:off x="482600" y="1279525"/>
-            <a:ext cx="6140450" cy="3454400"/>
+            <a:off x="1107000" y="812520"/>
+            <a:ext cx="5345280" cy="4008959"/>
           </a:xfrm>
           <a:prstGeom prst="rect">
             <a:avLst/>
           </a:prstGeom>
           <a:noFill/>
-          <a:ln w="12700">
-            <a:solidFill>
-              <a:prstClr val="black"/>
-            </a:solidFill>
+          <a:ln>
+            <a:noFill/>
+            <a:prstDash val="solid"/>
           </a:ln>
         </p:spPr>
-        <p:txBody>
-          <a:bodyPr vert="horz" lIns="91440" tIns="45720" rIns="91440" bIns="45720" rtlCol="0" anchor="ctr"/>
-          <a:lstStyle/>
-          <a:p>
-            <a:endParaRPr lang="zh-CN" altLang="en-US"/>
-          </a:p>
-        </p:txBody>
-      </p:sp>
-      <p:sp>
-        <p:nvSpPr>
-          <p:cNvPr id="5" name="备注占位符 4"/>
-          <p:cNvSpPr>
+      </p:sp>
+      <p:sp>
+        <p:nvSpPr>
+          <p:cNvPr id="3" name="Notes Placeholder 2"/>
+          <p:cNvSpPr txBox="1">
             <a:spLocks noGrp="1"/>
           </p:cNvSpPr>
           <p:nvPr>
@@ -411,120 +429,197 @@
         </p:nvSpPr>
         <p:spPr>
           <a:xfrm>
-            <a:off x="711200" y="4926013"/>
-            <a:ext cx="5683250" cy="4029075"/>
+            <a:off x="756000" y="5078520"/>
+            <a:ext cx="6047640" cy="4811040"/>
           </a:xfrm>
           <a:prstGeom prst="rect">
             <a:avLst/>
           </a:prstGeom>
-        </p:spPr>
-        <p:txBody>
-          <a:bodyPr vert="horz" lIns="91440" tIns="45720" rIns="91440" bIns="45720" rtlCol="0"/>
-          <a:lstStyle/>
-          <a:p>
-            <a:pPr lvl="0"/>
-            <a:r>
-              <a:rPr lang="zh-CN" altLang="en-US"/>
-              <a:t>编辑母版文本样式</a:t>
-            </a:r>
-            <a:endParaRPr lang="zh-CN" altLang="en-US"/>
-          </a:p>
-          <a:p>
-            <a:pPr lvl="1"/>
-            <a:r>
-              <a:rPr lang="zh-CN" altLang="en-US"/>
-              <a:t>第二级</a:t>
-            </a:r>
-            <a:endParaRPr lang="zh-CN" altLang="en-US"/>
-          </a:p>
-          <a:p>
-            <a:pPr lvl="2"/>
-            <a:r>
-              <a:rPr lang="zh-CN" altLang="en-US"/>
-              <a:t>第三级</a:t>
-            </a:r>
-            <a:endParaRPr lang="zh-CN" altLang="en-US"/>
-          </a:p>
-          <a:p>
-            <a:pPr lvl="3"/>
-            <a:r>
-              <a:rPr lang="zh-CN" altLang="en-US"/>
-              <a:t>第四级</a:t>
-            </a:r>
-            <a:endParaRPr lang="zh-CN" altLang="en-US"/>
-          </a:p>
-          <a:p>
-            <a:pPr lvl="4"/>
-            <a:r>
-              <a:rPr lang="zh-CN" altLang="en-US"/>
-              <a:t>第五级</a:t>
-            </a:r>
-            <a:endParaRPr lang="zh-CN" altLang="en-US"/>
-          </a:p>
-        </p:txBody>
-      </p:sp>
-      <p:sp>
-        <p:nvSpPr>
-          <p:cNvPr id="6" name="页脚占位符 5"/>
-          <p:cNvSpPr>
-            <a:spLocks noGrp="1"/>
-          </p:cNvSpPr>
-          <p:nvPr>
-            <p:ph type="ftr" sz="quarter" idx="4"/>
-          </p:nvPr>
-        </p:nvSpPr>
-        <p:spPr>
-          <a:xfrm>
-            <a:off x="0" y="9721850"/>
-            <a:ext cx="3078163" cy="512763"/>
+          <a:noFill/>
+          <a:ln>
+            <a:noFill/>
+          </a:ln>
+        </p:spPr>
+        <p:txBody>
+          <a:bodyPr lIns="0" tIns="0" rIns="0" bIns="0"/>
+          <a:lstStyle/>
+          <a:p>
+            <a:endParaRPr lang="pt-BR"/>
+          </a:p>
+        </p:txBody>
+      </p:sp>
+      <p:sp>
+        <p:nvSpPr>
+          <p:cNvPr id="4" name="Header Placeholder 3"/>
+          <p:cNvSpPr txBox="1">
+            <a:spLocks noGrp="1"/>
+          </p:cNvSpPr>
+          <p:nvPr>
+            <p:ph type="hdr" sz="quarter"/>
+          </p:nvPr>
+        </p:nvSpPr>
+        <p:spPr>
+          <a:xfrm>
+            <a:off x="0" y="0"/>
+            <a:ext cx="3280680" cy="534240"/>
           </a:xfrm>
           <a:prstGeom prst="rect">
             <a:avLst/>
           </a:prstGeom>
-        </p:spPr>
-        <p:txBody>
-          <a:bodyPr vert="horz" lIns="91440" tIns="45720" rIns="91440" bIns="45720" rtlCol="0" anchor="b"/>
+          <a:noFill/>
+          <a:ln>
+            <a:noFill/>
+          </a:ln>
+        </p:spPr>
+        <p:txBody>
+          <a:bodyPr lIns="0" tIns="0" rIns="0" bIns="0" anchorCtr="0">
+            <a:noAutofit/>
+          </a:bodyPr>
           <a:lstStyle>
-            <a:lvl1pPr algn="l">
-              <a:defRPr sz="1200"/>
+            <a:lvl1pPr lvl="0" rtl="0" hangingPunct="0">
+              <a:buNone/>
+              <a:defRPr lang="pt-BR" sz="1400" kern="1200">
+                <a:latin typeface="Times New Roman" panose="02020603050405020304" pitchFamily="18"/>
+                <a:ea typeface="Segoe UI" pitchFamily="2"/>
+                <a:cs typeface="Tahoma" pitchFamily="2"/>
+              </a:defRPr>
             </a:lvl1pPr>
           </a:lstStyle>
           <a:p>
-            <a:endParaRPr lang="zh-CN" altLang="en-US"/>
-          </a:p>
-        </p:txBody>
-      </p:sp>
-      <p:sp>
-        <p:nvSpPr>
-          <p:cNvPr id="7" name="灯片编号占位符 6"/>
-          <p:cNvSpPr>
-            <a:spLocks noGrp="1"/>
-          </p:cNvSpPr>
-          <p:nvPr>
-            <p:ph type="sldNum" sz="quarter" idx="5"/>
-          </p:nvPr>
-        </p:nvSpPr>
-        <p:spPr>
-          <a:xfrm>
-            <a:off x="4024313" y="9721850"/>
-            <a:ext cx="3078162" cy="512763"/>
+            <a:pPr lvl="0"/>
+            <a:endParaRPr lang="pt-BR"/>
+          </a:p>
+        </p:txBody>
+      </p:sp>
+      <p:sp>
+        <p:nvSpPr>
+          <p:cNvPr id="5" name="Date Placeholder 4"/>
+          <p:cNvSpPr txBox="1">
+            <a:spLocks noGrp="1"/>
+          </p:cNvSpPr>
+          <p:nvPr>
+            <p:ph type="dt" idx="1"/>
+          </p:nvPr>
+        </p:nvSpPr>
+        <p:spPr>
+          <a:xfrm>
+            <a:off x="4278960" y="0"/>
+            <a:ext cx="3280680" cy="534240"/>
           </a:xfrm>
           <a:prstGeom prst="rect">
             <a:avLst/>
           </a:prstGeom>
-        </p:spPr>
-        <p:txBody>
-          <a:bodyPr vert="horz" lIns="91440" tIns="45720" rIns="91440" bIns="45720" rtlCol="0" anchor="b"/>
+          <a:noFill/>
+          <a:ln>
+            <a:noFill/>
+          </a:ln>
+        </p:spPr>
+        <p:txBody>
+          <a:bodyPr lIns="0" tIns="0" rIns="0" bIns="0" anchorCtr="0">
+            <a:noAutofit/>
+          </a:bodyPr>
           <a:lstStyle>
-            <a:lvl1pPr algn="r">
-              <a:defRPr sz="1200"/>
+            <a:lvl1pPr lvl="0" algn="r" rtl="0" hangingPunct="0">
+              <a:buNone/>
+              <a:defRPr lang="pt-BR" sz="1400" kern="1200">
+                <a:latin typeface="Times New Roman" panose="02020603050405020304" pitchFamily="18"/>
+                <a:ea typeface="Segoe UI" pitchFamily="2"/>
+                <a:cs typeface="Tahoma" pitchFamily="2"/>
+              </a:defRPr>
             </a:lvl1pPr>
           </a:lstStyle>
           <a:p>
-            <a:fld id="{85D0DACE-38E0-42D2-9336-2B707D34BC6D}" type="slidenum">
-              <a:rPr lang="zh-CN" altLang="en-US" smtClean="0"/>
+            <a:pPr lvl="0"/>
+            <a:endParaRPr lang="pt-BR"/>
+          </a:p>
+        </p:txBody>
+      </p:sp>
+      <p:sp>
+        <p:nvSpPr>
+          <p:cNvPr id="6" name="Footer Placeholder 5"/>
+          <p:cNvSpPr txBox="1">
+            <a:spLocks noGrp="1"/>
+          </p:cNvSpPr>
+          <p:nvPr>
+            <p:ph type="ftr" sz="quarter" idx="4"/>
+          </p:nvPr>
+        </p:nvSpPr>
+        <p:spPr>
+          <a:xfrm>
+            <a:off x="0" y="10157400"/>
+            <a:ext cx="3280680" cy="534240"/>
+          </a:xfrm>
+          <a:prstGeom prst="rect">
+            <a:avLst/>
+          </a:prstGeom>
+          <a:noFill/>
+          <a:ln>
+            <a:noFill/>
+          </a:ln>
+        </p:spPr>
+        <p:txBody>
+          <a:bodyPr lIns="0" tIns="0" rIns="0" bIns="0" anchor="b" anchorCtr="0">
+            <a:noAutofit/>
+          </a:bodyPr>
+          <a:lstStyle>
+            <a:lvl1pPr lvl="0" rtl="0" hangingPunct="0">
+              <a:buNone/>
+              <a:defRPr lang="pt-BR" sz="1400" kern="1200">
+                <a:latin typeface="Times New Roman" panose="02020603050405020304" pitchFamily="18"/>
+                <a:ea typeface="Segoe UI" pitchFamily="2"/>
+                <a:cs typeface="Tahoma" pitchFamily="2"/>
+              </a:defRPr>
+            </a:lvl1pPr>
+          </a:lstStyle>
+          <a:p>
+            <a:pPr lvl="0"/>
+            <a:endParaRPr lang="pt-BR"/>
+          </a:p>
+        </p:txBody>
+      </p:sp>
+      <p:sp>
+        <p:nvSpPr>
+          <p:cNvPr id="7" name="Slide Number Placeholder 6"/>
+          <p:cNvSpPr txBox="1">
+            <a:spLocks noGrp="1"/>
+          </p:cNvSpPr>
+          <p:nvPr>
+            <p:ph type="sldNum" sz="quarter" idx="5"/>
+          </p:nvPr>
+        </p:nvSpPr>
+        <p:spPr>
+          <a:xfrm>
+            <a:off x="4278960" y="10157400"/>
+            <a:ext cx="3280680" cy="534240"/>
+          </a:xfrm>
+          <a:prstGeom prst="rect">
+            <a:avLst/>
+          </a:prstGeom>
+          <a:noFill/>
+          <a:ln>
+            <a:noFill/>
+          </a:ln>
+        </p:spPr>
+        <p:txBody>
+          <a:bodyPr lIns="0" tIns="0" rIns="0" bIns="0" anchor="b" anchorCtr="0">
+            <a:noAutofit/>
+          </a:bodyPr>
+          <a:lstStyle>
+            <a:lvl1pPr lvl="0" algn="r" rtl="0" hangingPunct="0">
+              <a:buNone/>
+              <a:defRPr lang="pt-BR" sz="1400" kern="1200">
+                <a:latin typeface="Times New Roman" panose="02020603050405020304" pitchFamily="18"/>
+                <a:ea typeface="Segoe UI" pitchFamily="2"/>
+                <a:cs typeface="Tahoma" pitchFamily="2"/>
+              </a:defRPr>
+            </a:lvl1pPr>
+          </a:lstStyle>
+          <a:p>
+            <a:pPr lvl="0"/>
+            <a:fld id="{B1E8E6A4-F1A7-44D6-AA14-BDDCC54152C0}" type="slidenum">
+              <a:rPr/>
             </a:fld>
-            <a:endParaRPr lang="zh-CN" altLang="en-US"/>
+            <a:endParaRPr lang="pt-BR"/>
           </a:p>
         </p:txBody>
       </p:sp>
@@ -532,14 +627,13 @@
   </p:cSld>
   <p:clrMap bg1="lt1" tx1="dk1" bg2="lt2" tx2="dk2" accent1="accent1" accent2="accent2" accent3="accent3" accent4="accent4" accent5="accent5" accent6="accent6" hlink="hlink" folHlink="folHlink"/>
   <p:notesStyle>
-    <a:lvl1pPr marL="0" algn="l" defTabSz="914400" rtl="0" eaLnBrk="1" latinLnBrk="0" hangingPunct="1">
-      <a:defRPr sz="1200" kern="1200">
-        <a:solidFill>
-          <a:schemeClr val="tx1"/>
-        </a:solidFill>
-        <a:latin typeface="+mn-lt"/>
-        <a:ea typeface="+mn-ea"/>
-        <a:cs typeface="+mn-cs"/>
+    <a:lvl1pPr marL="215900" marR="0" indent="-215900" rtl="0" hangingPunct="0">
+      <a:defRPr lang="pt-BR" sz="2000" b="0" i="0" u="none" strike="noStrike" kern="1200">
+        <a:ln>
+          <a:noFill/>
+        </a:ln>
+        <a:latin typeface="Arial" panose="020B0604020202020204" pitchFamily="34"/>
+        <a:ea typeface="Microsoft YaHei" pitchFamily="2"/>
       </a:defRPr>
     </a:lvl1pPr>
     <a:lvl2pPr marL="457200" algn="l" defTabSz="914400" rtl="0" eaLnBrk="1" latinLnBrk="0" hangingPunct="1">
@@ -626,6 +720,1336 @@
 </p:notesMaster>
 </file>
 
+<file path=ppt/notesSlides/notesSlide1.xml><?xml version="1.0" encoding="utf-8"?>
+<p:notes xmlns:a="http://schemas.openxmlformats.org/drawingml/2006/main" xmlns:r="http://schemas.openxmlformats.org/officeDocument/2006/relationships" xmlns:p="http://schemas.openxmlformats.org/presentationml/2006/main">
+  <p:cSld>
+    <p:spTree>
+      <p:nvGrpSpPr>
+        <p:cNvPr id="1" name=""/>
+        <p:cNvGrpSpPr/>
+        <p:nvPr/>
+      </p:nvGrpSpPr>
+      <p:grpSpPr>
+        <a:xfrm>
+          <a:off x="0" y="0"/>
+          <a:ext cx="0" cy="0"/>
+          <a:chOff x="0" y="0"/>
+          <a:chExt cx="0" cy="0"/>
+        </a:xfrm>
+      </p:grpSpPr>
+      <p:sp>
+        <p:nvSpPr>
+          <p:cNvPr id="7" name="Slide Number Placeholder 6"/>
+          <p:cNvSpPr txBox="1">
+            <a:spLocks noGrp="1"/>
+          </p:cNvSpPr>
+          <p:nvPr>
+            <p:ph type="sldNum" sz="quarter" idx="5"/>
+          </p:nvPr>
+        </p:nvSpPr>
+        <p:spPr/>
+        <p:txBody>
+          <a:bodyPr lIns="0" tIns="0" rIns="0" bIns="0" anchor="b" anchorCtr="0">
+            <a:noAutofit/>
+          </a:bodyPr>
+          <a:lstStyle/>
+          <a:p>
+            <a:pPr lvl="0"/>
+            <a:fld id="{CDF6E232-69DE-4663-BFEB-12C3646D3681}" type="slidenum">
+              <a:rPr/>
+            </a:fld>
+            <a:endParaRPr lang="pt-BR"/>
+          </a:p>
+        </p:txBody>
+      </p:sp>
+      <p:sp>
+        <p:nvSpPr>
+          <p:cNvPr id="2" name="Slide Image Placeholder 1"/>
+          <p:cNvSpPr>
+            <a:spLocks noGrp="1" noRot="1" noChangeAspect="1" noResize="1"/>
+          </p:cNvSpPr>
+          <p:nvPr>
+            <p:ph type="sldImg"/>
+          </p:nvPr>
+        </p:nvSpPr>
+        <p:spPr>
+          <a:xfrm>
+            <a:off x="217488" y="812800"/>
+            <a:ext cx="7123112" cy="4008438"/>
+          </a:xfrm>
+          <a:solidFill>
+            <a:srgbClr val="729FCF"/>
+          </a:solidFill>
+          <a:ln w="25400">
+            <a:solidFill>
+              <a:srgbClr val="3465AF"/>
+            </a:solidFill>
+            <a:prstDash val="solid"/>
+          </a:ln>
+        </p:spPr>
+      </p:sp>
+      <p:sp>
+        <p:nvSpPr>
+          <p:cNvPr id="3" name="Notes Placeholder 2"/>
+          <p:cNvSpPr txBox="1">
+            <a:spLocks noGrp="1"/>
+          </p:cNvSpPr>
+          <p:nvPr>
+            <p:ph type="body" sz="quarter" idx="1"/>
+          </p:nvPr>
+        </p:nvSpPr>
+        <p:spPr/>
+        <p:txBody>
+          <a:bodyPr/>
+          <a:lstStyle/>
+          <a:p>
+            <a:endParaRPr lang="pt-BR"/>
+          </a:p>
+        </p:txBody>
+      </p:sp>
+    </p:spTree>
+  </p:cSld>
+  <p:clrMapOvr>
+    <a:masterClrMapping/>
+  </p:clrMapOvr>
+</p:notes>
+</file>
+
+<file path=ppt/notesSlides/notesSlide10.xml><?xml version="1.0" encoding="utf-8"?>
+<p:notes xmlns:a="http://schemas.openxmlformats.org/drawingml/2006/main" xmlns:r="http://schemas.openxmlformats.org/officeDocument/2006/relationships" xmlns:p="http://schemas.openxmlformats.org/presentationml/2006/main">
+  <p:cSld>
+    <p:spTree>
+      <p:nvGrpSpPr>
+        <p:cNvPr id="1" name=""/>
+        <p:cNvGrpSpPr/>
+        <p:nvPr/>
+      </p:nvGrpSpPr>
+      <p:grpSpPr>
+        <a:xfrm>
+          <a:off x="0" y="0"/>
+          <a:ext cx="0" cy="0"/>
+          <a:chOff x="0" y="0"/>
+          <a:chExt cx="0" cy="0"/>
+        </a:xfrm>
+      </p:grpSpPr>
+      <p:sp>
+        <p:nvSpPr>
+          <p:cNvPr id="7" name="Slide Number Placeholder 6"/>
+          <p:cNvSpPr txBox="1">
+            <a:spLocks noGrp="1"/>
+          </p:cNvSpPr>
+          <p:nvPr>
+            <p:ph type="sldNum" sz="quarter" idx="5"/>
+          </p:nvPr>
+        </p:nvSpPr>
+        <p:spPr/>
+        <p:txBody>
+          <a:bodyPr lIns="0" tIns="0" rIns="0" bIns="0" anchor="b" anchorCtr="0">
+            <a:noAutofit/>
+          </a:bodyPr>
+          <a:lstStyle/>
+          <a:p>
+            <a:pPr lvl="0"/>
+            <a:fld id="{CDF6E232-69DE-4663-BFEB-12C3646D3681}" type="slidenum">
+              <a:rPr/>
+            </a:fld>
+            <a:endParaRPr lang="pt-BR"/>
+          </a:p>
+        </p:txBody>
+      </p:sp>
+      <p:sp>
+        <p:nvSpPr>
+          <p:cNvPr id="2" name="Slide Image Placeholder 1"/>
+          <p:cNvSpPr>
+            <a:spLocks noGrp="1" noRot="1" noChangeAspect="1" noResize="1"/>
+          </p:cNvSpPr>
+          <p:nvPr>
+            <p:ph type="sldImg"/>
+          </p:nvPr>
+        </p:nvSpPr>
+        <p:spPr>
+          <a:xfrm>
+            <a:off x="217488" y="812800"/>
+            <a:ext cx="7123112" cy="4008438"/>
+          </a:xfrm>
+          <a:solidFill>
+            <a:srgbClr val="729FCF"/>
+          </a:solidFill>
+          <a:ln w="25400">
+            <a:solidFill>
+              <a:srgbClr val="3465AF"/>
+            </a:solidFill>
+            <a:prstDash val="solid"/>
+          </a:ln>
+        </p:spPr>
+      </p:sp>
+      <p:sp>
+        <p:nvSpPr>
+          <p:cNvPr id="3" name="Notes Placeholder 2"/>
+          <p:cNvSpPr txBox="1">
+            <a:spLocks noGrp="1"/>
+          </p:cNvSpPr>
+          <p:nvPr>
+            <p:ph type="body" sz="quarter" idx="1"/>
+          </p:nvPr>
+        </p:nvSpPr>
+        <p:spPr/>
+        <p:txBody>
+          <a:bodyPr/>
+          <a:lstStyle/>
+          <a:p>
+            <a:endParaRPr lang="pt-BR"/>
+          </a:p>
+        </p:txBody>
+      </p:sp>
+    </p:spTree>
+  </p:cSld>
+  <p:clrMapOvr>
+    <a:masterClrMapping/>
+  </p:clrMapOvr>
+</p:notes>
+</file>
+
+<file path=ppt/notesSlides/notesSlide11.xml><?xml version="1.0" encoding="utf-8"?>
+<p:notes xmlns:a="http://schemas.openxmlformats.org/drawingml/2006/main" xmlns:r="http://schemas.openxmlformats.org/officeDocument/2006/relationships" xmlns:p="http://schemas.openxmlformats.org/presentationml/2006/main">
+  <p:cSld>
+    <p:spTree>
+      <p:nvGrpSpPr>
+        <p:cNvPr id="1" name=""/>
+        <p:cNvGrpSpPr/>
+        <p:nvPr/>
+      </p:nvGrpSpPr>
+      <p:grpSpPr>
+        <a:xfrm>
+          <a:off x="0" y="0"/>
+          <a:ext cx="0" cy="0"/>
+          <a:chOff x="0" y="0"/>
+          <a:chExt cx="0" cy="0"/>
+        </a:xfrm>
+      </p:grpSpPr>
+      <p:sp>
+        <p:nvSpPr>
+          <p:cNvPr id="7" name="Slide Number Placeholder 6"/>
+          <p:cNvSpPr txBox="1">
+            <a:spLocks noGrp="1"/>
+          </p:cNvSpPr>
+          <p:nvPr>
+            <p:ph type="sldNum" sz="quarter" idx="5"/>
+          </p:nvPr>
+        </p:nvSpPr>
+        <p:spPr/>
+        <p:txBody>
+          <a:bodyPr lIns="0" tIns="0" rIns="0" bIns="0" anchor="b" anchorCtr="0">
+            <a:noAutofit/>
+          </a:bodyPr>
+          <a:lstStyle/>
+          <a:p>
+            <a:pPr lvl="0"/>
+            <a:fld id="{CDF6E232-69DE-4663-BFEB-12C3646D3681}" type="slidenum">
+              <a:rPr/>
+            </a:fld>
+            <a:endParaRPr lang="pt-BR"/>
+          </a:p>
+        </p:txBody>
+      </p:sp>
+      <p:sp>
+        <p:nvSpPr>
+          <p:cNvPr id="2" name="Slide Image Placeholder 1"/>
+          <p:cNvSpPr>
+            <a:spLocks noGrp="1" noRot="1" noChangeAspect="1" noResize="1"/>
+          </p:cNvSpPr>
+          <p:nvPr>
+            <p:ph type="sldImg"/>
+          </p:nvPr>
+        </p:nvSpPr>
+        <p:spPr>
+          <a:xfrm>
+            <a:off x="217488" y="812800"/>
+            <a:ext cx="7123112" cy="4008438"/>
+          </a:xfrm>
+          <a:solidFill>
+            <a:srgbClr val="729FCF"/>
+          </a:solidFill>
+          <a:ln w="25400">
+            <a:solidFill>
+              <a:srgbClr val="3465AF"/>
+            </a:solidFill>
+            <a:prstDash val="solid"/>
+          </a:ln>
+        </p:spPr>
+      </p:sp>
+      <p:sp>
+        <p:nvSpPr>
+          <p:cNvPr id="3" name="Notes Placeholder 2"/>
+          <p:cNvSpPr txBox="1">
+            <a:spLocks noGrp="1"/>
+          </p:cNvSpPr>
+          <p:nvPr>
+            <p:ph type="body" sz="quarter" idx="1"/>
+          </p:nvPr>
+        </p:nvSpPr>
+        <p:spPr/>
+        <p:txBody>
+          <a:bodyPr/>
+          <a:lstStyle/>
+          <a:p>
+            <a:endParaRPr lang="pt-BR"/>
+          </a:p>
+        </p:txBody>
+      </p:sp>
+    </p:spTree>
+  </p:cSld>
+  <p:clrMapOvr>
+    <a:masterClrMapping/>
+  </p:clrMapOvr>
+</p:notes>
+</file>
+
+<file path=ppt/notesSlides/notesSlide12.xml><?xml version="1.0" encoding="utf-8"?>
+<p:notes xmlns:a="http://schemas.openxmlformats.org/drawingml/2006/main" xmlns:r="http://schemas.openxmlformats.org/officeDocument/2006/relationships" xmlns:p="http://schemas.openxmlformats.org/presentationml/2006/main">
+  <p:cSld>
+    <p:spTree>
+      <p:nvGrpSpPr>
+        <p:cNvPr id="1" name=""/>
+        <p:cNvGrpSpPr/>
+        <p:nvPr/>
+      </p:nvGrpSpPr>
+      <p:grpSpPr>
+        <a:xfrm>
+          <a:off x="0" y="0"/>
+          <a:ext cx="0" cy="0"/>
+          <a:chOff x="0" y="0"/>
+          <a:chExt cx="0" cy="0"/>
+        </a:xfrm>
+      </p:grpSpPr>
+      <p:sp>
+        <p:nvSpPr>
+          <p:cNvPr id="7" name="Slide Number Placeholder 6"/>
+          <p:cNvSpPr txBox="1">
+            <a:spLocks noGrp="1"/>
+          </p:cNvSpPr>
+          <p:nvPr>
+            <p:ph type="sldNum" sz="quarter" idx="5"/>
+          </p:nvPr>
+        </p:nvSpPr>
+        <p:spPr/>
+        <p:txBody>
+          <a:bodyPr lIns="0" tIns="0" rIns="0" bIns="0" anchor="b" anchorCtr="0">
+            <a:noAutofit/>
+          </a:bodyPr>
+          <a:lstStyle/>
+          <a:p>
+            <a:pPr lvl="0"/>
+            <a:fld id="{CDF6E232-69DE-4663-BFEB-12C3646D3681}" type="slidenum">
+              <a:rPr/>
+            </a:fld>
+            <a:endParaRPr lang="pt-BR"/>
+          </a:p>
+        </p:txBody>
+      </p:sp>
+      <p:sp>
+        <p:nvSpPr>
+          <p:cNvPr id="2" name="Slide Image Placeholder 1"/>
+          <p:cNvSpPr>
+            <a:spLocks noGrp="1" noRot="1" noChangeAspect="1" noResize="1"/>
+          </p:cNvSpPr>
+          <p:nvPr>
+            <p:ph type="sldImg"/>
+          </p:nvPr>
+        </p:nvSpPr>
+        <p:spPr>
+          <a:xfrm>
+            <a:off x="217488" y="812800"/>
+            <a:ext cx="7123112" cy="4008438"/>
+          </a:xfrm>
+          <a:solidFill>
+            <a:srgbClr val="729FCF"/>
+          </a:solidFill>
+          <a:ln w="25400">
+            <a:solidFill>
+              <a:srgbClr val="3465AF"/>
+            </a:solidFill>
+            <a:prstDash val="solid"/>
+          </a:ln>
+        </p:spPr>
+      </p:sp>
+      <p:sp>
+        <p:nvSpPr>
+          <p:cNvPr id="3" name="Notes Placeholder 2"/>
+          <p:cNvSpPr txBox="1">
+            <a:spLocks noGrp="1"/>
+          </p:cNvSpPr>
+          <p:nvPr>
+            <p:ph type="body" sz="quarter" idx="1"/>
+          </p:nvPr>
+        </p:nvSpPr>
+        <p:spPr/>
+        <p:txBody>
+          <a:bodyPr/>
+          <a:lstStyle/>
+          <a:p>
+            <a:endParaRPr lang="pt-BR"/>
+          </a:p>
+        </p:txBody>
+      </p:sp>
+    </p:spTree>
+  </p:cSld>
+  <p:clrMapOvr>
+    <a:masterClrMapping/>
+  </p:clrMapOvr>
+</p:notes>
+</file>
+
+<file path=ppt/notesSlides/notesSlide13.xml><?xml version="1.0" encoding="utf-8"?>
+<p:notes xmlns:a="http://schemas.openxmlformats.org/drawingml/2006/main" xmlns:r="http://schemas.openxmlformats.org/officeDocument/2006/relationships" xmlns:p="http://schemas.openxmlformats.org/presentationml/2006/main">
+  <p:cSld>
+    <p:spTree>
+      <p:nvGrpSpPr>
+        <p:cNvPr id="1" name=""/>
+        <p:cNvGrpSpPr/>
+        <p:nvPr/>
+      </p:nvGrpSpPr>
+      <p:grpSpPr>
+        <a:xfrm>
+          <a:off x="0" y="0"/>
+          <a:ext cx="0" cy="0"/>
+          <a:chOff x="0" y="0"/>
+          <a:chExt cx="0" cy="0"/>
+        </a:xfrm>
+      </p:grpSpPr>
+      <p:sp>
+        <p:nvSpPr>
+          <p:cNvPr id="7" name="Slide Number Placeholder 6"/>
+          <p:cNvSpPr txBox="1">
+            <a:spLocks noGrp="1"/>
+          </p:cNvSpPr>
+          <p:nvPr>
+            <p:ph type="sldNum" sz="quarter" idx="5"/>
+          </p:nvPr>
+        </p:nvSpPr>
+        <p:spPr/>
+        <p:txBody>
+          <a:bodyPr lIns="0" tIns="0" rIns="0" bIns="0" anchor="b" anchorCtr="0">
+            <a:noAutofit/>
+          </a:bodyPr>
+          <a:lstStyle/>
+          <a:p>
+            <a:pPr lvl="0"/>
+            <a:fld id="{CDF6E232-69DE-4663-BFEB-12C3646D3681}" type="slidenum">
+              <a:rPr/>
+            </a:fld>
+            <a:endParaRPr lang="pt-BR"/>
+          </a:p>
+        </p:txBody>
+      </p:sp>
+      <p:sp>
+        <p:nvSpPr>
+          <p:cNvPr id="2" name="Slide Image Placeholder 1"/>
+          <p:cNvSpPr>
+            <a:spLocks noGrp="1" noRot="1" noChangeAspect="1" noResize="1"/>
+          </p:cNvSpPr>
+          <p:nvPr>
+            <p:ph type="sldImg"/>
+          </p:nvPr>
+        </p:nvSpPr>
+        <p:spPr>
+          <a:xfrm>
+            <a:off x="217488" y="812800"/>
+            <a:ext cx="7123112" cy="4008438"/>
+          </a:xfrm>
+          <a:solidFill>
+            <a:srgbClr val="729FCF"/>
+          </a:solidFill>
+          <a:ln w="25400">
+            <a:solidFill>
+              <a:srgbClr val="3465AF"/>
+            </a:solidFill>
+            <a:prstDash val="solid"/>
+          </a:ln>
+        </p:spPr>
+      </p:sp>
+      <p:sp>
+        <p:nvSpPr>
+          <p:cNvPr id="3" name="Notes Placeholder 2"/>
+          <p:cNvSpPr txBox="1">
+            <a:spLocks noGrp="1"/>
+          </p:cNvSpPr>
+          <p:nvPr>
+            <p:ph type="body" sz="quarter" idx="1"/>
+          </p:nvPr>
+        </p:nvSpPr>
+        <p:spPr/>
+        <p:txBody>
+          <a:bodyPr/>
+          <a:lstStyle/>
+          <a:p>
+            <a:endParaRPr lang="pt-BR"/>
+          </a:p>
+        </p:txBody>
+      </p:sp>
+    </p:spTree>
+  </p:cSld>
+  <p:clrMapOvr>
+    <a:masterClrMapping/>
+  </p:clrMapOvr>
+</p:notes>
+</file>
+
+<file path=ppt/notesSlides/notesSlide14.xml><?xml version="1.0" encoding="utf-8"?>
+<p:notes xmlns:a="http://schemas.openxmlformats.org/drawingml/2006/main" xmlns:r="http://schemas.openxmlformats.org/officeDocument/2006/relationships" xmlns:p="http://schemas.openxmlformats.org/presentationml/2006/main">
+  <p:cSld>
+    <p:spTree>
+      <p:nvGrpSpPr>
+        <p:cNvPr id="1" name=""/>
+        <p:cNvGrpSpPr/>
+        <p:nvPr/>
+      </p:nvGrpSpPr>
+      <p:grpSpPr>
+        <a:xfrm>
+          <a:off x="0" y="0"/>
+          <a:ext cx="0" cy="0"/>
+          <a:chOff x="0" y="0"/>
+          <a:chExt cx="0" cy="0"/>
+        </a:xfrm>
+      </p:grpSpPr>
+      <p:sp>
+        <p:nvSpPr>
+          <p:cNvPr id="7" name="Slide Number Placeholder 6"/>
+          <p:cNvSpPr txBox="1">
+            <a:spLocks noGrp="1"/>
+          </p:cNvSpPr>
+          <p:nvPr>
+            <p:ph type="sldNum" sz="quarter" idx="5"/>
+          </p:nvPr>
+        </p:nvSpPr>
+        <p:spPr/>
+        <p:txBody>
+          <a:bodyPr lIns="0" tIns="0" rIns="0" bIns="0" anchor="b" anchorCtr="0">
+            <a:noAutofit/>
+          </a:bodyPr>
+          <a:lstStyle/>
+          <a:p>
+            <a:pPr lvl="0"/>
+            <a:fld id="{CDF6E232-69DE-4663-BFEB-12C3646D3681}" type="slidenum">
+              <a:rPr/>
+            </a:fld>
+            <a:endParaRPr lang="pt-BR"/>
+          </a:p>
+        </p:txBody>
+      </p:sp>
+      <p:sp>
+        <p:nvSpPr>
+          <p:cNvPr id="2" name="Slide Image Placeholder 1"/>
+          <p:cNvSpPr>
+            <a:spLocks noGrp="1" noRot="1" noChangeAspect="1" noResize="1"/>
+          </p:cNvSpPr>
+          <p:nvPr>
+            <p:ph type="sldImg"/>
+          </p:nvPr>
+        </p:nvSpPr>
+        <p:spPr>
+          <a:xfrm>
+            <a:off x="217488" y="812800"/>
+            <a:ext cx="7123112" cy="4008438"/>
+          </a:xfrm>
+          <a:solidFill>
+            <a:srgbClr val="729FCF"/>
+          </a:solidFill>
+          <a:ln w="25400">
+            <a:solidFill>
+              <a:srgbClr val="3465AF"/>
+            </a:solidFill>
+            <a:prstDash val="solid"/>
+          </a:ln>
+        </p:spPr>
+      </p:sp>
+      <p:sp>
+        <p:nvSpPr>
+          <p:cNvPr id="3" name="Notes Placeholder 2"/>
+          <p:cNvSpPr txBox="1">
+            <a:spLocks noGrp="1"/>
+          </p:cNvSpPr>
+          <p:nvPr>
+            <p:ph type="body" sz="quarter" idx="1"/>
+          </p:nvPr>
+        </p:nvSpPr>
+        <p:spPr/>
+        <p:txBody>
+          <a:bodyPr/>
+          <a:lstStyle/>
+          <a:p>
+            <a:endParaRPr lang="pt-BR"/>
+          </a:p>
+        </p:txBody>
+      </p:sp>
+    </p:spTree>
+  </p:cSld>
+  <p:clrMapOvr>
+    <a:masterClrMapping/>
+  </p:clrMapOvr>
+</p:notes>
+</file>
+
+<file path=ppt/notesSlides/notesSlide2.xml><?xml version="1.0" encoding="utf-8"?>
+<p:notes xmlns:a="http://schemas.openxmlformats.org/drawingml/2006/main" xmlns:r="http://schemas.openxmlformats.org/officeDocument/2006/relationships" xmlns:p="http://schemas.openxmlformats.org/presentationml/2006/main">
+  <p:cSld>
+    <p:spTree>
+      <p:nvGrpSpPr>
+        <p:cNvPr id="1" name=""/>
+        <p:cNvGrpSpPr/>
+        <p:nvPr/>
+      </p:nvGrpSpPr>
+      <p:grpSpPr>
+        <a:xfrm>
+          <a:off x="0" y="0"/>
+          <a:ext cx="0" cy="0"/>
+          <a:chOff x="0" y="0"/>
+          <a:chExt cx="0" cy="0"/>
+        </a:xfrm>
+      </p:grpSpPr>
+      <p:sp>
+        <p:nvSpPr>
+          <p:cNvPr id="7" name="Slide Number Placeholder 6"/>
+          <p:cNvSpPr txBox="1">
+            <a:spLocks noGrp="1"/>
+          </p:cNvSpPr>
+          <p:nvPr>
+            <p:ph type="sldNum" sz="quarter" idx="5"/>
+          </p:nvPr>
+        </p:nvSpPr>
+        <p:spPr/>
+        <p:txBody>
+          <a:bodyPr lIns="0" tIns="0" rIns="0" bIns="0" anchor="b" anchorCtr="0">
+            <a:noAutofit/>
+          </a:bodyPr>
+          <a:lstStyle/>
+          <a:p>
+            <a:pPr lvl="0"/>
+            <a:fld id="{CDF6E232-69DE-4663-BFEB-12C3646D3681}" type="slidenum">
+              <a:rPr/>
+            </a:fld>
+            <a:endParaRPr lang="pt-BR"/>
+          </a:p>
+        </p:txBody>
+      </p:sp>
+      <p:sp>
+        <p:nvSpPr>
+          <p:cNvPr id="2" name="Slide Image Placeholder 1"/>
+          <p:cNvSpPr>
+            <a:spLocks noGrp="1" noRot="1" noChangeAspect="1" noResize="1"/>
+          </p:cNvSpPr>
+          <p:nvPr>
+            <p:ph type="sldImg"/>
+          </p:nvPr>
+        </p:nvSpPr>
+        <p:spPr>
+          <a:xfrm>
+            <a:off x="217488" y="812800"/>
+            <a:ext cx="7123112" cy="4008438"/>
+          </a:xfrm>
+          <a:solidFill>
+            <a:srgbClr val="729FCF"/>
+          </a:solidFill>
+          <a:ln w="25400">
+            <a:solidFill>
+              <a:srgbClr val="3465AF"/>
+            </a:solidFill>
+            <a:prstDash val="solid"/>
+          </a:ln>
+        </p:spPr>
+      </p:sp>
+      <p:sp>
+        <p:nvSpPr>
+          <p:cNvPr id="3" name="Notes Placeholder 2"/>
+          <p:cNvSpPr txBox="1">
+            <a:spLocks noGrp="1"/>
+          </p:cNvSpPr>
+          <p:nvPr>
+            <p:ph type="body" sz="quarter" idx="1"/>
+          </p:nvPr>
+        </p:nvSpPr>
+        <p:spPr/>
+        <p:txBody>
+          <a:bodyPr/>
+          <a:lstStyle/>
+          <a:p>
+            <a:endParaRPr lang="pt-BR"/>
+          </a:p>
+        </p:txBody>
+      </p:sp>
+    </p:spTree>
+  </p:cSld>
+  <p:clrMapOvr>
+    <a:masterClrMapping/>
+  </p:clrMapOvr>
+</p:notes>
+</file>
+
+<file path=ppt/notesSlides/notesSlide3.xml><?xml version="1.0" encoding="utf-8"?>
+<p:notes xmlns:a="http://schemas.openxmlformats.org/drawingml/2006/main" xmlns:r="http://schemas.openxmlformats.org/officeDocument/2006/relationships" xmlns:p="http://schemas.openxmlformats.org/presentationml/2006/main">
+  <p:cSld>
+    <p:spTree>
+      <p:nvGrpSpPr>
+        <p:cNvPr id="1" name=""/>
+        <p:cNvGrpSpPr/>
+        <p:nvPr/>
+      </p:nvGrpSpPr>
+      <p:grpSpPr>
+        <a:xfrm>
+          <a:off x="0" y="0"/>
+          <a:ext cx="0" cy="0"/>
+          <a:chOff x="0" y="0"/>
+          <a:chExt cx="0" cy="0"/>
+        </a:xfrm>
+      </p:grpSpPr>
+      <p:sp>
+        <p:nvSpPr>
+          <p:cNvPr id="7" name="Slide Number Placeholder 6"/>
+          <p:cNvSpPr txBox="1">
+            <a:spLocks noGrp="1"/>
+          </p:cNvSpPr>
+          <p:nvPr>
+            <p:ph type="sldNum" sz="quarter" idx="5"/>
+          </p:nvPr>
+        </p:nvSpPr>
+        <p:spPr/>
+        <p:txBody>
+          <a:bodyPr lIns="0" tIns="0" rIns="0" bIns="0" anchor="b" anchorCtr="0">
+            <a:noAutofit/>
+          </a:bodyPr>
+          <a:lstStyle/>
+          <a:p>
+            <a:pPr lvl="0"/>
+            <a:fld id="{CDF6E232-69DE-4663-BFEB-12C3646D3681}" type="slidenum">
+              <a:rPr/>
+            </a:fld>
+            <a:endParaRPr lang="pt-BR"/>
+          </a:p>
+        </p:txBody>
+      </p:sp>
+      <p:sp>
+        <p:nvSpPr>
+          <p:cNvPr id="2" name="Slide Image Placeholder 1"/>
+          <p:cNvSpPr>
+            <a:spLocks noGrp="1" noRot="1" noChangeAspect="1" noResize="1"/>
+          </p:cNvSpPr>
+          <p:nvPr>
+            <p:ph type="sldImg"/>
+          </p:nvPr>
+        </p:nvSpPr>
+        <p:spPr>
+          <a:xfrm>
+            <a:off x="217488" y="812800"/>
+            <a:ext cx="7123112" cy="4008438"/>
+          </a:xfrm>
+          <a:solidFill>
+            <a:srgbClr val="729FCF"/>
+          </a:solidFill>
+          <a:ln w="25400">
+            <a:solidFill>
+              <a:srgbClr val="3465AF"/>
+            </a:solidFill>
+            <a:prstDash val="solid"/>
+          </a:ln>
+        </p:spPr>
+      </p:sp>
+      <p:sp>
+        <p:nvSpPr>
+          <p:cNvPr id="3" name="Notes Placeholder 2"/>
+          <p:cNvSpPr txBox="1">
+            <a:spLocks noGrp="1"/>
+          </p:cNvSpPr>
+          <p:nvPr>
+            <p:ph type="body" sz="quarter" idx="1"/>
+          </p:nvPr>
+        </p:nvSpPr>
+        <p:spPr/>
+        <p:txBody>
+          <a:bodyPr/>
+          <a:lstStyle/>
+          <a:p>
+            <a:endParaRPr lang="pt-BR"/>
+          </a:p>
+        </p:txBody>
+      </p:sp>
+    </p:spTree>
+  </p:cSld>
+  <p:clrMapOvr>
+    <a:masterClrMapping/>
+  </p:clrMapOvr>
+</p:notes>
+</file>
+
+<file path=ppt/notesSlides/notesSlide4.xml><?xml version="1.0" encoding="utf-8"?>
+<p:notes xmlns:a="http://schemas.openxmlformats.org/drawingml/2006/main" xmlns:r="http://schemas.openxmlformats.org/officeDocument/2006/relationships" xmlns:p="http://schemas.openxmlformats.org/presentationml/2006/main">
+  <p:cSld>
+    <p:spTree>
+      <p:nvGrpSpPr>
+        <p:cNvPr id="1" name=""/>
+        <p:cNvGrpSpPr/>
+        <p:nvPr/>
+      </p:nvGrpSpPr>
+      <p:grpSpPr>
+        <a:xfrm>
+          <a:off x="0" y="0"/>
+          <a:ext cx="0" cy="0"/>
+          <a:chOff x="0" y="0"/>
+          <a:chExt cx="0" cy="0"/>
+        </a:xfrm>
+      </p:grpSpPr>
+      <p:sp>
+        <p:nvSpPr>
+          <p:cNvPr id="7" name="Slide Number Placeholder 6"/>
+          <p:cNvSpPr txBox="1">
+            <a:spLocks noGrp="1"/>
+          </p:cNvSpPr>
+          <p:nvPr>
+            <p:ph type="sldNum" sz="quarter" idx="5"/>
+          </p:nvPr>
+        </p:nvSpPr>
+        <p:spPr/>
+        <p:txBody>
+          <a:bodyPr lIns="0" tIns="0" rIns="0" bIns="0" anchor="b" anchorCtr="0">
+            <a:noAutofit/>
+          </a:bodyPr>
+          <a:lstStyle/>
+          <a:p>
+            <a:pPr lvl="0"/>
+            <a:fld id="{CDF6E232-69DE-4663-BFEB-12C3646D3681}" type="slidenum">
+              <a:rPr/>
+            </a:fld>
+            <a:endParaRPr lang="pt-BR"/>
+          </a:p>
+        </p:txBody>
+      </p:sp>
+      <p:sp>
+        <p:nvSpPr>
+          <p:cNvPr id="2" name="Slide Image Placeholder 1"/>
+          <p:cNvSpPr>
+            <a:spLocks noGrp="1" noRot="1" noChangeAspect="1" noResize="1"/>
+          </p:cNvSpPr>
+          <p:nvPr>
+            <p:ph type="sldImg"/>
+          </p:nvPr>
+        </p:nvSpPr>
+        <p:spPr>
+          <a:xfrm>
+            <a:off x="217488" y="812800"/>
+            <a:ext cx="7123112" cy="4008438"/>
+          </a:xfrm>
+          <a:solidFill>
+            <a:srgbClr val="729FCF"/>
+          </a:solidFill>
+          <a:ln w="25400">
+            <a:solidFill>
+              <a:srgbClr val="3465AF"/>
+            </a:solidFill>
+            <a:prstDash val="solid"/>
+          </a:ln>
+        </p:spPr>
+      </p:sp>
+      <p:sp>
+        <p:nvSpPr>
+          <p:cNvPr id="3" name="Notes Placeholder 2"/>
+          <p:cNvSpPr txBox="1">
+            <a:spLocks noGrp="1"/>
+          </p:cNvSpPr>
+          <p:nvPr>
+            <p:ph type="body" sz="quarter" idx="1"/>
+          </p:nvPr>
+        </p:nvSpPr>
+        <p:spPr/>
+        <p:txBody>
+          <a:bodyPr/>
+          <a:lstStyle/>
+          <a:p>
+            <a:endParaRPr lang="pt-BR"/>
+          </a:p>
+        </p:txBody>
+      </p:sp>
+    </p:spTree>
+  </p:cSld>
+  <p:clrMapOvr>
+    <a:masterClrMapping/>
+  </p:clrMapOvr>
+</p:notes>
+</file>
+
+<file path=ppt/notesSlides/notesSlide5.xml><?xml version="1.0" encoding="utf-8"?>
+<p:notes xmlns:a="http://schemas.openxmlformats.org/drawingml/2006/main" xmlns:r="http://schemas.openxmlformats.org/officeDocument/2006/relationships" xmlns:p="http://schemas.openxmlformats.org/presentationml/2006/main">
+  <p:cSld>
+    <p:spTree>
+      <p:nvGrpSpPr>
+        <p:cNvPr id="1" name=""/>
+        <p:cNvGrpSpPr/>
+        <p:nvPr/>
+      </p:nvGrpSpPr>
+      <p:grpSpPr>
+        <a:xfrm>
+          <a:off x="0" y="0"/>
+          <a:ext cx="0" cy="0"/>
+          <a:chOff x="0" y="0"/>
+          <a:chExt cx="0" cy="0"/>
+        </a:xfrm>
+      </p:grpSpPr>
+      <p:sp>
+        <p:nvSpPr>
+          <p:cNvPr id="7" name="Slide Number Placeholder 6"/>
+          <p:cNvSpPr txBox="1">
+            <a:spLocks noGrp="1"/>
+          </p:cNvSpPr>
+          <p:nvPr>
+            <p:ph type="sldNum" sz="quarter" idx="5"/>
+          </p:nvPr>
+        </p:nvSpPr>
+        <p:spPr/>
+        <p:txBody>
+          <a:bodyPr lIns="0" tIns="0" rIns="0" bIns="0" anchor="b" anchorCtr="0">
+            <a:noAutofit/>
+          </a:bodyPr>
+          <a:lstStyle/>
+          <a:p>
+            <a:pPr lvl="0"/>
+            <a:fld id="{CDF6E232-69DE-4663-BFEB-12C3646D3681}" type="slidenum">
+              <a:rPr/>
+            </a:fld>
+            <a:endParaRPr lang="pt-BR"/>
+          </a:p>
+        </p:txBody>
+      </p:sp>
+      <p:sp>
+        <p:nvSpPr>
+          <p:cNvPr id="2" name="Slide Image Placeholder 1"/>
+          <p:cNvSpPr>
+            <a:spLocks noGrp="1" noRot="1" noChangeAspect="1" noResize="1"/>
+          </p:cNvSpPr>
+          <p:nvPr>
+            <p:ph type="sldImg"/>
+          </p:nvPr>
+        </p:nvSpPr>
+        <p:spPr>
+          <a:xfrm>
+            <a:off x="217488" y="812800"/>
+            <a:ext cx="7123112" cy="4008438"/>
+          </a:xfrm>
+          <a:solidFill>
+            <a:srgbClr val="729FCF"/>
+          </a:solidFill>
+          <a:ln w="25400">
+            <a:solidFill>
+              <a:srgbClr val="3465AF"/>
+            </a:solidFill>
+            <a:prstDash val="solid"/>
+          </a:ln>
+        </p:spPr>
+      </p:sp>
+      <p:sp>
+        <p:nvSpPr>
+          <p:cNvPr id="3" name="Notes Placeholder 2"/>
+          <p:cNvSpPr txBox="1">
+            <a:spLocks noGrp="1"/>
+          </p:cNvSpPr>
+          <p:nvPr>
+            <p:ph type="body" sz="quarter" idx="1"/>
+          </p:nvPr>
+        </p:nvSpPr>
+        <p:spPr/>
+        <p:txBody>
+          <a:bodyPr/>
+          <a:lstStyle/>
+          <a:p>
+            <a:endParaRPr lang="pt-BR"/>
+          </a:p>
+        </p:txBody>
+      </p:sp>
+    </p:spTree>
+  </p:cSld>
+  <p:clrMapOvr>
+    <a:masterClrMapping/>
+  </p:clrMapOvr>
+</p:notes>
+</file>
+
+<file path=ppt/notesSlides/notesSlide6.xml><?xml version="1.0" encoding="utf-8"?>
+<p:notes xmlns:a="http://schemas.openxmlformats.org/drawingml/2006/main" xmlns:r="http://schemas.openxmlformats.org/officeDocument/2006/relationships" xmlns:p="http://schemas.openxmlformats.org/presentationml/2006/main">
+  <p:cSld>
+    <p:spTree>
+      <p:nvGrpSpPr>
+        <p:cNvPr id="1" name=""/>
+        <p:cNvGrpSpPr/>
+        <p:nvPr/>
+      </p:nvGrpSpPr>
+      <p:grpSpPr>
+        <a:xfrm>
+          <a:off x="0" y="0"/>
+          <a:ext cx="0" cy="0"/>
+          <a:chOff x="0" y="0"/>
+          <a:chExt cx="0" cy="0"/>
+        </a:xfrm>
+      </p:grpSpPr>
+      <p:sp>
+        <p:nvSpPr>
+          <p:cNvPr id="7" name="Slide Number Placeholder 6"/>
+          <p:cNvSpPr txBox="1">
+            <a:spLocks noGrp="1"/>
+          </p:cNvSpPr>
+          <p:nvPr>
+            <p:ph type="sldNum" sz="quarter" idx="5"/>
+          </p:nvPr>
+        </p:nvSpPr>
+        <p:spPr/>
+        <p:txBody>
+          <a:bodyPr lIns="0" tIns="0" rIns="0" bIns="0" anchor="b" anchorCtr="0">
+            <a:noAutofit/>
+          </a:bodyPr>
+          <a:lstStyle/>
+          <a:p>
+            <a:pPr lvl="0"/>
+            <a:fld id="{CDF6E232-69DE-4663-BFEB-12C3646D3681}" type="slidenum">
+              <a:rPr/>
+            </a:fld>
+            <a:endParaRPr lang="pt-BR"/>
+          </a:p>
+        </p:txBody>
+      </p:sp>
+      <p:sp>
+        <p:nvSpPr>
+          <p:cNvPr id="2" name="Slide Image Placeholder 1"/>
+          <p:cNvSpPr>
+            <a:spLocks noGrp="1" noRot="1" noChangeAspect="1" noResize="1"/>
+          </p:cNvSpPr>
+          <p:nvPr>
+            <p:ph type="sldImg"/>
+          </p:nvPr>
+        </p:nvSpPr>
+        <p:spPr>
+          <a:xfrm>
+            <a:off x="217488" y="812800"/>
+            <a:ext cx="7123112" cy="4008438"/>
+          </a:xfrm>
+          <a:solidFill>
+            <a:srgbClr val="729FCF"/>
+          </a:solidFill>
+          <a:ln w="25400">
+            <a:solidFill>
+              <a:srgbClr val="3465AF"/>
+            </a:solidFill>
+            <a:prstDash val="solid"/>
+          </a:ln>
+        </p:spPr>
+      </p:sp>
+      <p:sp>
+        <p:nvSpPr>
+          <p:cNvPr id="3" name="Notes Placeholder 2"/>
+          <p:cNvSpPr txBox="1">
+            <a:spLocks noGrp="1"/>
+          </p:cNvSpPr>
+          <p:nvPr>
+            <p:ph type="body" sz="quarter" idx="1"/>
+          </p:nvPr>
+        </p:nvSpPr>
+        <p:spPr/>
+        <p:txBody>
+          <a:bodyPr/>
+          <a:lstStyle/>
+          <a:p>
+            <a:endParaRPr lang="pt-BR"/>
+          </a:p>
+        </p:txBody>
+      </p:sp>
+    </p:spTree>
+  </p:cSld>
+  <p:clrMapOvr>
+    <a:masterClrMapping/>
+  </p:clrMapOvr>
+</p:notes>
+</file>
+
+<file path=ppt/notesSlides/notesSlide7.xml><?xml version="1.0" encoding="utf-8"?>
+<p:notes xmlns:a="http://schemas.openxmlformats.org/drawingml/2006/main" xmlns:r="http://schemas.openxmlformats.org/officeDocument/2006/relationships" xmlns:p="http://schemas.openxmlformats.org/presentationml/2006/main">
+  <p:cSld>
+    <p:spTree>
+      <p:nvGrpSpPr>
+        <p:cNvPr id="1" name=""/>
+        <p:cNvGrpSpPr/>
+        <p:nvPr/>
+      </p:nvGrpSpPr>
+      <p:grpSpPr>
+        <a:xfrm>
+          <a:off x="0" y="0"/>
+          <a:ext cx="0" cy="0"/>
+          <a:chOff x="0" y="0"/>
+          <a:chExt cx="0" cy="0"/>
+        </a:xfrm>
+      </p:grpSpPr>
+      <p:sp>
+        <p:nvSpPr>
+          <p:cNvPr id="7" name="Slide Number Placeholder 6"/>
+          <p:cNvSpPr txBox="1">
+            <a:spLocks noGrp="1"/>
+          </p:cNvSpPr>
+          <p:nvPr>
+            <p:ph type="sldNum" sz="quarter" idx="5"/>
+          </p:nvPr>
+        </p:nvSpPr>
+        <p:spPr/>
+        <p:txBody>
+          <a:bodyPr lIns="0" tIns="0" rIns="0" bIns="0" anchor="b" anchorCtr="0">
+            <a:noAutofit/>
+          </a:bodyPr>
+          <a:lstStyle/>
+          <a:p>
+            <a:pPr lvl="0"/>
+            <a:fld id="{CDF6E232-69DE-4663-BFEB-12C3646D3681}" type="slidenum">
+              <a:rPr/>
+            </a:fld>
+            <a:endParaRPr lang="pt-BR"/>
+          </a:p>
+        </p:txBody>
+      </p:sp>
+      <p:sp>
+        <p:nvSpPr>
+          <p:cNvPr id="2" name="Slide Image Placeholder 1"/>
+          <p:cNvSpPr>
+            <a:spLocks noGrp="1" noRot="1" noChangeAspect="1" noResize="1"/>
+          </p:cNvSpPr>
+          <p:nvPr>
+            <p:ph type="sldImg"/>
+          </p:nvPr>
+        </p:nvSpPr>
+        <p:spPr>
+          <a:xfrm>
+            <a:off x="217488" y="812800"/>
+            <a:ext cx="7123112" cy="4008438"/>
+          </a:xfrm>
+          <a:solidFill>
+            <a:srgbClr val="729FCF"/>
+          </a:solidFill>
+          <a:ln w="25400">
+            <a:solidFill>
+              <a:srgbClr val="3465AF"/>
+            </a:solidFill>
+            <a:prstDash val="solid"/>
+          </a:ln>
+        </p:spPr>
+      </p:sp>
+      <p:sp>
+        <p:nvSpPr>
+          <p:cNvPr id="3" name="Notes Placeholder 2"/>
+          <p:cNvSpPr txBox="1">
+            <a:spLocks noGrp="1"/>
+          </p:cNvSpPr>
+          <p:nvPr>
+            <p:ph type="body" sz="quarter" idx="1"/>
+          </p:nvPr>
+        </p:nvSpPr>
+        <p:spPr/>
+        <p:txBody>
+          <a:bodyPr/>
+          <a:lstStyle/>
+          <a:p>
+            <a:endParaRPr lang="pt-BR"/>
+          </a:p>
+        </p:txBody>
+      </p:sp>
+    </p:spTree>
+  </p:cSld>
+  <p:clrMapOvr>
+    <a:masterClrMapping/>
+  </p:clrMapOvr>
+</p:notes>
+</file>
+
+<file path=ppt/notesSlides/notesSlide8.xml><?xml version="1.0" encoding="utf-8"?>
+<p:notes xmlns:a="http://schemas.openxmlformats.org/drawingml/2006/main" xmlns:r="http://schemas.openxmlformats.org/officeDocument/2006/relationships" xmlns:p="http://schemas.openxmlformats.org/presentationml/2006/main">
+  <p:cSld>
+    <p:spTree>
+      <p:nvGrpSpPr>
+        <p:cNvPr id="1" name=""/>
+        <p:cNvGrpSpPr/>
+        <p:nvPr/>
+      </p:nvGrpSpPr>
+      <p:grpSpPr>
+        <a:xfrm>
+          <a:off x="0" y="0"/>
+          <a:ext cx="0" cy="0"/>
+          <a:chOff x="0" y="0"/>
+          <a:chExt cx="0" cy="0"/>
+        </a:xfrm>
+      </p:grpSpPr>
+      <p:sp>
+        <p:nvSpPr>
+          <p:cNvPr id="7" name="Slide Number Placeholder 6"/>
+          <p:cNvSpPr txBox="1">
+            <a:spLocks noGrp="1"/>
+          </p:cNvSpPr>
+          <p:nvPr>
+            <p:ph type="sldNum" sz="quarter" idx="5"/>
+          </p:nvPr>
+        </p:nvSpPr>
+        <p:spPr/>
+        <p:txBody>
+          <a:bodyPr lIns="0" tIns="0" rIns="0" bIns="0" anchor="b" anchorCtr="0">
+            <a:noAutofit/>
+          </a:bodyPr>
+          <a:lstStyle/>
+          <a:p>
+            <a:pPr lvl="0"/>
+            <a:fld id="{CDF6E232-69DE-4663-BFEB-12C3646D3681}" type="slidenum">
+              <a:rPr/>
+            </a:fld>
+            <a:endParaRPr lang="pt-BR"/>
+          </a:p>
+        </p:txBody>
+      </p:sp>
+      <p:sp>
+        <p:nvSpPr>
+          <p:cNvPr id="2" name="Slide Image Placeholder 1"/>
+          <p:cNvSpPr>
+            <a:spLocks noGrp="1" noRot="1" noChangeAspect="1" noResize="1"/>
+          </p:cNvSpPr>
+          <p:nvPr>
+            <p:ph type="sldImg"/>
+          </p:nvPr>
+        </p:nvSpPr>
+        <p:spPr>
+          <a:xfrm>
+            <a:off x="217488" y="812800"/>
+            <a:ext cx="7123112" cy="4008438"/>
+          </a:xfrm>
+          <a:solidFill>
+            <a:srgbClr val="729FCF"/>
+          </a:solidFill>
+          <a:ln w="25400">
+            <a:solidFill>
+              <a:srgbClr val="3465AF"/>
+            </a:solidFill>
+            <a:prstDash val="solid"/>
+          </a:ln>
+        </p:spPr>
+      </p:sp>
+      <p:sp>
+        <p:nvSpPr>
+          <p:cNvPr id="3" name="Notes Placeholder 2"/>
+          <p:cNvSpPr txBox="1">
+            <a:spLocks noGrp="1"/>
+          </p:cNvSpPr>
+          <p:nvPr>
+            <p:ph type="body" sz="quarter" idx="1"/>
+          </p:nvPr>
+        </p:nvSpPr>
+        <p:spPr/>
+        <p:txBody>
+          <a:bodyPr/>
+          <a:lstStyle/>
+          <a:p>
+            <a:endParaRPr lang="pt-BR"/>
+          </a:p>
+        </p:txBody>
+      </p:sp>
+    </p:spTree>
+  </p:cSld>
+  <p:clrMapOvr>
+    <a:masterClrMapping/>
+  </p:clrMapOvr>
+</p:notes>
+</file>
+
+<file path=ppt/notesSlides/notesSlide9.xml><?xml version="1.0" encoding="utf-8"?>
+<p:notes xmlns:a="http://schemas.openxmlformats.org/drawingml/2006/main" xmlns:r="http://schemas.openxmlformats.org/officeDocument/2006/relationships" xmlns:p="http://schemas.openxmlformats.org/presentationml/2006/main">
+  <p:cSld>
+    <p:spTree>
+      <p:nvGrpSpPr>
+        <p:cNvPr id="1" name=""/>
+        <p:cNvGrpSpPr/>
+        <p:nvPr/>
+      </p:nvGrpSpPr>
+      <p:grpSpPr>
+        <a:xfrm>
+          <a:off x="0" y="0"/>
+          <a:ext cx="0" cy="0"/>
+          <a:chOff x="0" y="0"/>
+          <a:chExt cx="0" cy="0"/>
+        </a:xfrm>
+      </p:grpSpPr>
+      <p:sp>
+        <p:nvSpPr>
+          <p:cNvPr id="7" name="Slide Number Placeholder 6"/>
+          <p:cNvSpPr txBox="1">
+            <a:spLocks noGrp="1"/>
+          </p:cNvSpPr>
+          <p:nvPr>
+            <p:ph type="sldNum" sz="quarter" idx="5"/>
+          </p:nvPr>
+        </p:nvSpPr>
+        <p:spPr/>
+        <p:txBody>
+          <a:bodyPr lIns="0" tIns="0" rIns="0" bIns="0" anchor="b" anchorCtr="0">
+            <a:noAutofit/>
+          </a:bodyPr>
+          <a:lstStyle/>
+          <a:p>
+            <a:pPr lvl="0"/>
+            <a:fld id="{CDF6E232-69DE-4663-BFEB-12C3646D3681}" type="slidenum">
+              <a:rPr/>
+            </a:fld>
+            <a:endParaRPr lang="pt-BR"/>
+          </a:p>
+        </p:txBody>
+      </p:sp>
+      <p:sp>
+        <p:nvSpPr>
+          <p:cNvPr id="2" name="Slide Image Placeholder 1"/>
+          <p:cNvSpPr>
+            <a:spLocks noGrp="1" noRot="1" noChangeAspect="1" noResize="1"/>
+          </p:cNvSpPr>
+          <p:nvPr>
+            <p:ph type="sldImg"/>
+          </p:nvPr>
+        </p:nvSpPr>
+        <p:spPr>
+          <a:xfrm>
+            <a:off x="217488" y="812800"/>
+            <a:ext cx="7123112" cy="4008438"/>
+          </a:xfrm>
+          <a:solidFill>
+            <a:srgbClr val="729FCF"/>
+          </a:solidFill>
+          <a:ln w="25400">
+            <a:solidFill>
+              <a:srgbClr val="3465AF"/>
+            </a:solidFill>
+            <a:prstDash val="solid"/>
+          </a:ln>
+        </p:spPr>
+      </p:sp>
+      <p:sp>
+        <p:nvSpPr>
+          <p:cNvPr id="3" name="Notes Placeholder 2"/>
+          <p:cNvSpPr txBox="1">
+            <a:spLocks noGrp="1"/>
+          </p:cNvSpPr>
+          <p:nvPr>
+            <p:ph type="body" sz="quarter" idx="1"/>
+          </p:nvPr>
+        </p:nvSpPr>
+        <p:spPr/>
+        <p:txBody>
+          <a:bodyPr/>
+          <a:lstStyle/>
+          <a:p>
+            <a:endParaRPr lang="pt-BR"/>
+          </a:p>
+        </p:txBody>
+      </p:sp>
+    </p:spTree>
+  </p:cSld>
+  <p:clrMapOvr>
+    <a:masterClrMapping/>
+  </p:clrMapOvr>
+</p:notes>
+</file>
+
 <file path=ppt/slideLayouts/slideLayout1.xml><?xml version="1.0" encoding="utf-8"?>
 <p:sldLayout xmlns:a="http://schemas.openxmlformats.org/drawingml/2006/main" xmlns:r="http://schemas.openxmlformats.org/officeDocument/2006/relationships" xmlns:p="http://schemas.openxmlformats.org/presentationml/2006/main" type="title" preserve="1">
   <p:cSld name="Title Slide">
@@ -655,15 +2079,15 @@
         </p:nvSpPr>
         <p:spPr>
           <a:xfrm>
-            <a:off x="1524000" y="1122363"/>
-            <a:ext cx="9144000" cy="2387600"/>
+            <a:off x="1260475" y="928688"/>
+            <a:ext cx="7559675" cy="1973262"/>
           </a:xfrm>
         </p:spPr>
         <p:txBody>
           <a:bodyPr anchor="b"/>
           <a:lstStyle>
             <a:lvl1pPr algn="ctr">
-              <a:defRPr sz="4500"/>
+              <a:defRPr sz="6000"/>
             </a:lvl1pPr>
           </a:lstStyle>
           <a:p>
@@ -687,8 +2111,8 @@
         </p:nvSpPr>
         <p:spPr>
           <a:xfrm>
-            <a:off x="1524000" y="3602038"/>
-            <a:ext cx="9144000" cy="1655762"/>
+            <a:off x="1260475" y="2978150"/>
+            <a:ext cx="7559675" cy="1370013"/>
           </a:xfrm>
         </p:spPr>
         <p:txBody>
@@ -696,39 +2120,39 @@
           <a:lstStyle>
             <a:lvl1pPr marL="0" indent="0" algn="ctr">
               <a:buNone/>
+              <a:defRPr sz="2400"/>
+            </a:lvl1pPr>
+            <a:lvl2pPr marL="457200" indent="0" algn="ctr">
+              <a:buNone/>
+              <a:defRPr sz="2000"/>
+            </a:lvl2pPr>
+            <a:lvl3pPr marL="914400" indent="0" algn="ctr">
+              <a:buNone/>
               <a:defRPr sz="1800"/>
-            </a:lvl1pPr>
-            <a:lvl2pPr marL="342900" indent="0" algn="ctr">
-              <a:buNone/>
-              <a:defRPr sz="1500"/>
-            </a:lvl2pPr>
-            <a:lvl3pPr marL="685800" indent="0" algn="ctr">
-              <a:buNone/>
-              <a:defRPr sz="1350"/>
             </a:lvl3pPr>
-            <a:lvl4pPr marL="1028700" indent="0" algn="ctr">
-              <a:buNone/>
-              <a:defRPr sz="1200"/>
+            <a:lvl4pPr marL="1371600" indent="0" algn="ctr">
+              <a:buNone/>
+              <a:defRPr sz="1600"/>
             </a:lvl4pPr>
-            <a:lvl5pPr marL="1371600" indent="0" algn="ctr">
-              <a:buNone/>
-              <a:defRPr sz="1200"/>
+            <a:lvl5pPr marL="1828800" indent="0" algn="ctr">
+              <a:buNone/>
+              <a:defRPr sz="1600"/>
             </a:lvl5pPr>
-            <a:lvl6pPr marL="1714500" indent="0" algn="ctr">
-              <a:buNone/>
-              <a:defRPr sz="1200"/>
+            <a:lvl6pPr marL="2286000" indent="0" algn="ctr">
+              <a:buNone/>
+              <a:defRPr sz="1600"/>
             </a:lvl6pPr>
-            <a:lvl7pPr marL="2057400" indent="0" algn="ctr">
-              <a:buNone/>
-              <a:defRPr sz="1200"/>
+            <a:lvl7pPr marL="2743200" indent="0" algn="ctr">
+              <a:buNone/>
+              <a:defRPr sz="1600"/>
             </a:lvl7pPr>
-            <a:lvl8pPr marL="2400300" indent="0" algn="ctr">
-              <a:buNone/>
-              <a:defRPr sz="1200"/>
+            <a:lvl8pPr marL="3200400" indent="0" algn="ctr">
+              <a:buNone/>
+              <a:defRPr sz="1600"/>
             </a:lvl8pPr>
-            <a:lvl9pPr marL="2743200" indent="0" algn="ctr">
-              <a:buNone/>
-              <a:defRPr sz="1200"/>
+            <a:lvl9pPr marL="3657600" indent="0" algn="ctr">
+              <a:buNone/>
+              <a:defRPr sz="1600"/>
             </a:lvl9pPr>
           </a:lstStyle>
           <a:p>
@@ -755,51 +2179,51 @@
           <a:bodyPr/>
           <a:lstStyle/>
           <a:p>
-            <a:fld id="{760FBDFE-C587-4B4C-A407-44438C67B59E}" type="datetimeFigureOut">
-              <a:rPr lang="zh-CN" altLang="en-US" smtClean="0"/>
+            <a:pPr lvl="0"/>
+            <a:endParaRPr lang="pt-BR"/>
+          </a:p>
+        </p:txBody>
+      </p:sp>
+      <p:sp>
+        <p:nvSpPr>
+          <p:cNvPr id="5" name="Footer Placeholder 4"/>
+          <p:cNvSpPr>
+            <a:spLocks noGrp="1"/>
+          </p:cNvSpPr>
+          <p:nvPr>
+            <p:ph type="ftr" sz="quarter" idx="11"/>
+          </p:nvPr>
+        </p:nvSpPr>
+        <p:spPr/>
+        <p:txBody>
+          <a:bodyPr/>
+          <a:lstStyle/>
+          <a:p>
+            <a:pPr lvl="0"/>
+            <a:endParaRPr lang="pt-BR"/>
+          </a:p>
+        </p:txBody>
+      </p:sp>
+      <p:sp>
+        <p:nvSpPr>
+          <p:cNvPr id="6" name="Slide Number Placeholder 5"/>
+          <p:cNvSpPr>
+            <a:spLocks noGrp="1"/>
+          </p:cNvSpPr>
+          <p:nvPr>
+            <p:ph type="sldNum" sz="quarter" idx="12"/>
+          </p:nvPr>
+        </p:nvSpPr>
+        <p:spPr/>
+        <p:txBody>
+          <a:bodyPr/>
+          <a:lstStyle/>
+          <a:p>
+            <a:pPr lvl="0"/>
+            <a:fld id="{81326177-6CDF-4373-A63F-74BFB12A9ED5}" type="slidenum">
+              <a:rPr/>
             </a:fld>
-            <a:endParaRPr lang="zh-CN" altLang="en-US"/>
-          </a:p>
-        </p:txBody>
-      </p:sp>
-      <p:sp>
-        <p:nvSpPr>
-          <p:cNvPr id="5" name="Footer Placeholder 4"/>
-          <p:cNvSpPr>
-            <a:spLocks noGrp="1"/>
-          </p:cNvSpPr>
-          <p:nvPr>
-            <p:ph type="ftr" sz="quarter" idx="11"/>
-          </p:nvPr>
-        </p:nvSpPr>
-        <p:spPr/>
-        <p:txBody>
-          <a:bodyPr/>
-          <a:lstStyle/>
-          <a:p>
-            <a:endParaRPr lang="zh-CN" altLang="en-US"/>
-          </a:p>
-        </p:txBody>
-      </p:sp>
-      <p:sp>
-        <p:nvSpPr>
-          <p:cNvPr id="6" name="Slide Number Placeholder 5"/>
-          <p:cNvSpPr>
-            <a:spLocks noGrp="1"/>
-          </p:cNvSpPr>
-          <p:nvPr>
-            <p:ph type="sldNum" sz="quarter" idx="12"/>
-          </p:nvPr>
-        </p:nvSpPr>
-        <p:spPr/>
-        <p:txBody>
-          <a:bodyPr/>
-          <a:lstStyle/>
-          <a:p>
-            <a:fld id="{49AE70B2-8BF9-45C0-BB95-33D1B9D3A854}" type="slidenum">
-              <a:rPr lang="zh-CN" altLang="en-US" smtClean="0"/>
-            </a:fld>
-            <a:endParaRPr lang="zh-CN" altLang="en-US"/>
+            <a:endParaRPr lang="pt-BR"/>
           </a:p>
         </p:txBody>
       </p:sp>
@@ -808,7 +2232,14 @@
   <p:clrMapOvr>
     <a:masterClrMapping/>
   </p:clrMapOvr>
-  <p:hf sldNum="0" hdr="0" ftr="0" dt="0"/>
+  <mc:AlternateContent xmlns:mc="http://schemas.openxmlformats.org/markup-compatibility/2006">
+    <mc:Choice xmlns:p14="http://schemas.microsoft.com/office/powerpoint/2010/main" Requires="p14">
+      <p:transition spd="slow" p14:dur="2000"/>
+    </mc:Choice>
+    <mc:Fallback>
+      <p:transition spd="slow"/>
+    </mc:Fallback>
+  </mc:AlternateContent>
 </p:sldLayout>
 </file>
 
@@ -870,7 +2301,7 @@
             <a:pPr lvl="0"/>
             <a:r>
               <a:rPr lang="en-US" smtClean="0"/>
-              <a:t>Click to edit Master text styles</a:t>
+              <a:t>Edit Master text styles</a:t>
             </a:r>
             <a:endParaRPr lang="en-US" smtClean="0"/>
           </a:p>
@@ -923,36 +2354,8 @@
           <a:bodyPr/>
           <a:lstStyle/>
           <a:p>
-            <a:pPr marL="0" marR="0" lvl="0" indent="0" algn="l" defTabSz="914400" rtl="0" eaLnBrk="1" fontAlgn="base" latinLnBrk="0" hangingPunct="1">
-              <a:lnSpc>
-                <a:spcPct val="100000"/>
-              </a:lnSpc>
-              <a:spcBef>
-                <a:spcPct val="0"/>
-              </a:spcBef>
-              <a:spcAft>
-                <a:spcPct val="0"/>
-              </a:spcAft>
-              <a:buClrTx/>
-              <a:buSzTx/>
-              <a:buFontTx/>
-              <a:buNone/>
-              <a:defRPr/>
-            </a:pPr>
-            <a:endParaRPr kumimoji="0" lang="en-US" altLang="zh-CN" sz="1400" b="0" i="0" u="none" strike="noStrike" kern="1200" cap="none" spc="0" normalizeH="0" baseline="0" noProof="0" smtClean="0">
-              <a:ln>
-                <a:noFill/>
-              </a:ln>
-              <a:solidFill>
-                <a:schemeClr val="tx1"/>
-              </a:solidFill>
-              <a:effectLst/>
-              <a:uLnTx/>
-              <a:uFillTx/>
-              <a:latin typeface="Arial" panose="020B0604020202020204" pitchFamily="34" charset="0"/>
-              <a:ea typeface="SimSun" pitchFamily="2" charset="-122"/>
-              <a:cs typeface="+mn-cs"/>
-            </a:endParaRPr>
+            <a:pPr lvl="0"/>
+            <a:endParaRPr lang="pt-BR"/>
           </a:p>
         </p:txBody>
       </p:sp>
@@ -971,36 +2374,8 @@
           <a:bodyPr/>
           <a:lstStyle/>
           <a:p>
-            <a:pPr marL="0" marR="0" lvl="0" indent="0" algn="ctr" defTabSz="914400" rtl="0" eaLnBrk="1" fontAlgn="base" latinLnBrk="0" hangingPunct="1">
-              <a:lnSpc>
-                <a:spcPct val="100000"/>
-              </a:lnSpc>
-              <a:spcBef>
-                <a:spcPct val="0"/>
-              </a:spcBef>
-              <a:spcAft>
-                <a:spcPct val="0"/>
-              </a:spcAft>
-              <a:buClrTx/>
-              <a:buSzTx/>
-              <a:buFontTx/>
-              <a:buNone/>
-              <a:defRPr/>
-            </a:pPr>
-            <a:endParaRPr kumimoji="0" lang="en-US" altLang="zh-CN" sz="1400" b="0" i="0" u="none" strike="noStrike" kern="1200" cap="none" spc="0" normalizeH="0" baseline="0" noProof="0" smtClean="0">
-              <a:ln>
-                <a:noFill/>
-              </a:ln>
-              <a:solidFill>
-                <a:schemeClr val="tx1"/>
-              </a:solidFill>
-              <a:effectLst/>
-              <a:uLnTx/>
-              <a:uFillTx/>
-              <a:latin typeface="Arial" panose="020B0604020202020204" pitchFamily="34" charset="0"/>
-              <a:ea typeface="SimSun" pitchFamily="2" charset="-122"/>
-              <a:cs typeface="+mn-cs"/>
-            </a:endParaRPr>
+            <a:pPr lvl="0"/>
+            <a:endParaRPr lang="pt-BR"/>
           </a:p>
         </p:txBody>
       </p:sp>
@@ -1019,52 +2394,11 @@
           <a:bodyPr/>
           <a:lstStyle/>
           <a:p>
-            <a:pPr marL="0" marR="0" lvl="0" indent="0" algn="r" defTabSz="914400" rtl="0" eaLnBrk="1" fontAlgn="base" latinLnBrk="0" hangingPunct="1">
-              <a:lnSpc>
-                <a:spcPct val="100000"/>
-              </a:lnSpc>
-              <a:spcBef>
-                <a:spcPct val="0"/>
-              </a:spcBef>
-              <a:spcAft>
-                <a:spcPct val="0"/>
-              </a:spcAft>
-              <a:buClrTx/>
-              <a:buSzTx/>
-              <a:buFontTx/>
-              <a:buNone/>
-              <a:defRPr/>
-            </a:pPr>
-            <a:fld id="{38544C22-EC13-4D2B-BB53-07ACC9C2DCDB}" type="slidenum">
-              <a:rPr kumimoji="0" lang="en-US" altLang="zh-CN" sz="1400" b="0" i="0" u="none" strike="noStrike" kern="1200" cap="none" spc="0" normalizeH="0" baseline="0" noProof="0" smtClean="0">
-                <a:ln>
-                  <a:noFill/>
-                </a:ln>
-                <a:solidFill>
-                  <a:schemeClr val="tx1"/>
-                </a:solidFill>
-                <a:effectLst/>
-                <a:uLnTx/>
-                <a:uFillTx/>
-                <a:latin typeface="Arial" panose="020B0604020202020204" pitchFamily="34" charset="0"/>
-                <a:ea typeface="SimSun" pitchFamily="2" charset="-122"/>
-                <a:cs typeface="+mn-cs"/>
-              </a:rPr>
+            <a:pPr lvl="0"/>
+            <a:fld id="{6705B5DB-0328-4D8B-9084-8F2BD78129E9}" type="slidenum">
+              <a:rPr/>
             </a:fld>
-            <a:endParaRPr kumimoji="0" lang="en-US" altLang="zh-CN" sz="1400" b="0" i="0" u="none" strike="noStrike" kern="1200" cap="none" spc="0" normalizeH="0" baseline="0" noProof="0" smtClean="0">
-              <a:ln>
-                <a:noFill/>
-              </a:ln>
-              <a:solidFill>
-                <a:schemeClr val="tx1"/>
-              </a:solidFill>
-              <a:effectLst/>
-              <a:uLnTx/>
-              <a:uFillTx/>
-              <a:latin typeface="Arial" panose="020B0604020202020204" pitchFamily="34" charset="0"/>
-              <a:ea typeface="SimSun" pitchFamily="2" charset="-122"/>
-              <a:cs typeface="+mn-cs"/>
-            </a:endParaRPr>
+            <a:endParaRPr lang="pt-BR"/>
           </a:p>
         </p:txBody>
       </p:sp>
@@ -1073,7 +2407,14 @@
   <p:clrMapOvr>
     <a:masterClrMapping/>
   </p:clrMapOvr>
-  <p:hf sldNum="0" hdr="0" ftr="0" dt="0"/>
+  <mc:AlternateContent xmlns:mc="http://schemas.openxmlformats.org/markup-compatibility/2006">
+    <mc:Choice xmlns:p14="http://schemas.microsoft.com/office/powerpoint/2010/main" Requires="p14">
+      <p:transition spd="slow" p14:dur="2000"/>
+    </mc:Choice>
+    <mc:Fallback>
+      <p:transition spd="slow"/>
+    </mc:Fallback>
+  </mc:AlternateContent>
 </p:sldLayout>
 </file>
 
@@ -1106,8 +2447,8 @@
         </p:nvSpPr>
         <p:spPr>
           <a:xfrm>
-            <a:off x="8839200" y="274638"/>
-            <a:ext cx="2743200" cy="5851525"/>
+            <a:off x="7272338" y="709613"/>
+            <a:ext cx="2303462" cy="4454525"/>
           </a:xfrm>
         </p:spPr>
         <p:txBody>
@@ -1134,8 +2475,8 @@
         </p:nvSpPr>
         <p:spPr>
           <a:xfrm>
-            <a:off x="609600" y="274638"/>
-            <a:ext cx="8070573" cy="5851525"/>
+            <a:off x="360363" y="709613"/>
+            <a:ext cx="6759575" cy="4454525"/>
           </a:xfrm>
         </p:spPr>
         <p:txBody>
@@ -1145,7 +2486,7 @@
             <a:pPr lvl="0"/>
             <a:r>
               <a:rPr lang="en-US" smtClean="0"/>
-              <a:t>Click to edit Master text styles</a:t>
+              <a:t>Edit Master text styles</a:t>
             </a:r>
             <a:endParaRPr lang="en-US" smtClean="0"/>
           </a:p>
@@ -1198,51 +2539,51 @@
           <a:bodyPr/>
           <a:lstStyle/>
           <a:p>
-            <a:fld id="{760FBDFE-C587-4B4C-A407-44438C67B59E}" type="datetimeFigureOut">
-              <a:rPr lang="zh-CN" altLang="en-US" smtClean="0"/>
+            <a:pPr lvl="0"/>
+            <a:endParaRPr lang="pt-BR"/>
+          </a:p>
+        </p:txBody>
+      </p:sp>
+      <p:sp>
+        <p:nvSpPr>
+          <p:cNvPr id="5" name="Footer Placeholder 4"/>
+          <p:cNvSpPr>
+            <a:spLocks noGrp="1"/>
+          </p:cNvSpPr>
+          <p:nvPr>
+            <p:ph type="ftr" sz="quarter" idx="11"/>
+          </p:nvPr>
+        </p:nvSpPr>
+        <p:spPr/>
+        <p:txBody>
+          <a:bodyPr/>
+          <a:lstStyle/>
+          <a:p>
+            <a:pPr lvl="0"/>
+            <a:endParaRPr lang="pt-BR"/>
+          </a:p>
+        </p:txBody>
+      </p:sp>
+      <p:sp>
+        <p:nvSpPr>
+          <p:cNvPr id="6" name="Slide Number Placeholder 5"/>
+          <p:cNvSpPr>
+            <a:spLocks noGrp="1"/>
+          </p:cNvSpPr>
+          <p:nvPr>
+            <p:ph type="sldNum" sz="quarter" idx="12"/>
+          </p:nvPr>
+        </p:nvSpPr>
+        <p:spPr/>
+        <p:txBody>
+          <a:bodyPr/>
+          <a:lstStyle/>
+          <a:p>
+            <a:pPr lvl="0"/>
+            <a:fld id="{BBB35F44-F834-49C5-8EA5-386D82403541}" type="slidenum">
+              <a:rPr/>
             </a:fld>
-            <a:endParaRPr lang="zh-CN" altLang="en-US"/>
-          </a:p>
-        </p:txBody>
-      </p:sp>
-      <p:sp>
-        <p:nvSpPr>
-          <p:cNvPr id="5" name="Footer Placeholder 4"/>
-          <p:cNvSpPr>
-            <a:spLocks noGrp="1"/>
-          </p:cNvSpPr>
-          <p:nvPr>
-            <p:ph type="ftr" sz="quarter" idx="11"/>
-          </p:nvPr>
-        </p:nvSpPr>
-        <p:spPr/>
-        <p:txBody>
-          <a:bodyPr/>
-          <a:lstStyle/>
-          <a:p>
-            <a:endParaRPr lang="zh-CN" altLang="en-US"/>
-          </a:p>
-        </p:txBody>
-      </p:sp>
-      <p:sp>
-        <p:nvSpPr>
-          <p:cNvPr id="6" name="Slide Number Placeholder 5"/>
-          <p:cNvSpPr>
-            <a:spLocks noGrp="1"/>
-          </p:cNvSpPr>
-          <p:nvPr>
-            <p:ph type="sldNum" sz="quarter" idx="12"/>
-          </p:nvPr>
-        </p:nvSpPr>
-        <p:spPr/>
-        <p:txBody>
-          <a:bodyPr/>
-          <a:lstStyle/>
-          <a:p>
-            <a:fld id="{49AE70B2-8BF9-45C0-BB95-33D1B9D3A854}" type="slidenum">
-              <a:rPr lang="zh-CN" altLang="en-US" smtClean="0"/>
-            </a:fld>
-            <a:endParaRPr lang="zh-CN" altLang="en-US"/>
+            <a:endParaRPr lang="pt-BR"/>
           </a:p>
         </p:txBody>
       </p:sp>
@@ -1251,7 +2592,14 @@
   <p:clrMapOvr>
     <a:masterClrMapping/>
   </p:clrMapOvr>
-  <p:hf sldNum="0" hdr="0" ftr="0" dt="0"/>
+  <mc:AlternateContent xmlns:mc="http://schemas.openxmlformats.org/markup-compatibility/2006">
+    <mc:Choice xmlns:p14="http://schemas.microsoft.com/office/powerpoint/2010/main" Requires="p14">
+      <p:transition spd="slow" p14:dur="2000"/>
+    </mc:Choice>
+    <mc:Fallback>
+      <p:transition spd="slow"/>
+    </mc:Fallback>
+  </mc:AlternateContent>
 </p:sldLayout>
 </file>
 
@@ -1313,7 +2661,7 @@
             <a:pPr lvl="0"/>
             <a:r>
               <a:rPr lang="en-US" smtClean="0"/>
-              <a:t>Click to edit Master text styles</a:t>
+              <a:t>Edit Master text styles</a:t>
             </a:r>
             <a:endParaRPr lang="en-US" smtClean="0"/>
           </a:p>
@@ -1366,51 +2714,51 @@
           <a:bodyPr/>
           <a:lstStyle/>
           <a:p>
-            <a:fld id="{760FBDFE-C587-4B4C-A407-44438C67B59E}" type="datetimeFigureOut">
-              <a:rPr lang="zh-CN" altLang="en-US" smtClean="0"/>
+            <a:pPr lvl="0"/>
+            <a:endParaRPr lang="pt-BR"/>
+          </a:p>
+        </p:txBody>
+      </p:sp>
+      <p:sp>
+        <p:nvSpPr>
+          <p:cNvPr id="5" name="Footer Placeholder 4"/>
+          <p:cNvSpPr>
+            <a:spLocks noGrp="1"/>
+          </p:cNvSpPr>
+          <p:nvPr>
+            <p:ph type="ftr" sz="quarter" idx="11"/>
+          </p:nvPr>
+        </p:nvSpPr>
+        <p:spPr/>
+        <p:txBody>
+          <a:bodyPr/>
+          <a:lstStyle/>
+          <a:p>
+            <a:pPr lvl="0"/>
+            <a:endParaRPr lang="pt-BR"/>
+          </a:p>
+        </p:txBody>
+      </p:sp>
+      <p:sp>
+        <p:nvSpPr>
+          <p:cNvPr id="6" name="Slide Number Placeholder 5"/>
+          <p:cNvSpPr>
+            <a:spLocks noGrp="1"/>
+          </p:cNvSpPr>
+          <p:nvPr>
+            <p:ph type="sldNum" sz="quarter" idx="12"/>
+          </p:nvPr>
+        </p:nvSpPr>
+        <p:spPr/>
+        <p:txBody>
+          <a:bodyPr/>
+          <a:lstStyle/>
+          <a:p>
+            <a:pPr lvl="0"/>
+            <a:fld id="{23F9BE00-6842-4095-88C2-8CA7ED0D66A4}" type="slidenum">
+              <a:rPr/>
             </a:fld>
-            <a:endParaRPr lang="zh-CN" altLang="en-US"/>
-          </a:p>
-        </p:txBody>
-      </p:sp>
-      <p:sp>
-        <p:nvSpPr>
-          <p:cNvPr id="5" name="Footer Placeholder 4"/>
-          <p:cNvSpPr>
-            <a:spLocks noGrp="1"/>
-          </p:cNvSpPr>
-          <p:nvPr>
-            <p:ph type="ftr" sz="quarter" idx="11"/>
-          </p:nvPr>
-        </p:nvSpPr>
-        <p:spPr/>
-        <p:txBody>
-          <a:bodyPr/>
-          <a:lstStyle/>
-          <a:p>
-            <a:endParaRPr lang="zh-CN" altLang="en-US"/>
-          </a:p>
-        </p:txBody>
-      </p:sp>
-      <p:sp>
-        <p:nvSpPr>
-          <p:cNvPr id="6" name="Slide Number Placeholder 5"/>
-          <p:cNvSpPr>
-            <a:spLocks noGrp="1"/>
-          </p:cNvSpPr>
-          <p:nvPr>
-            <p:ph type="sldNum" sz="quarter" idx="12"/>
-          </p:nvPr>
-        </p:nvSpPr>
-        <p:spPr/>
-        <p:txBody>
-          <a:bodyPr/>
-          <a:lstStyle/>
-          <a:p>
-            <a:fld id="{49AE70B2-8BF9-45C0-BB95-33D1B9D3A854}" type="slidenum">
-              <a:rPr lang="zh-CN" altLang="en-US" smtClean="0"/>
-            </a:fld>
-            <a:endParaRPr lang="zh-CN" altLang="en-US"/>
+            <a:endParaRPr lang="pt-BR"/>
           </a:p>
         </p:txBody>
       </p:sp>
@@ -1419,7 +2767,14 @@
   <p:clrMapOvr>
     <a:masterClrMapping/>
   </p:clrMapOvr>
-  <p:hf sldNum="0" hdr="0" ftr="0" dt="0"/>
+  <mc:AlternateContent xmlns:mc="http://schemas.openxmlformats.org/markup-compatibility/2006">
+    <mc:Choice xmlns:p14="http://schemas.microsoft.com/office/powerpoint/2010/main" Requires="p14">
+      <p:transition spd="slow" p14:dur="2000"/>
+    </mc:Choice>
+    <mc:Fallback>
+      <p:transition spd="slow"/>
+    </mc:Fallback>
+  </mc:AlternateContent>
 </p:sldLayout>
 </file>
 
@@ -1452,15 +2807,15 @@
         </p:nvSpPr>
         <p:spPr>
           <a:xfrm>
-            <a:off x="831851" y="1709738"/>
-            <a:ext cx="10515600" cy="2852737"/>
+            <a:off x="687388" y="1414463"/>
+            <a:ext cx="8694737" cy="2357437"/>
           </a:xfrm>
         </p:spPr>
         <p:txBody>
           <a:bodyPr anchor="b"/>
           <a:lstStyle>
             <a:lvl1pPr>
-              <a:defRPr sz="4500"/>
+              <a:defRPr sz="6000"/>
             </a:lvl1pPr>
           </a:lstStyle>
           <a:p>
@@ -1484,14 +2839,34 @@
         </p:nvSpPr>
         <p:spPr>
           <a:xfrm>
-            <a:off x="831851" y="4589463"/>
-            <a:ext cx="10515600" cy="1500187"/>
+            <a:off x="687388" y="3794125"/>
+            <a:ext cx="8694737" cy="1241425"/>
           </a:xfrm>
         </p:spPr>
         <p:txBody>
           <a:bodyPr/>
           <a:lstStyle>
             <a:lvl1pPr marL="0" indent="0">
+              <a:buNone/>
+              <a:defRPr sz="2400">
+                <a:solidFill>
+                  <a:schemeClr val="tx1">
+                    <a:tint val="75000"/>
+                  </a:schemeClr>
+                </a:solidFill>
+              </a:defRPr>
+            </a:lvl1pPr>
+            <a:lvl2pPr marL="457200" indent="0">
+              <a:buNone/>
+              <a:defRPr sz="2000">
+                <a:solidFill>
+                  <a:schemeClr val="tx1">
+                    <a:tint val="75000"/>
+                  </a:schemeClr>
+                </a:solidFill>
+              </a:defRPr>
+            </a:lvl2pPr>
+            <a:lvl3pPr marL="914400" indent="0">
               <a:buNone/>
               <a:defRPr sz="1800">
                 <a:solidFill>
@@ -1500,30 +2875,10 @@
                   </a:schemeClr>
                 </a:solidFill>
               </a:defRPr>
-            </a:lvl1pPr>
-            <a:lvl2pPr marL="342900" indent="0">
-              <a:buNone/>
-              <a:defRPr sz="1500">
-                <a:solidFill>
-                  <a:schemeClr val="tx1">
-                    <a:tint val="75000"/>
-                  </a:schemeClr>
-                </a:solidFill>
-              </a:defRPr>
-            </a:lvl2pPr>
-            <a:lvl3pPr marL="685800" indent="0">
-              <a:buNone/>
-              <a:defRPr sz="1350">
-                <a:solidFill>
-                  <a:schemeClr val="tx1">
-                    <a:tint val="75000"/>
-                  </a:schemeClr>
-                </a:solidFill>
-              </a:defRPr>
             </a:lvl3pPr>
-            <a:lvl4pPr marL="1028700" indent="0">
-              <a:buNone/>
-              <a:defRPr sz="1200">
+            <a:lvl4pPr marL="1371600" indent="0">
+              <a:buNone/>
+              <a:defRPr sz="1600">
                 <a:solidFill>
                   <a:schemeClr val="tx1">
                     <a:tint val="75000"/>
@@ -1531,9 +2886,9 @@
                 </a:solidFill>
               </a:defRPr>
             </a:lvl4pPr>
-            <a:lvl5pPr marL="1371600" indent="0">
-              <a:buNone/>
-              <a:defRPr sz="1200">
+            <a:lvl5pPr marL="1828800" indent="0">
+              <a:buNone/>
+              <a:defRPr sz="1600">
                 <a:solidFill>
                   <a:schemeClr val="tx1">
                     <a:tint val="75000"/>
@@ -1541,9 +2896,9 @@
                 </a:solidFill>
               </a:defRPr>
             </a:lvl5pPr>
-            <a:lvl6pPr marL="1714500" indent="0">
-              <a:buNone/>
-              <a:defRPr sz="1200">
+            <a:lvl6pPr marL="2286000" indent="0">
+              <a:buNone/>
+              <a:defRPr sz="1600">
                 <a:solidFill>
                   <a:schemeClr val="tx1">
                     <a:tint val="75000"/>
@@ -1551,9 +2906,9 @@
                 </a:solidFill>
               </a:defRPr>
             </a:lvl6pPr>
-            <a:lvl7pPr marL="2057400" indent="0">
-              <a:buNone/>
-              <a:defRPr sz="1200">
+            <a:lvl7pPr marL="2743200" indent="0">
+              <a:buNone/>
+              <a:defRPr sz="1600">
                 <a:solidFill>
                   <a:schemeClr val="tx1">
                     <a:tint val="75000"/>
@@ -1561,9 +2916,9 @@
                 </a:solidFill>
               </a:defRPr>
             </a:lvl7pPr>
-            <a:lvl8pPr marL="2400300" indent="0">
-              <a:buNone/>
-              <a:defRPr sz="1200">
+            <a:lvl8pPr marL="3200400" indent="0">
+              <a:buNone/>
+              <a:defRPr sz="1600">
                 <a:solidFill>
                   <a:schemeClr val="tx1">
                     <a:tint val="75000"/>
@@ -1571,9 +2926,9 @@
                 </a:solidFill>
               </a:defRPr>
             </a:lvl8pPr>
-            <a:lvl9pPr marL="2743200" indent="0">
-              <a:buNone/>
-              <a:defRPr sz="1200">
+            <a:lvl9pPr marL="3657600" indent="0">
+              <a:buNone/>
+              <a:defRPr sz="1600">
                 <a:solidFill>
                   <a:schemeClr val="tx1">
                     <a:tint val="75000"/>
@@ -1586,7 +2941,7 @@
             <a:pPr lvl="0"/>
             <a:r>
               <a:rPr lang="en-US" smtClean="0"/>
-              <a:t>Click to edit Master text styles</a:t>
+              <a:t>Edit Master text styles</a:t>
             </a:r>
             <a:endParaRPr lang="en-US" smtClean="0"/>
           </a:p>
@@ -1607,51 +2962,51 @@
           <a:bodyPr/>
           <a:lstStyle/>
           <a:p>
-            <a:fld id="{760FBDFE-C587-4B4C-A407-44438C67B59E}" type="datetimeFigureOut">
-              <a:rPr lang="zh-CN" altLang="en-US" smtClean="0"/>
+            <a:pPr lvl="0"/>
+            <a:endParaRPr lang="pt-BR"/>
+          </a:p>
+        </p:txBody>
+      </p:sp>
+      <p:sp>
+        <p:nvSpPr>
+          <p:cNvPr id="5" name="Footer Placeholder 4"/>
+          <p:cNvSpPr>
+            <a:spLocks noGrp="1"/>
+          </p:cNvSpPr>
+          <p:nvPr>
+            <p:ph type="ftr" sz="quarter" idx="11"/>
+          </p:nvPr>
+        </p:nvSpPr>
+        <p:spPr/>
+        <p:txBody>
+          <a:bodyPr/>
+          <a:lstStyle/>
+          <a:p>
+            <a:pPr lvl="0"/>
+            <a:endParaRPr lang="pt-BR"/>
+          </a:p>
+        </p:txBody>
+      </p:sp>
+      <p:sp>
+        <p:nvSpPr>
+          <p:cNvPr id="6" name="Slide Number Placeholder 5"/>
+          <p:cNvSpPr>
+            <a:spLocks noGrp="1"/>
+          </p:cNvSpPr>
+          <p:nvPr>
+            <p:ph type="sldNum" sz="quarter" idx="12"/>
+          </p:nvPr>
+        </p:nvSpPr>
+        <p:spPr/>
+        <p:txBody>
+          <a:bodyPr/>
+          <a:lstStyle/>
+          <a:p>
+            <a:pPr lvl="0"/>
+            <a:fld id="{8B909310-C654-48F2-8F7C-92070962B4D0}" type="slidenum">
+              <a:rPr/>
             </a:fld>
-            <a:endParaRPr lang="zh-CN" altLang="en-US"/>
-          </a:p>
-        </p:txBody>
-      </p:sp>
-      <p:sp>
-        <p:nvSpPr>
-          <p:cNvPr id="5" name="Footer Placeholder 4"/>
-          <p:cNvSpPr>
-            <a:spLocks noGrp="1"/>
-          </p:cNvSpPr>
-          <p:nvPr>
-            <p:ph type="ftr" sz="quarter" idx="11"/>
-          </p:nvPr>
-        </p:nvSpPr>
-        <p:spPr/>
-        <p:txBody>
-          <a:bodyPr/>
-          <a:lstStyle/>
-          <a:p>
-            <a:endParaRPr lang="zh-CN" altLang="en-US"/>
-          </a:p>
-        </p:txBody>
-      </p:sp>
-      <p:sp>
-        <p:nvSpPr>
-          <p:cNvPr id="6" name="Slide Number Placeholder 5"/>
-          <p:cNvSpPr>
-            <a:spLocks noGrp="1"/>
-          </p:cNvSpPr>
-          <p:nvPr>
-            <p:ph type="sldNum" sz="quarter" idx="12"/>
-          </p:nvPr>
-        </p:nvSpPr>
-        <p:spPr/>
-        <p:txBody>
-          <a:bodyPr/>
-          <a:lstStyle/>
-          <a:p>
-            <a:fld id="{49AE70B2-8BF9-45C0-BB95-33D1B9D3A854}" type="slidenum">
-              <a:rPr lang="zh-CN" altLang="en-US" smtClean="0"/>
-            </a:fld>
-            <a:endParaRPr lang="zh-CN" altLang="en-US"/>
+            <a:endParaRPr lang="pt-BR"/>
           </a:p>
         </p:txBody>
       </p:sp>
@@ -1660,7 +3015,14 @@
   <p:clrMapOvr>
     <a:masterClrMapping/>
   </p:clrMapOvr>
-  <p:hf sldNum="0" hdr="0" ftr="0" dt="0"/>
+  <mc:AlternateContent xmlns:mc="http://schemas.openxmlformats.org/markup-compatibility/2006">
+    <mc:Choice xmlns:p14="http://schemas.microsoft.com/office/powerpoint/2010/main" Requires="p14">
+      <p:transition spd="slow" p14:dur="2000"/>
+    </mc:Choice>
+    <mc:Fallback>
+      <p:transition spd="slow"/>
+    </mc:Fallback>
+  </mc:AlternateContent>
 </p:sldLayout>
 </file>
 
@@ -1716,8 +3078,8 @@
         </p:nvSpPr>
         <p:spPr>
           <a:xfrm>
-            <a:off x="609600" y="1600200"/>
-            <a:ext cx="5376672" cy="4525963"/>
+            <a:off x="360363" y="1944688"/>
+            <a:ext cx="4530725" cy="3219450"/>
           </a:xfrm>
         </p:spPr>
         <p:txBody>
@@ -1727,7 +3089,7 @@
             <a:pPr lvl="0"/>
             <a:r>
               <a:rPr lang="en-US" smtClean="0"/>
-              <a:t>Click to edit Master text styles</a:t>
+              <a:t>Edit Master text styles</a:t>
             </a:r>
             <a:endParaRPr lang="en-US" smtClean="0"/>
           </a:p>
@@ -1777,8 +3139,8 @@
         </p:nvSpPr>
         <p:spPr>
           <a:xfrm>
-            <a:off x="6205728" y="1600200"/>
-            <a:ext cx="5376672" cy="4525963"/>
+            <a:off x="5043488" y="1944688"/>
+            <a:ext cx="4532312" cy="3219450"/>
           </a:xfrm>
         </p:spPr>
         <p:txBody>
@@ -1788,7 +3150,7 @@
             <a:pPr lvl="0"/>
             <a:r>
               <a:rPr lang="en-US" smtClean="0"/>
-              <a:t>Click to edit Master text styles</a:t>
+              <a:t>Edit Master text styles</a:t>
             </a:r>
             <a:endParaRPr lang="en-US" smtClean="0"/>
           </a:p>
@@ -1841,51 +3203,51 @@
           <a:bodyPr/>
           <a:lstStyle/>
           <a:p>
-            <a:fld id="{760FBDFE-C587-4B4C-A407-44438C67B59E}" type="datetimeFigureOut">
-              <a:rPr lang="zh-CN" altLang="en-US" smtClean="0"/>
+            <a:pPr lvl="0"/>
+            <a:endParaRPr lang="pt-BR"/>
+          </a:p>
+        </p:txBody>
+      </p:sp>
+      <p:sp>
+        <p:nvSpPr>
+          <p:cNvPr id="6" name="Footer Placeholder 5"/>
+          <p:cNvSpPr>
+            <a:spLocks noGrp="1"/>
+          </p:cNvSpPr>
+          <p:nvPr>
+            <p:ph type="ftr" sz="quarter" idx="11"/>
+          </p:nvPr>
+        </p:nvSpPr>
+        <p:spPr/>
+        <p:txBody>
+          <a:bodyPr/>
+          <a:lstStyle/>
+          <a:p>
+            <a:pPr lvl="0"/>
+            <a:endParaRPr lang="pt-BR"/>
+          </a:p>
+        </p:txBody>
+      </p:sp>
+      <p:sp>
+        <p:nvSpPr>
+          <p:cNvPr id="7" name="Slide Number Placeholder 6"/>
+          <p:cNvSpPr>
+            <a:spLocks noGrp="1"/>
+          </p:cNvSpPr>
+          <p:nvPr>
+            <p:ph type="sldNum" sz="quarter" idx="12"/>
+          </p:nvPr>
+        </p:nvSpPr>
+        <p:spPr/>
+        <p:txBody>
+          <a:bodyPr/>
+          <a:lstStyle/>
+          <a:p>
+            <a:pPr lvl="0"/>
+            <a:fld id="{E77C8846-4578-43AA-9C41-1A6C6BCB2103}" type="slidenum">
+              <a:rPr/>
             </a:fld>
-            <a:endParaRPr lang="zh-CN" altLang="en-US"/>
-          </a:p>
-        </p:txBody>
-      </p:sp>
-      <p:sp>
-        <p:nvSpPr>
-          <p:cNvPr id="6" name="Footer Placeholder 5"/>
-          <p:cNvSpPr>
-            <a:spLocks noGrp="1"/>
-          </p:cNvSpPr>
-          <p:nvPr>
-            <p:ph type="ftr" sz="quarter" idx="11"/>
-          </p:nvPr>
-        </p:nvSpPr>
-        <p:spPr/>
-        <p:txBody>
-          <a:bodyPr/>
-          <a:lstStyle/>
-          <a:p>
-            <a:endParaRPr lang="zh-CN" altLang="en-US"/>
-          </a:p>
-        </p:txBody>
-      </p:sp>
-      <p:sp>
-        <p:nvSpPr>
-          <p:cNvPr id="7" name="Slide Number Placeholder 6"/>
-          <p:cNvSpPr>
-            <a:spLocks noGrp="1"/>
-          </p:cNvSpPr>
-          <p:nvPr>
-            <p:ph type="sldNum" sz="quarter" idx="12"/>
-          </p:nvPr>
-        </p:nvSpPr>
-        <p:spPr/>
-        <p:txBody>
-          <a:bodyPr/>
-          <a:lstStyle/>
-          <a:p>
-            <a:fld id="{49AE70B2-8BF9-45C0-BB95-33D1B9D3A854}" type="slidenum">
-              <a:rPr lang="zh-CN" altLang="en-US" smtClean="0"/>
-            </a:fld>
-            <a:endParaRPr lang="zh-CN" altLang="en-US"/>
+            <a:endParaRPr lang="pt-BR"/>
           </a:p>
         </p:txBody>
       </p:sp>
@@ -1894,7 +3256,14 @@
   <p:clrMapOvr>
     <a:masterClrMapping/>
   </p:clrMapOvr>
-  <p:hf sldNum="0" hdr="0" ftr="0" dt="0"/>
+  <mc:AlternateContent xmlns:mc="http://schemas.openxmlformats.org/markup-compatibility/2006">
+    <mc:Choice xmlns:p14="http://schemas.microsoft.com/office/powerpoint/2010/main" Requires="p14">
+      <p:transition spd="slow" p14:dur="2000"/>
+    </mc:Choice>
+    <mc:Fallback>
+      <p:transition spd="slow"/>
+    </mc:Fallback>
+  </mc:AlternateContent>
 </p:sldLayout>
 </file>
 
@@ -1927,8 +3296,8 @@
         </p:nvSpPr>
         <p:spPr>
           <a:xfrm>
-            <a:off x="839788" y="365125"/>
-            <a:ext cx="10515600" cy="1325563"/>
+            <a:off x="693738" y="301625"/>
+            <a:ext cx="8694737" cy="1096963"/>
           </a:xfrm>
         </p:spPr>
         <p:txBody>
@@ -1955,8 +3324,8 @@
         </p:nvSpPr>
         <p:spPr>
           <a:xfrm>
-            <a:off x="839788" y="1681163"/>
-            <a:ext cx="5157787" cy="823912"/>
+            <a:off x="693738" y="1390650"/>
+            <a:ext cx="4265612" cy="681038"/>
           </a:xfrm>
         </p:spPr>
         <p:txBody>
@@ -1964,46 +3333,46 @@
           <a:lstStyle>
             <a:lvl1pPr marL="0" indent="0">
               <a:buNone/>
+              <a:defRPr sz="2400" b="1"/>
+            </a:lvl1pPr>
+            <a:lvl2pPr marL="457200" indent="0">
+              <a:buNone/>
+              <a:defRPr sz="2000" b="1"/>
+            </a:lvl2pPr>
+            <a:lvl3pPr marL="914400" indent="0">
+              <a:buNone/>
               <a:defRPr sz="1800" b="1"/>
-            </a:lvl1pPr>
-            <a:lvl2pPr marL="342900" indent="0">
-              <a:buNone/>
-              <a:defRPr sz="1500" b="1"/>
-            </a:lvl2pPr>
-            <a:lvl3pPr marL="685800" indent="0">
-              <a:buNone/>
-              <a:defRPr sz="1350" b="1"/>
             </a:lvl3pPr>
-            <a:lvl4pPr marL="1028700" indent="0">
-              <a:buNone/>
-              <a:defRPr sz="1200" b="1"/>
+            <a:lvl4pPr marL="1371600" indent="0">
+              <a:buNone/>
+              <a:defRPr sz="1600" b="1"/>
             </a:lvl4pPr>
-            <a:lvl5pPr marL="1371600" indent="0">
-              <a:buNone/>
-              <a:defRPr sz="1200" b="1"/>
+            <a:lvl5pPr marL="1828800" indent="0">
+              <a:buNone/>
+              <a:defRPr sz="1600" b="1"/>
             </a:lvl5pPr>
-            <a:lvl6pPr marL="1714500" indent="0">
-              <a:buNone/>
-              <a:defRPr sz="1200" b="1"/>
+            <a:lvl6pPr marL="2286000" indent="0">
+              <a:buNone/>
+              <a:defRPr sz="1600" b="1"/>
             </a:lvl6pPr>
-            <a:lvl7pPr marL="2057400" indent="0">
-              <a:buNone/>
-              <a:defRPr sz="1200" b="1"/>
+            <a:lvl7pPr marL="2743200" indent="0">
+              <a:buNone/>
+              <a:defRPr sz="1600" b="1"/>
             </a:lvl7pPr>
-            <a:lvl8pPr marL="2400300" indent="0">
-              <a:buNone/>
-              <a:defRPr sz="1200" b="1"/>
+            <a:lvl8pPr marL="3200400" indent="0">
+              <a:buNone/>
+              <a:defRPr sz="1600" b="1"/>
             </a:lvl8pPr>
-            <a:lvl9pPr marL="2743200" indent="0">
-              <a:buNone/>
-              <a:defRPr sz="1200" b="1"/>
+            <a:lvl9pPr marL="3657600" indent="0">
+              <a:buNone/>
+              <a:defRPr sz="1600" b="1"/>
             </a:lvl9pPr>
           </a:lstStyle>
           <a:p>
             <a:pPr lvl="0"/>
             <a:r>
               <a:rPr lang="en-US" smtClean="0"/>
-              <a:t>Click to edit Master text styles</a:t>
+              <a:t>Edit Master text styles</a:t>
             </a:r>
             <a:endParaRPr lang="en-US" smtClean="0"/>
           </a:p>
@@ -2021,8 +3390,8 @@
         </p:nvSpPr>
         <p:spPr>
           <a:xfrm>
-            <a:off x="839788" y="2505075"/>
-            <a:ext cx="5157787" cy="3684588"/>
+            <a:off x="693738" y="2071688"/>
+            <a:ext cx="4265612" cy="3046412"/>
           </a:xfrm>
         </p:spPr>
         <p:txBody>
@@ -2032,7 +3401,7 @@
             <a:pPr lvl="0"/>
             <a:r>
               <a:rPr lang="en-US" smtClean="0"/>
-              <a:t>Click to edit Master text styles</a:t>
+              <a:t>Edit Master text styles</a:t>
             </a:r>
             <a:endParaRPr lang="en-US" smtClean="0"/>
           </a:p>
@@ -2082,8 +3451,8 @@
         </p:nvSpPr>
         <p:spPr>
           <a:xfrm>
-            <a:off x="6172200" y="1681163"/>
-            <a:ext cx="5183188" cy="823912"/>
+            <a:off x="5103813" y="1390650"/>
+            <a:ext cx="4284662" cy="681038"/>
           </a:xfrm>
         </p:spPr>
         <p:txBody>
@@ -2091,46 +3460,46 @@
           <a:lstStyle>
             <a:lvl1pPr marL="0" indent="0">
               <a:buNone/>
+              <a:defRPr sz="2400" b="1"/>
+            </a:lvl1pPr>
+            <a:lvl2pPr marL="457200" indent="0">
+              <a:buNone/>
+              <a:defRPr sz="2000" b="1"/>
+            </a:lvl2pPr>
+            <a:lvl3pPr marL="914400" indent="0">
+              <a:buNone/>
               <a:defRPr sz="1800" b="1"/>
-            </a:lvl1pPr>
-            <a:lvl2pPr marL="342900" indent="0">
-              <a:buNone/>
-              <a:defRPr sz="1500" b="1"/>
-            </a:lvl2pPr>
-            <a:lvl3pPr marL="685800" indent="0">
-              <a:buNone/>
-              <a:defRPr sz="1350" b="1"/>
             </a:lvl3pPr>
-            <a:lvl4pPr marL="1028700" indent="0">
-              <a:buNone/>
-              <a:defRPr sz="1200" b="1"/>
+            <a:lvl4pPr marL="1371600" indent="0">
+              <a:buNone/>
+              <a:defRPr sz="1600" b="1"/>
             </a:lvl4pPr>
-            <a:lvl5pPr marL="1371600" indent="0">
-              <a:buNone/>
-              <a:defRPr sz="1200" b="1"/>
+            <a:lvl5pPr marL="1828800" indent="0">
+              <a:buNone/>
+              <a:defRPr sz="1600" b="1"/>
             </a:lvl5pPr>
-            <a:lvl6pPr marL="1714500" indent="0">
-              <a:buNone/>
-              <a:defRPr sz="1200" b="1"/>
+            <a:lvl6pPr marL="2286000" indent="0">
+              <a:buNone/>
+              <a:defRPr sz="1600" b="1"/>
             </a:lvl6pPr>
-            <a:lvl7pPr marL="2057400" indent="0">
-              <a:buNone/>
-              <a:defRPr sz="1200" b="1"/>
+            <a:lvl7pPr marL="2743200" indent="0">
+              <a:buNone/>
+              <a:defRPr sz="1600" b="1"/>
             </a:lvl7pPr>
-            <a:lvl8pPr marL="2400300" indent="0">
-              <a:buNone/>
-              <a:defRPr sz="1200" b="1"/>
+            <a:lvl8pPr marL="3200400" indent="0">
+              <a:buNone/>
+              <a:defRPr sz="1600" b="1"/>
             </a:lvl8pPr>
-            <a:lvl9pPr marL="2743200" indent="0">
-              <a:buNone/>
-              <a:defRPr sz="1200" b="1"/>
+            <a:lvl9pPr marL="3657600" indent="0">
+              <a:buNone/>
+              <a:defRPr sz="1600" b="1"/>
             </a:lvl9pPr>
           </a:lstStyle>
           <a:p>
             <a:pPr lvl="0"/>
             <a:r>
               <a:rPr lang="en-US" smtClean="0"/>
-              <a:t>Click to edit Master text styles</a:t>
+              <a:t>Edit Master text styles</a:t>
             </a:r>
             <a:endParaRPr lang="en-US" smtClean="0"/>
           </a:p>
@@ -2148,8 +3517,8 @@
         </p:nvSpPr>
         <p:spPr>
           <a:xfrm>
-            <a:off x="6172200" y="2505075"/>
-            <a:ext cx="5183188" cy="3684588"/>
+            <a:off x="5103813" y="2071688"/>
+            <a:ext cx="4284662" cy="3046412"/>
           </a:xfrm>
         </p:spPr>
         <p:txBody>
@@ -2159,7 +3528,7 @@
             <a:pPr lvl="0"/>
             <a:r>
               <a:rPr lang="en-US" smtClean="0"/>
-              <a:t>Click to edit Master text styles</a:t>
+              <a:t>Edit Master text styles</a:t>
             </a:r>
             <a:endParaRPr lang="en-US" smtClean="0"/>
           </a:p>
@@ -2212,51 +3581,51 @@
           <a:bodyPr/>
           <a:lstStyle/>
           <a:p>
-            <a:fld id="{760FBDFE-C587-4B4C-A407-44438C67B59E}" type="datetimeFigureOut">
-              <a:rPr lang="zh-CN" altLang="en-US" smtClean="0"/>
+            <a:pPr lvl="0"/>
+            <a:endParaRPr lang="pt-BR"/>
+          </a:p>
+        </p:txBody>
+      </p:sp>
+      <p:sp>
+        <p:nvSpPr>
+          <p:cNvPr id="8" name="Footer Placeholder 7"/>
+          <p:cNvSpPr>
+            <a:spLocks noGrp="1"/>
+          </p:cNvSpPr>
+          <p:nvPr>
+            <p:ph type="ftr" sz="quarter" idx="11"/>
+          </p:nvPr>
+        </p:nvSpPr>
+        <p:spPr/>
+        <p:txBody>
+          <a:bodyPr/>
+          <a:lstStyle/>
+          <a:p>
+            <a:pPr lvl="0"/>
+            <a:endParaRPr lang="pt-BR"/>
+          </a:p>
+        </p:txBody>
+      </p:sp>
+      <p:sp>
+        <p:nvSpPr>
+          <p:cNvPr id="9" name="Slide Number Placeholder 8"/>
+          <p:cNvSpPr>
+            <a:spLocks noGrp="1"/>
+          </p:cNvSpPr>
+          <p:nvPr>
+            <p:ph type="sldNum" sz="quarter" idx="12"/>
+          </p:nvPr>
+        </p:nvSpPr>
+        <p:spPr/>
+        <p:txBody>
+          <a:bodyPr/>
+          <a:lstStyle/>
+          <a:p>
+            <a:pPr lvl="0"/>
+            <a:fld id="{E467D51F-6CA0-4179-9118-6FBFF6B75D39}" type="slidenum">
+              <a:rPr/>
             </a:fld>
-            <a:endParaRPr lang="zh-CN" altLang="en-US"/>
-          </a:p>
-        </p:txBody>
-      </p:sp>
-      <p:sp>
-        <p:nvSpPr>
-          <p:cNvPr id="8" name="Footer Placeholder 7"/>
-          <p:cNvSpPr>
-            <a:spLocks noGrp="1"/>
-          </p:cNvSpPr>
-          <p:nvPr>
-            <p:ph type="ftr" sz="quarter" idx="11"/>
-          </p:nvPr>
-        </p:nvSpPr>
-        <p:spPr/>
-        <p:txBody>
-          <a:bodyPr/>
-          <a:lstStyle/>
-          <a:p>
-            <a:endParaRPr lang="zh-CN" altLang="en-US"/>
-          </a:p>
-        </p:txBody>
-      </p:sp>
-      <p:sp>
-        <p:nvSpPr>
-          <p:cNvPr id="9" name="Slide Number Placeholder 8"/>
-          <p:cNvSpPr>
-            <a:spLocks noGrp="1"/>
-          </p:cNvSpPr>
-          <p:nvPr>
-            <p:ph type="sldNum" sz="quarter" idx="12"/>
-          </p:nvPr>
-        </p:nvSpPr>
-        <p:spPr/>
-        <p:txBody>
-          <a:bodyPr/>
-          <a:lstStyle/>
-          <a:p>
-            <a:fld id="{49AE70B2-8BF9-45C0-BB95-33D1B9D3A854}" type="slidenum">
-              <a:rPr lang="zh-CN" altLang="en-US" smtClean="0"/>
-            </a:fld>
-            <a:endParaRPr lang="zh-CN" altLang="en-US"/>
+            <a:endParaRPr lang="pt-BR"/>
           </a:p>
         </p:txBody>
       </p:sp>
@@ -2265,7 +3634,14 @@
   <p:clrMapOvr>
     <a:masterClrMapping/>
   </p:clrMapOvr>
-  <p:hf sldNum="0" hdr="0" ftr="0" dt="0"/>
+  <mc:AlternateContent xmlns:mc="http://schemas.openxmlformats.org/markup-compatibility/2006">
+    <mc:Choice xmlns:p14="http://schemas.microsoft.com/office/powerpoint/2010/main" Requires="p14">
+      <p:transition spd="slow" p14:dur="2000"/>
+    </mc:Choice>
+    <mc:Fallback>
+      <p:transition spd="slow"/>
+    </mc:Fallback>
+  </mc:AlternateContent>
 </p:sldLayout>
 </file>
 
@@ -2324,51 +3700,51 @@
           <a:bodyPr/>
           <a:lstStyle/>
           <a:p>
-            <a:fld id="{760FBDFE-C587-4B4C-A407-44438C67B59E}" type="datetimeFigureOut">
-              <a:rPr lang="zh-CN" altLang="en-US" smtClean="0"/>
+            <a:pPr lvl="0"/>
+            <a:endParaRPr lang="pt-BR"/>
+          </a:p>
+        </p:txBody>
+      </p:sp>
+      <p:sp>
+        <p:nvSpPr>
+          <p:cNvPr id="4" name="Footer Placeholder 3"/>
+          <p:cNvSpPr>
+            <a:spLocks noGrp="1"/>
+          </p:cNvSpPr>
+          <p:nvPr>
+            <p:ph type="ftr" sz="quarter" idx="11"/>
+          </p:nvPr>
+        </p:nvSpPr>
+        <p:spPr/>
+        <p:txBody>
+          <a:bodyPr/>
+          <a:lstStyle/>
+          <a:p>
+            <a:pPr lvl="0"/>
+            <a:endParaRPr lang="pt-BR"/>
+          </a:p>
+        </p:txBody>
+      </p:sp>
+      <p:sp>
+        <p:nvSpPr>
+          <p:cNvPr id="5" name="Slide Number Placeholder 4"/>
+          <p:cNvSpPr>
+            <a:spLocks noGrp="1"/>
+          </p:cNvSpPr>
+          <p:nvPr>
+            <p:ph type="sldNum" sz="quarter" idx="12"/>
+          </p:nvPr>
+        </p:nvSpPr>
+        <p:spPr/>
+        <p:txBody>
+          <a:bodyPr/>
+          <a:lstStyle/>
+          <a:p>
+            <a:pPr lvl="0"/>
+            <a:fld id="{24E5EAE7-6524-4D5F-BD55-8855D84AA472}" type="slidenum">
+              <a:rPr/>
             </a:fld>
-            <a:endParaRPr lang="zh-CN" altLang="en-US"/>
-          </a:p>
-        </p:txBody>
-      </p:sp>
-      <p:sp>
-        <p:nvSpPr>
-          <p:cNvPr id="4" name="Footer Placeholder 3"/>
-          <p:cNvSpPr>
-            <a:spLocks noGrp="1"/>
-          </p:cNvSpPr>
-          <p:nvPr>
-            <p:ph type="ftr" sz="quarter" idx="11"/>
-          </p:nvPr>
-        </p:nvSpPr>
-        <p:spPr/>
-        <p:txBody>
-          <a:bodyPr/>
-          <a:lstStyle/>
-          <a:p>
-            <a:endParaRPr lang="zh-CN" altLang="en-US"/>
-          </a:p>
-        </p:txBody>
-      </p:sp>
-      <p:sp>
-        <p:nvSpPr>
-          <p:cNvPr id="5" name="Slide Number Placeholder 4"/>
-          <p:cNvSpPr>
-            <a:spLocks noGrp="1"/>
-          </p:cNvSpPr>
-          <p:nvPr>
-            <p:ph type="sldNum" sz="quarter" idx="12"/>
-          </p:nvPr>
-        </p:nvSpPr>
-        <p:spPr/>
-        <p:txBody>
-          <a:bodyPr/>
-          <a:lstStyle/>
-          <a:p>
-            <a:fld id="{49AE70B2-8BF9-45C0-BB95-33D1B9D3A854}" type="slidenum">
-              <a:rPr lang="zh-CN" altLang="en-US" smtClean="0"/>
-            </a:fld>
-            <a:endParaRPr lang="zh-CN" altLang="en-US"/>
+            <a:endParaRPr lang="pt-BR"/>
           </a:p>
         </p:txBody>
       </p:sp>
@@ -2377,7 +3753,14 @@
   <p:clrMapOvr>
     <a:masterClrMapping/>
   </p:clrMapOvr>
-  <p:hf sldNum="0" hdr="0" ftr="0" dt="0"/>
+  <mc:AlternateContent xmlns:mc="http://schemas.openxmlformats.org/markup-compatibility/2006">
+    <mc:Choice xmlns:p14="http://schemas.microsoft.com/office/powerpoint/2010/main" Requires="p14">
+      <p:transition spd="slow" p14:dur="2000"/>
+    </mc:Choice>
+    <mc:Fallback>
+      <p:transition spd="slow"/>
+    </mc:Fallback>
+  </mc:AlternateContent>
 </p:sldLayout>
 </file>
 
@@ -2413,51 +3796,51 @@
           <a:bodyPr/>
           <a:lstStyle/>
           <a:p>
-            <a:fld id="{760FBDFE-C587-4B4C-A407-44438C67B59E}" type="datetimeFigureOut">
-              <a:rPr lang="zh-CN" altLang="en-US" smtClean="0"/>
+            <a:pPr lvl="0"/>
+            <a:endParaRPr lang="pt-BR"/>
+          </a:p>
+        </p:txBody>
+      </p:sp>
+      <p:sp>
+        <p:nvSpPr>
+          <p:cNvPr id="3" name="Footer Placeholder 2"/>
+          <p:cNvSpPr>
+            <a:spLocks noGrp="1"/>
+          </p:cNvSpPr>
+          <p:nvPr>
+            <p:ph type="ftr" sz="quarter" idx="11"/>
+          </p:nvPr>
+        </p:nvSpPr>
+        <p:spPr/>
+        <p:txBody>
+          <a:bodyPr/>
+          <a:lstStyle/>
+          <a:p>
+            <a:pPr lvl="0"/>
+            <a:endParaRPr lang="pt-BR"/>
+          </a:p>
+        </p:txBody>
+      </p:sp>
+      <p:sp>
+        <p:nvSpPr>
+          <p:cNvPr id="4" name="Slide Number Placeholder 3"/>
+          <p:cNvSpPr>
+            <a:spLocks noGrp="1"/>
+          </p:cNvSpPr>
+          <p:nvPr>
+            <p:ph type="sldNum" sz="quarter" idx="12"/>
+          </p:nvPr>
+        </p:nvSpPr>
+        <p:spPr/>
+        <p:txBody>
+          <a:bodyPr/>
+          <a:lstStyle/>
+          <a:p>
+            <a:pPr lvl="0"/>
+            <a:fld id="{9AE5CE99-0BEF-431E-8D4D-79A92B5BFAC6}" type="slidenum">
+              <a:rPr/>
             </a:fld>
-            <a:endParaRPr lang="zh-CN" altLang="en-US"/>
-          </a:p>
-        </p:txBody>
-      </p:sp>
-      <p:sp>
-        <p:nvSpPr>
-          <p:cNvPr id="3" name="Footer Placeholder 2"/>
-          <p:cNvSpPr>
-            <a:spLocks noGrp="1"/>
-          </p:cNvSpPr>
-          <p:nvPr>
-            <p:ph type="ftr" sz="quarter" idx="11"/>
-          </p:nvPr>
-        </p:nvSpPr>
-        <p:spPr/>
-        <p:txBody>
-          <a:bodyPr/>
-          <a:lstStyle/>
-          <a:p>
-            <a:endParaRPr lang="zh-CN" altLang="en-US"/>
-          </a:p>
-        </p:txBody>
-      </p:sp>
-      <p:sp>
-        <p:nvSpPr>
-          <p:cNvPr id="4" name="Slide Number Placeholder 3"/>
-          <p:cNvSpPr>
-            <a:spLocks noGrp="1"/>
-          </p:cNvSpPr>
-          <p:nvPr>
-            <p:ph type="sldNum" sz="quarter" idx="12"/>
-          </p:nvPr>
-        </p:nvSpPr>
-        <p:spPr/>
-        <p:txBody>
-          <a:bodyPr/>
-          <a:lstStyle/>
-          <a:p>
-            <a:fld id="{49AE70B2-8BF9-45C0-BB95-33D1B9D3A854}" type="slidenum">
-              <a:rPr lang="zh-CN" altLang="en-US" smtClean="0"/>
-            </a:fld>
-            <a:endParaRPr lang="zh-CN" altLang="en-US"/>
+            <a:endParaRPr lang="pt-BR"/>
           </a:p>
         </p:txBody>
       </p:sp>
@@ -2466,6 +3849,14 @@
   <p:clrMapOvr>
     <a:masterClrMapping/>
   </p:clrMapOvr>
+  <mc:AlternateContent xmlns:mc="http://schemas.openxmlformats.org/markup-compatibility/2006">
+    <mc:Choice xmlns:p14="http://schemas.microsoft.com/office/powerpoint/2010/main" Requires="p14">
+      <p:transition spd="slow" p14:dur="2000"/>
+    </mc:Choice>
+    <mc:Fallback>
+      <p:transition spd="slow"/>
+    </mc:Fallback>
+  </mc:AlternateContent>
   <p:hf sldNum="0" hdr="0" ftr="0" dt="0"/>
 </p:sldLayout>
 </file>
@@ -2499,15 +3890,15 @@
         </p:nvSpPr>
         <p:spPr>
           <a:xfrm>
-            <a:off x="839788" y="457200"/>
-            <a:ext cx="3932237" cy="1600200"/>
+            <a:off x="693738" y="377825"/>
+            <a:ext cx="3251200" cy="1323975"/>
           </a:xfrm>
         </p:spPr>
         <p:txBody>
           <a:bodyPr anchor="b"/>
           <a:lstStyle>
             <a:lvl1pPr>
-              <a:defRPr sz="2400"/>
+              <a:defRPr sz="3200"/>
             </a:lvl1pPr>
           </a:lstStyle>
           <a:p>
@@ -2531,46 +3922,46 @@
         </p:nvSpPr>
         <p:spPr>
           <a:xfrm>
-            <a:off x="5183188" y="987425"/>
-            <a:ext cx="6172200" cy="4873625"/>
+            <a:off x="4286250" y="815975"/>
+            <a:ext cx="5102225" cy="4030663"/>
           </a:xfrm>
         </p:spPr>
         <p:txBody>
           <a:bodyPr/>
           <a:lstStyle>
             <a:lvl1pPr>
-              <a:defRPr sz="2400"/>
+              <a:defRPr sz="3200"/>
             </a:lvl1pPr>
             <a:lvl2pPr>
-              <a:defRPr sz="2100"/>
+              <a:defRPr sz="2800"/>
             </a:lvl2pPr>
             <a:lvl3pPr>
-              <a:defRPr sz="1800"/>
+              <a:defRPr sz="2400"/>
             </a:lvl3pPr>
             <a:lvl4pPr>
-              <a:defRPr sz="1500"/>
+              <a:defRPr sz="2000"/>
             </a:lvl4pPr>
             <a:lvl5pPr>
-              <a:defRPr sz="1500"/>
+              <a:defRPr sz="2000"/>
             </a:lvl5pPr>
             <a:lvl6pPr>
-              <a:defRPr sz="1500"/>
+              <a:defRPr sz="2000"/>
             </a:lvl6pPr>
             <a:lvl7pPr>
-              <a:defRPr sz="1500"/>
+              <a:defRPr sz="2000"/>
             </a:lvl7pPr>
             <a:lvl8pPr>
-              <a:defRPr sz="1500"/>
+              <a:defRPr sz="2000"/>
             </a:lvl8pPr>
             <a:lvl9pPr>
-              <a:defRPr sz="1500"/>
+              <a:defRPr sz="2000"/>
             </a:lvl9pPr>
           </a:lstStyle>
           <a:p>
             <a:pPr lvl="0"/>
             <a:r>
               <a:rPr lang="en-US" smtClean="0"/>
-              <a:t>Click to edit Master text styles</a:t>
+              <a:t>Edit Master text styles</a:t>
             </a:r>
             <a:endParaRPr lang="en-US" smtClean="0"/>
           </a:p>
@@ -2620,8 +4011,8 @@
         </p:nvSpPr>
         <p:spPr>
           <a:xfrm>
-            <a:off x="839788" y="2057400"/>
-            <a:ext cx="3932237" cy="3811588"/>
+            <a:off x="693738" y="1701800"/>
+            <a:ext cx="3251200" cy="3151188"/>
           </a:xfrm>
         </p:spPr>
         <p:txBody>
@@ -2629,46 +4020,46 @@
           <a:lstStyle>
             <a:lvl1pPr marL="0" indent="0">
               <a:buNone/>
+              <a:defRPr sz="1600"/>
+            </a:lvl1pPr>
+            <a:lvl2pPr marL="457200" indent="0">
+              <a:buNone/>
+              <a:defRPr sz="1400"/>
+            </a:lvl2pPr>
+            <a:lvl3pPr marL="914400" indent="0">
+              <a:buNone/>
               <a:defRPr sz="1200"/>
-            </a:lvl1pPr>
-            <a:lvl2pPr marL="342900" indent="0">
-              <a:buNone/>
-              <a:defRPr sz="1050"/>
-            </a:lvl2pPr>
-            <a:lvl3pPr marL="685800" indent="0">
-              <a:buNone/>
-              <a:defRPr sz="900"/>
             </a:lvl3pPr>
-            <a:lvl4pPr marL="1028700" indent="0">
-              <a:buNone/>
-              <a:defRPr sz="750"/>
+            <a:lvl4pPr marL="1371600" indent="0">
+              <a:buNone/>
+              <a:defRPr sz="1000"/>
             </a:lvl4pPr>
-            <a:lvl5pPr marL="1371600" indent="0">
-              <a:buNone/>
-              <a:defRPr sz="750"/>
+            <a:lvl5pPr marL="1828800" indent="0">
+              <a:buNone/>
+              <a:defRPr sz="1000"/>
             </a:lvl5pPr>
-            <a:lvl6pPr marL="1714500" indent="0">
-              <a:buNone/>
-              <a:defRPr sz="750"/>
+            <a:lvl6pPr marL="2286000" indent="0">
+              <a:buNone/>
+              <a:defRPr sz="1000"/>
             </a:lvl6pPr>
-            <a:lvl7pPr marL="2057400" indent="0">
-              <a:buNone/>
-              <a:defRPr sz="750"/>
+            <a:lvl7pPr marL="2743200" indent="0">
+              <a:buNone/>
+              <a:defRPr sz="1000"/>
             </a:lvl7pPr>
-            <a:lvl8pPr marL="2400300" indent="0">
-              <a:buNone/>
-              <a:defRPr sz="750"/>
+            <a:lvl8pPr marL="3200400" indent="0">
+              <a:buNone/>
+              <a:defRPr sz="1000"/>
             </a:lvl8pPr>
-            <a:lvl9pPr marL="2743200" indent="0">
-              <a:buNone/>
-              <a:defRPr sz="750"/>
+            <a:lvl9pPr marL="3657600" indent="0">
+              <a:buNone/>
+              <a:defRPr sz="1000"/>
             </a:lvl9pPr>
           </a:lstStyle>
           <a:p>
             <a:pPr lvl="0"/>
             <a:r>
               <a:rPr lang="en-US" smtClean="0"/>
-              <a:t>Click to edit Master text styles</a:t>
+              <a:t>Edit Master text styles</a:t>
             </a:r>
             <a:endParaRPr lang="en-US" smtClean="0"/>
           </a:p>
@@ -2689,36 +4080,8 @@
           <a:bodyPr/>
           <a:lstStyle/>
           <a:p>
-            <a:pPr marL="0" marR="0" lvl="0" indent="0" algn="l" defTabSz="914400" rtl="0" eaLnBrk="1" fontAlgn="base" latinLnBrk="0" hangingPunct="1">
-              <a:lnSpc>
-                <a:spcPct val="100000"/>
-              </a:lnSpc>
-              <a:spcBef>
-                <a:spcPct val="0"/>
-              </a:spcBef>
-              <a:spcAft>
-                <a:spcPct val="0"/>
-              </a:spcAft>
-              <a:buClrTx/>
-              <a:buSzTx/>
-              <a:buFontTx/>
-              <a:buNone/>
-              <a:defRPr/>
-            </a:pPr>
-            <a:endParaRPr kumimoji="0" lang="en-US" altLang="zh-CN" sz="1400" b="0" i="0" u="none" strike="noStrike" kern="1200" cap="none" spc="0" normalizeH="0" baseline="0" noProof="0" smtClean="0">
-              <a:ln>
-                <a:noFill/>
-              </a:ln>
-              <a:solidFill>
-                <a:schemeClr val="tx1"/>
-              </a:solidFill>
-              <a:effectLst/>
-              <a:uLnTx/>
-              <a:uFillTx/>
-              <a:latin typeface="Arial" panose="020B0604020202020204" pitchFamily="34" charset="0"/>
-              <a:ea typeface="SimSun" pitchFamily="2" charset="-122"/>
-              <a:cs typeface="+mn-cs"/>
-            </a:endParaRPr>
+            <a:pPr lvl="0"/>
+            <a:endParaRPr lang="pt-BR"/>
           </a:p>
         </p:txBody>
       </p:sp>
@@ -2737,36 +4100,8 @@
           <a:bodyPr/>
           <a:lstStyle/>
           <a:p>
-            <a:pPr marL="0" marR="0" lvl="0" indent="0" algn="ctr" defTabSz="914400" rtl="0" eaLnBrk="1" fontAlgn="base" latinLnBrk="0" hangingPunct="1">
-              <a:lnSpc>
-                <a:spcPct val="100000"/>
-              </a:lnSpc>
-              <a:spcBef>
-                <a:spcPct val="0"/>
-              </a:spcBef>
-              <a:spcAft>
-                <a:spcPct val="0"/>
-              </a:spcAft>
-              <a:buClrTx/>
-              <a:buSzTx/>
-              <a:buFontTx/>
-              <a:buNone/>
-              <a:defRPr/>
-            </a:pPr>
-            <a:endParaRPr kumimoji="0" lang="en-US" altLang="zh-CN" sz="1400" b="0" i="0" u="none" strike="noStrike" kern="1200" cap="none" spc="0" normalizeH="0" baseline="0" noProof="0" smtClean="0">
-              <a:ln>
-                <a:noFill/>
-              </a:ln>
-              <a:solidFill>
-                <a:schemeClr val="tx1"/>
-              </a:solidFill>
-              <a:effectLst/>
-              <a:uLnTx/>
-              <a:uFillTx/>
-              <a:latin typeface="Arial" panose="020B0604020202020204" pitchFamily="34" charset="0"/>
-              <a:ea typeface="SimSun" pitchFamily="2" charset="-122"/>
-              <a:cs typeface="+mn-cs"/>
-            </a:endParaRPr>
+            <a:pPr lvl="0"/>
+            <a:endParaRPr lang="pt-BR"/>
           </a:p>
         </p:txBody>
       </p:sp>
@@ -2785,52 +4120,11 @@
           <a:bodyPr/>
           <a:lstStyle/>
           <a:p>
-            <a:pPr marL="0" marR="0" lvl="0" indent="0" algn="r" defTabSz="914400" rtl="0" eaLnBrk="1" fontAlgn="base" latinLnBrk="0" hangingPunct="1">
-              <a:lnSpc>
-                <a:spcPct val="100000"/>
-              </a:lnSpc>
-              <a:spcBef>
-                <a:spcPct val="0"/>
-              </a:spcBef>
-              <a:spcAft>
-                <a:spcPct val="0"/>
-              </a:spcAft>
-              <a:buClrTx/>
-              <a:buSzTx/>
-              <a:buFontTx/>
-              <a:buNone/>
-              <a:defRPr/>
-            </a:pPr>
-            <a:fld id="{38544C22-EC13-4D2B-BB53-07ACC9C2DCDB}" type="slidenum">
-              <a:rPr kumimoji="0" lang="en-US" altLang="zh-CN" sz="1400" b="0" i="0" u="none" strike="noStrike" kern="1200" cap="none" spc="0" normalizeH="0" baseline="0" noProof="0" smtClean="0">
-                <a:ln>
-                  <a:noFill/>
-                </a:ln>
-                <a:solidFill>
-                  <a:schemeClr val="tx1"/>
-                </a:solidFill>
-                <a:effectLst/>
-                <a:uLnTx/>
-                <a:uFillTx/>
-                <a:latin typeface="Arial" panose="020B0604020202020204" pitchFamily="34" charset="0"/>
-                <a:ea typeface="SimSun" pitchFamily="2" charset="-122"/>
-                <a:cs typeface="+mn-cs"/>
-              </a:rPr>
+            <a:pPr lvl="0"/>
+            <a:fld id="{1C9690E4-9DF7-461A-A0BA-0B9E40329015}" type="slidenum">
+              <a:rPr/>
             </a:fld>
-            <a:endParaRPr kumimoji="0" lang="en-US" altLang="zh-CN" sz="1400" b="0" i="0" u="none" strike="noStrike" kern="1200" cap="none" spc="0" normalizeH="0" baseline="0" noProof="0" smtClean="0">
-              <a:ln>
-                <a:noFill/>
-              </a:ln>
-              <a:solidFill>
-                <a:schemeClr val="tx1"/>
-              </a:solidFill>
-              <a:effectLst/>
-              <a:uLnTx/>
-              <a:uFillTx/>
-              <a:latin typeface="Arial" panose="020B0604020202020204" pitchFamily="34" charset="0"/>
-              <a:ea typeface="SimSun" pitchFamily="2" charset="-122"/>
-              <a:cs typeface="+mn-cs"/>
-            </a:endParaRPr>
+            <a:endParaRPr lang="pt-BR"/>
           </a:p>
         </p:txBody>
       </p:sp>
@@ -2839,7 +4133,14 @@
   <p:clrMapOvr>
     <a:masterClrMapping/>
   </p:clrMapOvr>
-  <p:hf sldNum="0" hdr="0" ftr="0" dt="0"/>
+  <mc:AlternateContent xmlns:mc="http://schemas.openxmlformats.org/markup-compatibility/2006">
+    <mc:Choice xmlns:p14="http://schemas.microsoft.com/office/powerpoint/2010/main" Requires="p14">
+      <p:transition spd="slow" p14:dur="2000"/>
+    </mc:Choice>
+    <mc:Fallback>
+      <p:transition spd="slow"/>
+    </mc:Fallback>
+  </mc:AlternateContent>
 </p:sldLayout>
 </file>
 
@@ -2872,15 +4173,15 @@
         </p:nvSpPr>
         <p:spPr>
           <a:xfrm>
-            <a:off x="839788" y="457200"/>
-            <a:ext cx="3932237" cy="1600200"/>
+            <a:off x="693738" y="377825"/>
+            <a:ext cx="3251200" cy="1323975"/>
           </a:xfrm>
         </p:spPr>
         <p:txBody>
           <a:bodyPr anchor="b"/>
           <a:lstStyle>
             <a:lvl1pPr>
-              <a:defRPr sz="2400"/>
+              <a:defRPr sz="3200"/>
             </a:lvl1pPr>
           </a:lstStyle>
           <a:p>
@@ -2904,8 +4205,8 @@
         </p:nvSpPr>
         <p:spPr>
           <a:xfrm>
-            <a:off x="5183188" y="987425"/>
-            <a:ext cx="6172200" cy="4873625"/>
+            <a:off x="4286250" y="815975"/>
+            <a:ext cx="5102225" cy="4030663"/>
           </a:xfrm>
         </p:spPr>
         <p:txBody>
@@ -2913,39 +4214,39 @@
           <a:lstStyle>
             <a:lvl1pPr marL="0" indent="0">
               <a:buNone/>
+              <a:defRPr sz="3200"/>
+            </a:lvl1pPr>
+            <a:lvl2pPr marL="457200" indent="0">
+              <a:buNone/>
+              <a:defRPr sz="2800"/>
+            </a:lvl2pPr>
+            <a:lvl3pPr marL="914400" indent="0">
+              <a:buNone/>
               <a:defRPr sz="2400"/>
-            </a:lvl1pPr>
-            <a:lvl2pPr marL="342900" indent="0">
-              <a:buNone/>
-              <a:defRPr sz="2100"/>
-            </a:lvl2pPr>
-            <a:lvl3pPr marL="685800" indent="0">
-              <a:buNone/>
-              <a:defRPr sz="1800"/>
             </a:lvl3pPr>
-            <a:lvl4pPr marL="1028700" indent="0">
-              <a:buNone/>
-              <a:defRPr sz="1500"/>
+            <a:lvl4pPr marL="1371600" indent="0">
+              <a:buNone/>
+              <a:defRPr sz="2000"/>
             </a:lvl4pPr>
-            <a:lvl5pPr marL="1371600" indent="0">
-              <a:buNone/>
-              <a:defRPr sz="1500"/>
+            <a:lvl5pPr marL="1828800" indent="0">
+              <a:buNone/>
+              <a:defRPr sz="2000"/>
             </a:lvl5pPr>
-            <a:lvl6pPr marL="1714500" indent="0">
-              <a:buNone/>
-              <a:defRPr sz="1500"/>
+            <a:lvl6pPr marL="2286000" indent="0">
+              <a:buNone/>
+              <a:defRPr sz="2000"/>
             </a:lvl6pPr>
-            <a:lvl7pPr marL="2057400" indent="0">
-              <a:buNone/>
-              <a:defRPr sz="1500"/>
+            <a:lvl7pPr marL="2743200" indent="0">
+              <a:buNone/>
+              <a:defRPr sz="2000"/>
             </a:lvl7pPr>
-            <a:lvl8pPr marL="2400300" indent="0">
-              <a:buNone/>
-              <a:defRPr sz="1500"/>
+            <a:lvl8pPr marL="3200400" indent="0">
+              <a:buNone/>
+              <a:defRPr sz="2000"/>
             </a:lvl8pPr>
-            <a:lvl9pPr marL="2743200" indent="0">
-              <a:buNone/>
-              <a:defRPr sz="1500"/>
+            <a:lvl9pPr marL="3657600" indent="0">
+              <a:buNone/>
+              <a:defRPr sz="2000"/>
             </a:lvl9pPr>
           </a:lstStyle>
           <a:p>
@@ -2965,8 +4266,8 @@
         </p:nvSpPr>
         <p:spPr>
           <a:xfrm>
-            <a:off x="839788" y="2057400"/>
-            <a:ext cx="3932237" cy="3811588"/>
+            <a:off x="693738" y="1701800"/>
+            <a:ext cx="3251200" cy="3151188"/>
           </a:xfrm>
         </p:spPr>
         <p:txBody>
@@ -2974,46 +4275,46 @@
           <a:lstStyle>
             <a:lvl1pPr marL="0" indent="0">
               <a:buNone/>
+              <a:defRPr sz="1600"/>
+            </a:lvl1pPr>
+            <a:lvl2pPr marL="457200" indent="0">
+              <a:buNone/>
+              <a:defRPr sz="1400"/>
+            </a:lvl2pPr>
+            <a:lvl3pPr marL="914400" indent="0">
+              <a:buNone/>
               <a:defRPr sz="1200"/>
-            </a:lvl1pPr>
-            <a:lvl2pPr marL="342900" indent="0">
-              <a:buNone/>
-              <a:defRPr sz="1050"/>
-            </a:lvl2pPr>
-            <a:lvl3pPr marL="685800" indent="0">
-              <a:buNone/>
-              <a:defRPr sz="900"/>
             </a:lvl3pPr>
-            <a:lvl4pPr marL="1028700" indent="0">
-              <a:buNone/>
-              <a:defRPr sz="750"/>
+            <a:lvl4pPr marL="1371600" indent="0">
+              <a:buNone/>
+              <a:defRPr sz="1000"/>
             </a:lvl4pPr>
-            <a:lvl5pPr marL="1371600" indent="0">
-              <a:buNone/>
-              <a:defRPr sz="750"/>
+            <a:lvl5pPr marL="1828800" indent="0">
+              <a:buNone/>
+              <a:defRPr sz="1000"/>
             </a:lvl5pPr>
-            <a:lvl6pPr marL="1714500" indent="0">
-              <a:buNone/>
-              <a:defRPr sz="750"/>
+            <a:lvl6pPr marL="2286000" indent="0">
+              <a:buNone/>
+              <a:defRPr sz="1000"/>
             </a:lvl6pPr>
-            <a:lvl7pPr marL="2057400" indent="0">
-              <a:buNone/>
-              <a:defRPr sz="750"/>
+            <a:lvl7pPr marL="2743200" indent="0">
+              <a:buNone/>
+              <a:defRPr sz="1000"/>
             </a:lvl7pPr>
-            <a:lvl8pPr marL="2400300" indent="0">
-              <a:buNone/>
-              <a:defRPr sz="750"/>
+            <a:lvl8pPr marL="3200400" indent="0">
+              <a:buNone/>
+              <a:defRPr sz="1000"/>
             </a:lvl8pPr>
-            <a:lvl9pPr marL="2743200" indent="0">
-              <a:buNone/>
-              <a:defRPr sz="750"/>
+            <a:lvl9pPr marL="3657600" indent="0">
+              <a:buNone/>
+              <a:defRPr sz="1000"/>
             </a:lvl9pPr>
           </a:lstStyle>
           <a:p>
             <a:pPr lvl="0"/>
             <a:r>
               <a:rPr lang="en-US" smtClean="0"/>
-              <a:t>Click to edit Master text styles</a:t>
+              <a:t>Edit Master text styles</a:t>
             </a:r>
             <a:endParaRPr lang="en-US" smtClean="0"/>
           </a:p>
@@ -3034,97 +4335,67 @@
           <a:bodyPr/>
           <a:lstStyle/>
           <a:p>
-            <a:fld id="{9EFD9D74-47D9-4702-A33C-335B63B48DBF}" type="datetimeFigureOut">
-              <a:rPr lang="zh-CN" altLang="en-US" smtClean="0"/>
+            <a:pPr lvl="0"/>
+            <a:endParaRPr lang="pt-BR"/>
+          </a:p>
+        </p:txBody>
+      </p:sp>
+      <p:sp>
+        <p:nvSpPr>
+          <p:cNvPr id="6" name="Footer Placeholder 5"/>
+          <p:cNvSpPr>
+            <a:spLocks noGrp="1"/>
+          </p:cNvSpPr>
+          <p:nvPr>
+            <p:ph type="ftr" sz="quarter" idx="11"/>
+          </p:nvPr>
+        </p:nvSpPr>
+        <p:spPr/>
+        <p:txBody>
+          <a:bodyPr/>
+          <a:lstStyle/>
+          <a:p>
+            <a:pPr lvl="0"/>
+            <a:endParaRPr lang="pt-BR"/>
+          </a:p>
+        </p:txBody>
+      </p:sp>
+      <p:sp>
+        <p:nvSpPr>
+          <p:cNvPr id="7" name="Slide Number Placeholder 6"/>
+          <p:cNvSpPr>
+            <a:spLocks noGrp="1"/>
+          </p:cNvSpPr>
+          <p:nvPr>
+            <p:ph type="sldNum" sz="quarter" idx="12"/>
+          </p:nvPr>
+        </p:nvSpPr>
+        <p:spPr/>
+        <p:txBody>
+          <a:bodyPr/>
+          <a:lstStyle/>
+          <a:p>
+            <a:pPr lvl="0"/>
+            <a:fld id="{4D0660C4-2DF3-4373-9122-44F8039F431B}" type="slidenum">
+              <a:rPr/>
             </a:fld>
-            <a:endParaRPr lang="zh-CN" altLang="en-US" dirty="0"/>
-          </a:p>
-        </p:txBody>
-      </p:sp>
-      <p:sp>
-        <p:nvSpPr>
-          <p:cNvPr id="6" name="Footer Placeholder 5"/>
-          <p:cNvSpPr>
-            <a:spLocks noGrp="1"/>
-          </p:cNvSpPr>
-          <p:nvPr>
-            <p:ph type="ftr" sz="quarter" idx="11"/>
-          </p:nvPr>
-        </p:nvSpPr>
-        <p:spPr/>
-        <p:txBody>
-          <a:bodyPr/>
-          <a:lstStyle/>
-          <a:p>
-            <a:endParaRPr lang="zh-CN" altLang="en-US" dirty="0"/>
-          </a:p>
-        </p:txBody>
-      </p:sp>
-      <p:sp>
-        <p:nvSpPr>
-          <p:cNvPr id="7" name="Slide Number Placeholder 6"/>
-          <p:cNvSpPr>
-            <a:spLocks noGrp="1"/>
-          </p:cNvSpPr>
-          <p:nvPr>
-            <p:ph type="sldNum" sz="quarter" idx="12"/>
-          </p:nvPr>
-        </p:nvSpPr>
-        <p:spPr/>
-        <p:txBody>
-          <a:bodyPr/>
-          <a:lstStyle/>
-          <a:p>
-            <a:fld id="{FABC47A4-756D-490B-A52F-7D9E2C9FC05F}" type="slidenum">
-              <a:rPr lang="zh-CN" altLang="en-US" smtClean="0"/>
-            </a:fld>
-            <a:endParaRPr lang="zh-CN" altLang="en-US"/>
-          </a:p>
-        </p:txBody>
-      </p:sp>
-      <p:cxnSp>
-        <p:nvCxnSpPr>
-          <p:cNvPr id="8" name="直接连接符 7" hidden="1"/>
-          <p:cNvCxnSpPr/>
-          <p:nvPr userDrawn="1"/>
-        </p:nvCxnSpPr>
-        <p:spPr>
-          <a:xfrm>
-            <a:off x="742950" y="434340"/>
-            <a:ext cx="0" cy="1391285"/>
-          </a:xfrm>
-          <a:prstGeom prst="line">
-            <a:avLst/>
-          </a:prstGeom>
-        </p:spPr>
-        <p:style>
-          <a:lnRef idx="1">
-            <a:schemeClr val="accent1"/>
-          </a:lnRef>
-          <a:fillRef idx="0">
-            <a:schemeClr val="accent1"/>
-          </a:fillRef>
-          <a:effectRef idx="0">
-            <a:schemeClr val="accent1"/>
-          </a:effectRef>
-          <a:fontRef idx="minor">
-            <a:schemeClr val="tx1"/>
-          </a:fontRef>
-        </p:style>
-      </p:cxnSp>
+            <a:endParaRPr lang="pt-BR"/>
+          </a:p>
+        </p:txBody>
+      </p:sp>
     </p:spTree>
   </p:cSld>
   <p:clrMapOvr>
     <a:masterClrMapping/>
   </p:clrMapOvr>
-  <p:timing>
-    <p:tnLst>
-      <p:par>
-        <p:cTn id="1" dur="indefinite" restart="never" nodeType="tmRoot"/>
-      </p:par>
-    </p:tnLst>
-  </p:timing>
-  <p:hf sldNum="0" hdr="0" ftr="0" dt="0"/>
+  <mc:AlternateContent xmlns:mc="http://schemas.openxmlformats.org/markup-compatibility/2006">
+    <mc:Choice xmlns:p14="http://schemas.microsoft.com/office/powerpoint/2010/main" Requires="p14">
+      <p:transition spd="slow" p14:dur="2000"/>
+    </mc:Choice>
+    <mc:Fallback>
+      <p:transition spd="slow"/>
+    </mc:Fallback>
+  </mc:AlternateContent>
 </p:sldLayout>
 </file>
 
@@ -3133,11 +4404,7 @@
   <p:cSld>
     <p:bg>
       <p:bgPr>
-        <a:solidFill>
-          <a:schemeClr val="bg1">
-            <a:alpha val="100000"/>
-          </a:schemeClr>
-        </a:solidFill>
+        <a:noFill/>
         <a:effectLst/>
       </p:bgPr>
     </p:bg>
@@ -3147,195 +4414,282 @@
         <p:cNvGrpSpPr/>
         <p:nvPr/>
       </p:nvGrpSpPr>
-      <p:grpSpPr/>
-      <p:sp>
-        <p:nvSpPr>
-          <p:cNvPr id="1026" name="Title 1025"/>
-          <p:cNvSpPr/>
-          <p:nvPr>
-            <p:ph type="title"/>
-          </p:nvPr>
-        </p:nvSpPr>
-        <p:spPr>
-          <a:xfrm>
-            <a:off x="609600" y="274638"/>
-            <a:ext cx="10972800" cy="1143000"/>
+      <p:grpSpPr>
+        <a:xfrm>
+          <a:off x="0" y="0"/>
+          <a:ext cx="0" cy="0"/>
+          <a:chOff x="0" y="0"/>
+          <a:chExt cx="0" cy="0"/>
+        </a:xfrm>
+      </p:grpSpPr>
+      <p:pic>
+        <p:nvPicPr>
+          <p:cNvPr id="2" name="Picture 1"/>
+          <p:cNvPicPr>
+            <a:picLocks noChangeAspect="1"/>
+          </p:cNvPicPr>
+          <p:nvPr/>
+        </p:nvPicPr>
+        <p:blipFill>
+          <a:blip r:embed="rId12">
+            <a:lum/>
+          </a:blip>
+          <a:srcRect/>
+          <a:stretch>
+            <a:fillRect/>
+          </a:stretch>
+        </p:blipFill>
+        <p:spPr>
+          <a:xfrm>
+            <a:off x="0" y="0"/>
+            <a:ext cx="10080000" cy="7121879"/>
           </a:xfrm>
           <a:prstGeom prst="rect">
             <a:avLst/>
           </a:prstGeom>
           <a:noFill/>
-          <a:ln w="9525">
+          <a:ln>
             <a:noFill/>
           </a:ln>
         </p:spPr>
-        <p:txBody>
-          <a:bodyPr anchor="ctr" anchorCtr="0"/>
-          <a:p>
-            <a:pPr lvl="0"/>
-            <a:r>
-              <a:t>Click to edit Master title style</a:t>
-            </a:r>
-          </a:p>
-        </p:txBody>
-      </p:sp>
-      <p:sp>
-        <p:nvSpPr>
-          <p:cNvPr id="1027" name="Text Placeholder 1026"/>
-          <p:cNvSpPr/>
-          <p:nvPr>
-            <p:ph type="body" idx="1"/>
-          </p:nvPr>
-        </p:nvSpPr>
-        <p:spPr>
-          <a:xfrm>
-            <a:off x="609600" y="1600200"/>
-            <a:ext cx="10972800" cy="4525963"/>
+      </p:pic>
+      <p:sp>
+        <p:nvSpPr>
+          <p:cNvPr id="3" name="Title Placeholder 2"/>
+          <p:cNvSpPr txBox="1">
+            <a:spLocks noGrp="1"/>
+          </p:cNvSpPr>
+          <p:nvPr>
+            <p:ph type="title"/>
+          </p:nvPr>
+        </p:nvSpPr>
+        <p:spPr>
+          <a:xfrm>
+            <a:off x="1584000" y="709200"/>
+            <a:ext cx="7991640" cy="946800"/>
           </a:xfrm>
           <a:prstGeom prst="rect">
             <a:avLst/>
           </a:prstGeom>
           <a:noFill/>
-          <a:ln w="9525">
+          <a:ln>
             <a:noFill/>
           </a:ln>
         </p:spPr>
         <p:txBody>
-          <a:bodyPr/>
+          <a:bodyPr lIns="0" tIns="0" rIns="0" bIns="0" anchor="ctr">
+            <a:noAutofit/>
+          </a:bodyPr>
+          <a:lstStyle/>
           <a:p>
             <a:pPr lvl="0"/>
             <a:r>
-              <a:t>Click to edit Master text styles</a:t>
-            </a:r>
-          </a:p>
-          <a:p>
-            <a:pPr lvl="1"/>
-            <a:r>
-              <a:t>Second level</a:t>
-            </a:r>
-          </a:p>
-          <a:p>
-            <a:pPr lvl="2"/>
-            <a:r>
-              <a:t>Third level</a:t>
-            </a:r>
-          </a:p>
-          <a:p>
-            <a:pPr lvl="3"/>
-            <a:r>
-              <a:t>Fourth level</a:t>
-            </a:r>
-          </a:p>
-          <a:p>
-            <a:pPr lvl="4"/>
-            <a:r>
-              <a:t>Fifth level</a:t>
-            </a:r>
-          </a:p>
-        </p:txBody>
-      </p:sp>
-      <p:sp>
-        <p:nvSpPr>
-          <p:cNvPr id="1028" name="Date Placeholder 1027"/>
-          <p:cNvSpPr/>
-          <p:nvPr>
-            <p:ph type="dt" sz="half" idx="2"/>
-          </p:nvPr>
-        </p:nvSpPr>
-        <p:spPr>
-          <a:xfrm>
-            <a:off x="609600" y="6245225"/>
-            <a:ext cx="2844800" cy="476250"/>
+              <a:rPr lang="pt-BR"/>
+              <a:t>Clique para editar o formato do texto do título</a:t>
+            </a:r>
+            <a:endParaRPr lang="pt-BR"/>
+          </a:p>
+        </p:txBody>
+      </p:sp>
+      <p:sp>
+        <p:nvSpPr>
+          <p:cNvPr id="4" name="Text Placeholder 3"/>
+          <p:cNvSpPr txBox="1">
+            <a:spLocks noGrp="1"/>
+          </p:cNvSpPr>
+          <p:nvPr>
+            <p:ph type="body" idx="1"/>
+          </p:nvPr>
+        </p:nvSpPr>
+        <p:spPr>
+          <a:xfrm>
+            <a:off x="360000" y="1944000"/>
+            <a:ext cx="9216000" cy="3220560"/>
           </a:xfrm>
           <a:prstGeom prst="rect">
             <a:avLst/>
           </a:prstGeom>
           <a:noFill/>
-          <a:ln w="9525">
+          <a:ln>
             <a:noFill/>
           </a:ln>
         </p:spPr>
         <p:txBody>
-          <a:bodyPr/>
-          <a:lstStyle>
-            <a:lvl1pPr>
-              <a:defRPr sz="1400"/>
-            </a:lvl1pPr>
-          </a:lstStyle>
-          <a:p>
-            <a:fld id="{760FBDFE-C587-4B4C-A407-44438C67B59E}" type="datetimeFigureOut">
-              <a:rPr lang="zh-CN" altLang="en-US" smtClean="0"/>
-            </a:fld>
-            <a:endParaRPr lang="zh-CN" altLang="en-US"/>
-          </a:p>
-        </p:txBody>
-      </p:sp>
-      <p:sp>
-        <p:nvSpPr>
-          <p:cNvPr id="1029" name="Footer Placeholder 1028"/>
-          <p:cNvSpPr/>
-          <p:nvPr>
-            <p:ph type="ftr" sz="quarter" idx="3"/>
-          </p:nvPr>
-        </p:nvSpPr>
-        <p:spPr>
-          <a:xfrm>
-            <a:off x="4165600" y="6245225"/>
-            <a:ext cx="3860800" cy="476250"/>
+          <a:bodyPr lIns="0" tIns="0" rIns="0" bIns="0">
+            <a:noAutofit/>
+          </a:bodyPr>
+          <a:lstStyle/>
+          <a:p>
+            <a:pPr lvl="0"/>
+            <a:r>
+              <a:rPr lang="en-US" smtClean="0"/>
+              <a:t>Edit Master text styles</a:t>
+            </a:r>
+            <a:endParaRPr lang="en-US" smtClean="0"/>
+          </a:p>
+          <a:p>
+            <a:pPr lvl="1"/>
+            <a:r>
+              <a:rPr lang="en-US" smtClean="0"/>
+              <a:t>Second level</a:t>
+            </a:r>
+            <a:endParaRPr lang="en-US" smtClean="0"/>
+          </a:p>
+          <a:p>
+            <a:pPr lvl="2"/>
+            <a:r>
+              <a:rPr lang="en-US" smtClean="0"/>
+              <a:t>Third level</a:t>
+            </a:r>
+            <a:endParaRPr lang="en-US" smtClean="0"/>
+          </a:p>
+          <a:p>
+            <a:pPr lvl="3"/>
+            <a:r>
+              <a:rPr lang="en-US" smtClean="0"/>
+              <a:t>Fourth level</a:t>
+            </a:r>
+            <a:endParaRPr lang="en-US" smtClean="0"/>
+          </a:p>
+          <a:p>
+            <a:pPr lvl="4"/>
+            <a:r>
+              <a:rPr lang="en-US" smtClean="0"/>
+              <a:t>Fifth level</a:t>
+            </a:r>
+            <a:endParaRPr lang="pt-BR"/>
+          </a:p>
+        </p:txBody>
+      </p:sp>
+      <p:sp>
+        <p:nvSpPr>
+          <p:cNvPr id="5" name="Date Placeholder 4"/>
+          <p:cNvSpPr txBox="1">
+            <a:spLocks noGrp="1"/>
+          </p:cNvSpPr>
+          <p:nvPr>
+            <p:ph type="dt" sz="half" idx="2"/>
+          </p:nvPr>
+        </p:nvSpPr>
+        <p:spPr>
+          <a:xfrm>
+            <a:off x="503999" y="5164560"/>
+            <a:ext cx="2348280" cy="390960"/>
           </a:xfrm>
           <a:prstGeom prst="rect">
             <a:avLst/>
           </a:prstGeom>
           <a:noFill/>
-          <a:ln w="9525">
+          <a:ln>
             <a:noFill/>
           </a:ln>
         </p:spPr>
         <p:txBody>
-          <a:bodyPr/>
+          <a:bodyPr lIns="0" tIns="0" rIns="0" bIns="0" anchorCtr="0">
+            <a:noAutofit/>
+          </a:bodyPr>
           <a:lstStyle>
-            <a:lvl1pPr algn="ctr">
-              <a:defRPr sz="1400"/>
+            <a:lvl1pPr lvl="0" rtl="0" hangingPunct="0">
+              <a:buNone/>
+              <a:defRPr lang="pt-BR" sz="1400" kern="1200">
+                <a:latin typeface="Times New Roman" panose="02020603050405020304" pitchFamily="18"/>
+                <a:ea typeface="Segoe UI" pitchFamily="2"/>
+                <a:cs typeface="Tahoma" pitchFamily="2"/>
+              </a:defRPr>
             </a:lvl1pPr>
           </a:lstStyle>
           <a:p>
-            <a:endParaRPr lang="zh-CN" altLang="en-US"/>
-          </a:p>
-        </p:txBody>
-      </p:sp>
-      <p:sp>
-        <p:nvSpPr>
-          <p:cNvPr id="1030" name="Slide Number Placeholder 1029"/>
-          <p:cNvSpPr/>
-          <p:nvPr>
-            <p:ph type="sldNum" sz="quarter" idx="4"/>
-          </p:nvPr>
-        </p:nvSpPr>
-        <p:spPr>
-          <a:xfrm>
-            <a:off x="8737600" y="6245225"/>
-            <a:ext cx="2844800" cy="476250"/>
+            <a:pPr lvl="0"/>
+            <a:endParaRPr lang="pt-BR"/>
+          </a:p>
+        </p:txBody>
+      </p:sp>
+      <p:sp>
+        <p:nvSpPr>
+          <p:cNvPr id="6" name="Footer Placeholder 5"/>
+          <p:cNvSpPr txBox="1">
+            <a:spLocks noGrp="1"/>
+          </p:cNvSpPr>
+          <p:nvPr>
+            <p:ph type="ftr" sz="quarter" idx="3"/>
+          </p:nvPr>
+        </p:nvSpPr>
+        <p:spPr>
+          <a:xfrm>
+            <a:off x="3447360" y="5164560"/>
+            <a:ext cx="3195000" cy="390960"/>
           </a:xfrm>
           <a:prstGeom prst="rect">
             <a:avLst/>
           </a:prstGeom>
           <a:noFill/>
-          <a:ln w="9525">
+          <a:ln>
             <a:noFill/>
           </a:ln>
         </p:spPr>
         <p:txBody>
-          <a:bodyPr/>
+          <a:bodyPr lIns="0" tIns="0" rIns="0" bIns="0" anchorCtr="0">
+            <a:noAutofit/>
+          </a:bodyPr>
           <a:lstStyle>
-            <a:lvl1pPr algn="r">
-              <a:defRPr sz="1400"/>
+            <a:lvl1pPr lvl="0" algn="ctr" rtl="0" hangingPunct="0">
+              <a:buNone/>
+              <a:defRPr lang="pt-BR" sz="1400" kern="1200">
+                <a:latin typeface="Times New Roman" panose="02020603050405020304" pitchFamily="18"/>
+                <a:ea typeface="Segoe UI" pitchFamily="2"/>
+                <a:cs typeface="Tahoma" pitchFamily="2"/>
+              </a:defRPr>
             </a:lvl1pPr>
           </a:lstStyle>
           <a:p>
-            <a:fld id="{49AE70B2-8BF9-45C0-BB95-33D1B9D3A854}" type="slidenum">
-              <a:rPr lang="zh-CN" altLang="en-US" smtClean="0"/>
+            <a:pPr lvl="0"/>
+            <a:endParaRPr lang="pt-BR"/>
+          </a:p>
+        </p:txBody>
+      </p:sp>
+      <p:sp>
+        <p:nvSpPr>
+          <p:cNvPr id="7" name="Slide Number Placeholder 6"/>
+          <p:cNvSpPr txBox="1">
+            <a:spLocks noGrp="1"/>
+          </p:cNvSpPr>
+          <p:nvPr>
+            <p:ph type="sldNum" sz="quarter" idx="4"/>
+          </p:nvPr>
+        </p:nvSpPr>
+        <p:spPr>
+          <a:xfrm>
+            <a:off x="7227360" y="5164560"/>
+            <a:ext cx="2348280" cy="390960"/>
+          </a:xfrm>
+          <a:prstGeom prst="rect">
+            <a:avLst/>
+          </a:prstGeom>
+          <a:noFill/>
+          <a:ln>
+            <a:noFill/>
+          </a:ln>
+        </p:spPr>
+        <p:txBody>
+          <a:bodyPr lIns="0" tIns="0" rIns="0" bIns="0" anchorCtr="0">
+            <a:noAutofit/>
+          </a:bodyPr>
+          <a:lstStyle>
+            <a:lvl1pPr lvl="0" algn="r" rtl="0" hangingPunct="0">
+              <a:buNone/>
+              <a:defRPr lang="pt-BR" sz="1400" kern="1200">
+                <a:latin typeface="Times New Roman" panose="02020603050405020304" pitchFamily="18"/>
+                <a:ea typeface="Segoe UI" pitchFamily="2"/>
+                <a:cs typeface="Tahoma" pitchFamily="2"/>
+              </a:defRPr>
+            </a:lvl1pPr>
+          </a:lstStyle>
+          <a:p>
+            <a:pPr lvl="0"/>
+            <a:fld id="{81342781-A0F1-4B5B-88D9-1DDDA637DF8A}" type="slidenum">
+              <a:rPr/>
             </a:fld>
-            <a:endParaRPr lang="zh-CN" altLang="en-US"/>
+            <a:endParaRPr lang="pt-BR"/>
           </a:p>
         </p:txBody>
       </p:sp>
@@ -3355,63 +4709,57 @@
     <p:sldLayoutId id="2147483658" r:id="rId10"/>
     <p:sldLayoutId id="2147483659" r:id="rId11"/>
   </p:sldLayoutIdLst>
-  <p:hf sldNum="0" hdr="0" ftr="0" dt="0"/>
+  <mc:AlternateContent xmlns:mc="http://schemas.openxmlformats.org/markup-compatibility/2006">
+    <mc:Choice xmlns:p14="http://schemas.microsoft.com/office/powerpoint/2010/main" Requires="p14">
+      <p:transition spd="slow" p14:dur="2000"/>
+    </mc:Choice>
+    <mc:Fallback>
+      <p:transition spd="slow"/>
+    </mc:Fallback>
+  </mc:AlternateContent>
   <p:txStyles>
     <p:titleStyle>
-      <a:lvl1pPr marL="0" lvl="0" indent="0" algn="ctr" defTabSz="914400" eaLnBrk="1" fontAlgn="base" latinLnBrk="0" hangingPunct="1">
-        <a:lnSpc>
-          <a:spcPct val="100000"/>
-        </a:lnSpc>
-        <a:spcBef>
-          <a:spcPct val="0"/>
-        </a:spcBef>
-        <a:spcAft>
-          <a:spcPct val="0"/>
-        </a:spcAft>
+      <a:lvl1pPr lvl="0" algn="ctr" rtl="0" hangingPunct="0">
         <a:buNone/>
-        <a:defRPr sz="4400" b="0" i="0" u="none" kern="1200" baseline="0">
+        <a:defRPr lang="pt-BR" sz="3300" b="1" i="0" u="none" strike="noStrike" kern="1200">
+          <a:ln>
+            <a:noFill/>
+          </a:ln>
           <a:solidFill>
-            <a:schemeClr val="tx2"/>
+            <a:srgbClr val="45982F"/>
           </a:solidFill>
-          <a:latin typeface="+mj-lt"/>
-          <a:ea typeface="+mj-ea"/>
-          <a:cs typeface="+mj-cs"/>
+          <a:latin typeface="Arial" panose="020B0604020202020204" pitchFamily="34"/>
+          <a:ea typeface="Microsoft YaHei" pitchFamily="2"/>
+          <a:cs typeface="Mangal" pitchFamily="2"/>
         </a:defRPr>
       </a:lvl1pPr>
     </p:titleStyle>
     <p:bodyStyle>
-      <a:lvl1pPr marL="342900" lvl="0" indent="-342900" algn="l" defTabSz="914400" eaLnBrk="1" fontAlgn="base" latinLnBrk="0" hangingPunct="1">
+      <a:lvl1pPr marL="0" marR="0" indent="0" rtl="0" hangingPunct="0">
+        <a:spcBef>
+          <a:spcPts val="0"/>
+        </a:spcBef>
+        <a:spcAft>
+          <a:spcPts val="1055"/>
+        </a:spcAft>
+        <a:defRPr lang="pt-BR" sz="2400" b="0" i="0" u="none" strike="noStrike" kern="1200">
+          <a:ln>
+            <a:noFill/>
+          </a:ln>
+          <a:latin typeface="Arial" panose="020B0604020202020204" pitchFamily="34"/>
+          <a:ea typeface="Microsoft YaHei" pitchFamily="2"/>
+        </a:defRPr>
+      </a:lvl1pPr>
+      <a:lvl2pPr marL="685800" indent="-228600" algn="l" defTabSz="914400" rtl="0" eaLnBrk="1" latinLnBrk="0" hangingPunct="1">
         <a:lnSpc>
-          <a:spcPct val="100000"/>
+          <a:spcPct val="90000"/>
         </a:lnSpc>
         <a:spcBef>
-          <a:spcPct val="20000"/>
+          <a:spcPts val="500"/>
         </a:spcBef>
-        <a:spcAft>
-          <a:spcPct val="0"/>
-        </a:spcAft>
+        <a:buFont typeface="Arial" panose="020B0604020202020204" pitchFamily="34" charset="0"/>
         <a:buChar char="•"/>
-        <a:defRPr sz="3200" b="0" i="0" u="none" kern="1200" baseline="0">
-          <a:solidFill>
-            <a:schemeClr val="tx1"/>
-          </a:solidFill>
-          <a:latin typeface="+mn-lt"/>
-          <a:ea typeface="+mn-ea"/>
-          <a:cs typeface="+mn-cs"/>
-        </a:defRPr>
-      </a:lvl1pPr>
-      <a:lvl2pPr marL="742950" lvl="1" indent="-285750" algn="l" defTabSz="914400" eaLnBrk="1" fontAlgn="base" latinLnBrk="0" hangingPunct="1">
-        <a:lnSpc>
-          <a:spcPct val="100000"/>
-        </a:lnSpc>
-        <a:spcBef>
-          <a:spcPct val="20000"/>
-        </a:spcBef>
-        <a:spcAft>
-          <a:spcPct val="0"/>
-        </a:spcAft>
-        <a:buChar char="–"/>
-        <a:defRPr sz="2800" b="0" i="0" u="none" kern="1200" baseline="0">
+        <a:defRPr sz="2400" kern="1200">
           <a:solidFill>
             <a:schemeClr val="tx1"/>
           </a:solidFill>
@@ -3420,18 +4768,16 @@
           <a:cs typeface="+mn-cs"/>
         </a:defRPr>
       </a:lvl2pPr>
-      <a:lvl3pPr marL="1143000" lvl="2" indent="-228600" algn="l" defTabSz="914400" eaLnBrk="1" fontAlgn="base" latinLnBrk="0" hangingPunct="1">
+      <a:lvl3pPr marL="1143000" indent="-228600" algn="l" defTabSz="914400" rtl="0" eaLnBrk="1" latinLnBrk="0" hangingPunct="1">
         <a:lnSpc>
-          <a:spcPct val="100000"/>
+          <a:spcPct val="90000"/>
         </a:lnSpc>
         <a:spcBef>
-          <a:spcPct val="20000"/>
+          <a:spcPts val="500"/>
         </a:spcBef>
-        <a:spcAft>
-          <a:spcPct val="0"/>
-        </a:spcAft>
+        <a:buFont typeface="Arial" panose="020B0604020202020204" pitchFamily="34" charset="0"/>
         <a:buChar char="•"/>
-        <a:defRPr sz="2400" b="0" i="0" u="none" kern="1200" baseline="0">
+        <a:defRPr sz="2000" kern="1200">
           <a:solidFill>
             <a:schemeClr val="tx1"/>
           </a:solidFill>
@@ -3440,18 +4786,16 @@
           <a:cs typeface="+mn-cs"/>
         </a:defRPr>
       </a:lvl3pPr>
-      <a:lvl4pPr marL="1600200" lvl="3" indent="-228600" algn="l" defTabSz="914400" eaLnBrk="1" fontAlgn="base" latinLnBrk="0" hangingPunct="1">
+      <a:lvl4pPr marL="1600200" indent="-228600" algn="l" defTabSz="914400" rtl="0" eaLnBrk="1" latinLnBrk="0" hangingPunct="1">
         <a:lnSpc>
-          <a:spcPct val="100000"/>
+          <a:spcPct val="90000"/>
         </a:lnSpc>
         <a:spcBef>
-          <a:spcPct val="20000"/>
+          <a:spcPts val="500"/>
         </a:spcBef>
-        <a:spcAft>
-          <a:spcPct val="0"/>
-        </a:spcAft>
-        <a:buChar char="–"/>
-        <a:defRPr sz="2000" b="0" i="0" u="none" kern="1200" baseline="0">
+        <a:buFont typeface="Arial" panose="020B0604020202020204" pitchFamily="34" charset="0"/>
+        <a:buChar char="•"/>
+        <a:defRPr sz="1800" kern="1200">
           <a:solidFill>
             <a:schemeClr val="tx1"/>
           </a:solidFill>
@@ -3460,18 +4804,16 @@
           <a:cs typeface="+mn-cs"/>
         </a:defRPr>
       </a:lvl4pPr>
-      <a:lvl5pPr marL="2057400" lvl="4" indent="-228600" algn="l" defTabSz="914400" eaLnBrk="1" fontAlgn="base" latinLnBrk="0" hangingPunct="1">
+      <a:lvl5pPr marL="2057400" indent="-228600" algn="l" defTabSz="914400" rtl="0" eaLnBrk="1" latinLnBrk="0" hangingPunct="1">
         <a:lnSpc>
-          <a:spcPct val="100000"/>
+          <a:spcPct val="90000"/>
         </a:lnSpc>
         <a:spcBef>
-          <a:spcPct val="20000"/>
+          <a:spcPts val="500"/>
         </a:spcBef>
-        <a:spcAft>
-          <a:spcPct val="0"/>
-        </a:spcAft>
-        <a:buChar char="»"/>
-        <a:defRPr sz="2000" b="0" i="0" u="none" kern="1200" baseline="0">
+        <a:buFont typeface="Arial" panose="020B0604020202020204" pitchFamily="34" charset="0"/>
+        <a:buChar char="•"/>
+        <a:defRPr sz="1800" kern="1200">
           <a:solidFill>
             <a:schemeClr val="tx1"/>
           </a:solidFill>
@@ -3480,18 +4822,16 @@
           <a:cs typeface="+mn-cs"/>
         </a:defRPr>
       </a:lvl5pPr>
-      <a:lvl6pPr marL="2514600" lvl="5" indent="-228600" algn="l" defTabSz="914400" eaLnBrk="1" fontAlgn="base" latinLnBrk="0" hangingPunct="1">
+      <a:lvl6pPr marL="2514600" indent="-228600" algn="l" defTabSz="914400" rtl="0" eaLnBrk="1" latinLnBrk="0" hangingPunct="1">
         <a:lnSpc>
-          <a:spcPct val="100000"/>
+          <a:spcPct val="90000"/>
         </a:lnSpc>
         <a:spcBef>
-          <a:spcPct val="20000"/>
+          <a:spcPts val="500"/>
         </a:spcBef>
-        <a:spcAft>
-          <a:spcPct val="0"/>
-        </a:spcAft>
-        <a:buChar char="»"/>
-        <a:defRPr sz="2000" b="0" i="0" u="none" kern="1200" baseline="0">
+        <a:buFont typeface="Arial" panose="020B0604020202020204" pitchFamily="34" charset="0"/>
+        <a:buChar char="•"/>
+        <a:defRPr sz="1800" kern="1200">
           <a:solidFill>
             <a:schemeClr val="tx1"/>
           </a:solidFill>
@@ -3500,18 +4840,16 @@
           <a:cs typeface="+mn-cs"/>
         </a:defRPr>
       </a:lvl6pPr>
-      <a:lvl7pPr marL="2971800" lvl="6" indent="-228600" algn="l" defTabSz="914400" eaLnBrk="1" fontAlgn="base" latinLnBrk="0" hangingPunct="1">
+      <a:lvl7pPr marL="2971800" indent="-228600" algn="l" defTabSz="914400" rtl="0" eaLnBrk="1" latinLnBrk="0" hangingPunct="1">
         <a:lnSpc>
-          <a:spcPct val="100000"/>
+          <a:spcPct val="90000"/>
         </a:lnSpc>
         <a:spcBef>
-          <a:spcPct val="20000"/>
+          <a:spcPts val="500"/>
         </a:spcBef>
-        <a:spcAft>
-          <a:spcPct val="0"/>
-        </a:spcAft>
-        <a:buChar char="»"/>
-        <a:defRPr sz="2000" b="0" i="0" u="none" kern="1200" baseline="0">
+        <a:buFont typeface="Arial" panose="020B0604020202020204" pitchFamily="34" charset="0"/>
+        <a:buChar char="•"/>
+        <a:defRPr sz="1800" kern="1200">
           <a:solidFill>
             <a:schemeClr val="tx1"/>
           </a:solidFill>
@@ -3520,18 +4858,16 @@
           <a:cs typeface="+mn-cs"/>
         </a:defRPr>
       </a:lvl7pPr>
-      <a:lvl8pPr marL="3429000" lvl="7" indent="-228600" algn="l" defTabSz="914400" eaLnBrk="1" fontAlgn="base" latinLnBrk="0" hangingPunct="1">
+      <a:lvl8pPr marL="3429000" indent="-228600" algn="l" defTabSz="914400" rtl="0" eaLnBrk="1" latinLnBrk="0" hangingPunct="1">
         <a:lnSpc>
-          <a:spcPct val="100000"/>
+          <a:spcPct val="90000"/>
         </a:lnSpc>
         <a:spcBef>
-          <a:spcPct val="20000"/>
+          <a:spcPts val="500"/>
         </a:spcBef>
-        <a:spcAft>
-          <a:spcPct val="0"/>
-        </a:spcAft>
-        <a:buChar char="»"/>
-        <a:defRPr sz="2000" b="0" i="0" u="none" kern="1200" baseline="0">
+        <a:buFont typeface="Arial" panose="020B0604020202020204" pitchFamily="34" charset="0"/>
+        <a:buChar char="•"/>
+        <a:defRPr sz="1800" kern="1200">
           <a:solidFill>
             <a:schemeClr val="tx1"/>
           </a:solidFill>
@@ -3540,18 +4876,16 @@
           <a:cs typeface="+mn-cs"/>
         </a:defRPr>
       </a:lvl8pPr>
-      <a:lvl9pPr marL="3886200" lvl="8" indent="-228600" algn="l" defTabSz="914400" eaLnBrk="1" fontAlgn="base" latinLnBrk="0" hangingPunct="1">
+      <a:lvl9pPr marL="3886200" indent="-228600" algn="l" defTabSz="914400" rtl="0" eaLnBrk="1" latinLnBrk="0" hangingPunct="1">
         <a:lnSpc>
-          <a:spcPct val="100000"/>
+          <a:spcPct val="90000"/>
         </a:lnSpc>
         <a:spcBef>
-          <a:spcPct val="20000"/>
+          <a:spcPts val="500"/>
         </a:spcBef>
-        <a:spcAft>
-          <a:spcPct val="0"/>
-        </a:spcAft>
-        <a:buChar char="»"/>
-        <a:defRPr sz="2000" b="0" i="0" u="none" kern="1200" baseline="0">
+        <a:buFont typeface="Arial" panose="020B0604020202020204" pitchFamily="34" charset="0"/>
+        <a:buChar char="•"/>
+        <a:defRPr sz="1800" kern="1200">
           <a:solidFill>
             <a:schemeClr val="tx1"/>
           </a:solidFill>
@@ -3562,19 +4896,11 @@
       </a:lvl9pPr>
     </p:bodyStyle>
     <p:otherStyle>
-      <a:lvl1pPr marL="0" lvl="0" indent="0" algn="l" defTabSz="914400" eaLnBrk="1" fontAlgn="base" latinLnBrk="0" hangingPunct="1">
-        <a:lnSpc>
-          <a:spcPct val="100000"/>
-        </a:lnSpc>
-        <a:spcBef>
-          <a:spcPct val="0"/>
-        </a:spcBef>
-        <a:spcAft>
-          <a:spcPct val="0"/>
-        </a:spcAft>
-        <a:buFont typeface="Arial" panose="020B0604020202020204" pitchFamily="34" charset="0"/>
-        <a:buNone/>
-        <a:defRPr sz="1800" b="0" i="0" u="none" kern="1200" baseline="0">
+      <a:defPPr>
+        <a:defRPr lang="en-US"/>
+      </a:defPPr>
+      <a:lvl1pPr marL="0" algn="l" defTabSz="914400" rtl="0" eaLnBrk="1" latinLnBrk="0" hangingPunct="1">
+        <a:defRPr sz="1800" kern="1200">
           <a:solidFill>
             <a:schemeClr val="tx1"/>
           </a:solidFill>
@@ -3583,170 +4909,82 @@
           <a:cs typeface="+mn-cs"/>
         </a:defRPr>
       </a:lvl1pPr>
-      <a:lvl2pPr marL="457200" lvl="1" indent="0" algn="l" defTabSz="914400" eaLnBrk="1" fontAlgn="base" latinLnBrk="0" hangingPunct="1">
-        <a:lnSpc>
-          <a:spcPct val="100000"/>
-        </a:lnSpc>
-        <a:spcBef>
-          <a:spcPct val="0"/>
-        </a:spcBef>
-        <a:spcAft>
-          <a:spcPct val="0"/>
-        </a:spcAft>
-        <a:buFont typeface="Arial" panose="020B0604020202020204" pitchFamily="34" charset="0"/>
-        <a:buNone/>
-        <a:defRPr b="0" i="0" u="none" kern="1200" baseline="0">
+      <a:lvl2pPr marL="457200" algn="l" defTabSz="914400" rtl="0" eaLnBrk="1" latinLnBrk="0" hangingPunct="1">
+        <a:defRPr sz="1800" kern="1200">
           <a:solidFill>
             <a:schemeClr val="tx1"/>
           </a:solidFill>
-          <a:latin typeface="Arial" panose="020B0604020202020204" pitchFamily="34" charset="0"/>
+          <a:latin typeface="+mn-lt"/>
           <a:ea typeface="+mn-ea"/>
           <a:cs typeface="+mn-cs"/>
         </a:defRPr>
       </a:lvl2pPr>
-      <a:lvl3pPr marL="914400" lvl="2" indent="0" algn="l" defTabSz="914400" eaLnBrk="1" fontAlgn="base" latinLnBrk="0" hangingPunct="1">
-        <a:lnSpc>
-          <a:spcPct val="100000"/>
-        </a:lnSpc>
-        <a:spcBef>
-          <a:spcPct val="0"/>
-        </a:spcBef>
-        <a:spcAft>
-          <a:spcPct val="0"/>
-        </a:spcAft>
-        <a:buFont typeface="Arial" panose="020B0604020202020204" pitchFamily="34" charset="0"/>
-        <a:buNone/>
-        <a:defRPr b="0" i="0" u="none" kern="1200" baseline="0">
+      <a:lvl3pPr marL="914400" algn="l" defTabSz="914400" rtl="0" eaLnBrk="1" latinLnBrk="0" hangingPunct="1">
+        <a:defRPr sz="1800" kern="1200">
           <a:solidFill>
             <a:schemeClr val="tx1"/>
           </a:solidFill>
-          <a:latin typeface="Arial" panose="020B0604020202020204" pitchFamily="34" charset="0"/>
+          <a:latin typeface="+mn-lt"/>
           <a:ea typeface="+mn-ea"/>
           <a:cs typeface="+mn-cs"/>
         </a:defRPr>
       </a:lvl3pPr>
-      <a:lvl4pPr marL="1371600" lvl="3" indent="0" algn="l" defTabSz="914400" eaLnBrk="1" fontAlgn="base" latinLnBrk="0" hangingPunct="1">
-        <a:lnSpc>
-          <a:spcPct val="100000"/>
-        </a:lnSpc>
-        <a:spcBef>
-          <a:spcPct val="0"/>
-        </a:spcBef>
-        <a:spcAft>
-          <a:spcPct val="0"/>
-        </a:spcAft>
-        <a:buFont typeface="Arial" panose="020B0604020202020204" pitchFamily="34" charset="0"/>
-        <a:buNone/>
-        <a:defRPr b="0" i="0" u="none" kern="1200" baseline="0">
+      <a:lvl4pPr marL="1371600" algn="l" defTabSz="914400" rtl="0" eaLnBrk="1" latinLnBrk="0" hangingPunct="1">
+        <a:defRPr sz="1800" kern="1200">
           <a:solidFill>
             <a:schemeClr val="tx1"/>
           </a:solidFill>
-          <a:latin typeface="Arial" panose="020B0604020202020204" pitchFamily="34" charset="0"/>
+          <a:latin typeface="+mn-lt"/>
           <a:ea typeface="+mn-ea"/>
           <a:cs typeface="+mn-cs"/>
         </a:defRPr>
       </a:lvl4pPr>
-      <a:lvl5pPr marL="1828800" lvl="4" indent="0" algn="l" defTabSz="914400" eaLnBrk="1" fontAlgn="base" latinLnBrk="0" hangingPunct="1">
-        <a:lnSpc>
-          <a:spcPct val="100000"/>
-        </a:lnSpc>
-        <a:spcBef>
-          <a:spcPct val="0"/>
-        </a:spcBef>
-        <a:spcAft>
-          <a:spcPct val="0"/>
-        </a:spcAft>
-        <a:buFont typeface="Arial" panose="020B0604020202020204" pitchFamily="34" charset="0"/>
-        <a:buNone/>
-        <a:defRPr b="0" i="0" u="none" kern="1200" baseline="0">
+      <a:lvl5pPr marL="1828800" algn="l" defTabSz="914400" rtl="0" eaLnBrk="1" latinLnBrk="0" hangingPunct="1">
+        <a:defRPr sz="1800" kern="1200">
           <a:solidFill>
             <a:schemeClr val="tx1"/>
           </a:solidFill>
-          <a:latin typeface="Arial" panose="020B0604020202020204" pitchFamily="34" charset="0"/>
+          <a:latin typeface="+mn-lt"/>
           <a:ea typeface="+mn-ea"/>
           <a:cs typeface="+mn-cs"/>
         </a:defRPr>
       </a:lvl5pPr>
-      <a:lvl6pPr marL="2286000" lvl="5" indent="0" algn="l" defTabSz="914400" eaLnBrk="1" fontAlgn="base" latinLnBrk="0" hangingPunct="1">
-        <a:lnSpc>
-          <a:spcPct val="100000"/>
-        </a:lnSpc>
-        <a:spcBef>
-          <a:spcPct val="0"/>
-        </a:spcBef>
-        <a:spcAft>
-          <a:spcPct val="0"/>
-        </a:spcAft>
-        <a:buFont typeface="Arial" panose="020B0604020202020204" pitchFamily="34" charset="0"/>
-        <a:buNone/>
-        <a:defRPr b="0" i="0" u="none" kern="1200" baseline="0">
+      <a:lvl6pPr marL="2286000" algn="l" defTabSz="914400" rtl="0" eaLnBrk="1" latinLnBrk="0" hangingPunct="1">
+        <a:defRPr sz="1800" kern="1200">
           <a:solidFill>
             <a:schemeClr val="tx1"/>
           </a:solidFill>
-          <a:latin typeface="Arial" panose="020B0604020202020204" pitchFamily="34" charset="0"/>
+          <a:latin typeface="+mn-lt"/>
           <a:ea typeface="+mn-ea"/>
           <a:cs typeface="+mn-cs"/>
         </a:defRPr>
       </a:lvl6pPr>
-      <a:lvl7pPr marL="2743200" lvl="6" indent="0" algn="l" defTabSz="914400" eaLnBrk="1" fontAlgn="base" latinLnBrk="0" hangingPunct="1">
-        <a:lnSpc>
-          <a:spcPct val="100000"/>
-        </a:lnSpc>
-        <a:spcBef>
-          <a:spcPct val="0"/>
-        </a:spcBef>
-        <a:spcAft>
-          <a:spcPct val="0"/>
-        </a:spcAft>
-        <a:buFont typeface="Arial" panose="020B0604020202020204" pitchFamily="34" charset="0"/>
-        <a:buNone/>
-        <a:defRPr b="0" i="0" u="none" kern="1200" baseline="0">
+      <a:lvl7pPr marL="2743200" algn="l" defTabSz="914400" rtl="0" eaLnBrk="1" latinLnBrk="0" hangingPunct="1">
+        <a:defRPr sz="1800" kern="1200">
           <a:solidFill>
             <a:schemeClr val="tx1"/>
           </a:solidFill>
-          <a:latin typeface="Arial" panose="020B0604020202020204" pitchFamily="34" charset="0"/>
+          <a:latin typeface="+mn-lt"/>
           <a:ea typeface="+mn-ea"/>
           <a:cs typeface="+mn-cs"/>
         </a:defRPr>
       </a:lvl7pPr>
-      <a:lvl8pPr marL="3200400" lvl="7" indent="0" algn="l" defTabSz="914400" eaLnBrk="1" fontAlgn="base" latinLnBrk="0" hangingPunct="1">
-        <a:lnSpc>
-          <a:spcPct val="100000"/>
-        </a:lnSpc>
-        <a:spcBef>
-          <a:spcPct val="0"/>
-        </a:spcBef>
-        <a:spcAft>
-          <a:spcPct val="0"/>
-        </a:spcAft>
-        <a:buFont typeface="Arial" panose="020B0604020202020204" pitchFamily="34" charset="0"/>
-        <a:buNone/>
-        <a:defRPr b="0" i="0" u="none" kern="1200" baseline="0">
+      <a:lvl8pPr marL="3200400" algn="l" defTabSz="914400" rtl="0" eaLnBrk="1" latinLnBrk="0" hangingPunct="1">
+        <a:defRPr sz="1800" kern="1200">
           <a:solidFill>
             <a:schemeClr val="tx1"/>
           </a:solidFill>
-          <a:latin typeface="Arial" panose="020B0604020202020204" pitchFamily="34" charset="0"/>
+          <a:latin typeface="+mn-lt"/>
           <a:ea typeface="+mn-ea"/>
           <a:cs typeface="+mn-cs"/>
         </a:defRPr>
       </a:lvl8pPr>
-      <a:lvl9pPr marL="3657600" lvl="8" indent="0" algn="l" defTabSz="914400" eaLnBrk="1" fontAlgn="base" latinLnBrk="0" hangingPunct="1">
-        <a:lnSpc>
-          <a:spcPct val="100000"/>
-        </a:lnSpc>
-        <a:spcBef>
-          <a:spcPct val="0"/>
-        </a:spcBef>
-        <a:spcAft>
-          <a:spcPct val="0"/>
-        </a:spcAft>
-        <a:buFont typeface="Arial" panose="020B0604020202020204" pitchFamily="34" charset="0"/>
-        <a:buNone/>
-        <a:defRPr b="0" i="0" u="none" kern="1200" baseline="0">
+      <a:lvl9pPr marL="3657600" algn="l" defTabSz="914400" rtl="0" eaLnBrk="1" latinLnBrk="0" hangingPunct="1">
+        <a:defRPr sz="1800" kern="1200">
           <a:solidFill>
             <a:schemeClr val="tx1"/>
           </a:solidFill>
-          <a:latin typeface="Arial" panose="020B0604020202020204" pitchFamily="34" charset="0"/>
+          <a:latin typeface="+mn-lt"/>
           <a:ea typeface="+mn-ea"/>
           <a:cs typeface="+mn-cs"/>
         </a:defRPr>
@@ -3765,10 +5003,17 @@
         <p:cNvGrpSpPr/>
         <p:nvPr/>
       </p:nvGrpSpPr>
-      <p:grpSpPr/>
-      <p:sp>
-        <p:nvSpPr>
-          <p:cNvPr id="2" name="Title 1"/>
+      <p:grpSpPr>
+        <a:xfrm>
+          <a:off x="0" y="0"/>
+          <a:ext cx="0" cy="0"/>
+          <a:chOff x="0" y="0"/>
+          <a:chExt cx="0" cy="0"/>
+        </a:xfrm>
+      </p:grpSpPr>
+      <p:sp>
+        <p:nvSpPr>
+          <p:cNvPr id="4" name="Title 3"/>
           <p:cNvSpPr>
             <a:spLocks noGrp="1"/>
           </p:cNvSpPr>
@@ -3781,16 +5026,16 @@
           <a:bodyPr/>
           <a:p>
             <a:r>
-              <a:rPr lang="en-US" altLang="en-US" b="1"/>
-              <a:t>Árvore de Espalhamento Mínimo</a:t>
-            </a:r>
-            <a:endParaRPr lang="en-US" altLang="en-US" b="1"/>
-          </a:p>
-        </p:txBody>
-      </p:sp>
-      <p:sp>
-        <p:nvSpPr>
-          <p:cNvPr id="3" name="Subtitle 2"/>
+              <a:rPr lang="en-US" altLang="en-US" sz="5400"/>
+              <a:t>Árvore de espalhamento mínimo</a:t>
+            </a:r>
+            <a:endParaRPr lang="en-US" altLang="en-US" sz="5400"/>
+          </a:p>
+        </p:txBody>
+      </p:sp>
+      <p:sp>
+        <p:nvSpPr>
+          <p:cNvPr id="5" name="Subtitle 4"/>
           <p:cNvSpPr>
             <a:spLocks noGrp="1"/>
           </p:cNvSpPr>
@@ -3798,16 +5043,11 @@
             <p:ph type="subTitle" idx="1"/>
           </p:nvPr>
         </p:nvSpPr>
-        <p:spPr>
-          <a:xfrm>
-            <a:off x="1524000" y="3619818"/>
-            <a:ext cx="9144000" cy="1655762"/>
-          </a:xfrm>
-        </p:spPr>
-        <p:txBody>
-          <a:bodyPr/>
-          <a:p>
-            <a:endParaRPr lang="en-US" altLang="en-US"/>
+        <p:spPr/>
+        <p:txBody>
+          <a:bodyPr/>
+          <a:p>
+            <a:endParaRPr lang="en-US" altLang="en-US" sz="2800"/>
           </a:p>
           <a:p>
             <a:r>
@@ -3823,6 +5063,589 @@
   <p:clrMapOvr>
     <a:masterClrMapping/>
   </p:clrMapOvr>
+  <mc:AlternateContent xmlns:mc="http://schemas.openxmlformats.org/markup-compatibility/2006">
+    <mc:Choice xmlns:p14="http://schemas.microsoft.com/office/powerpoint/2010/main" Requires="p14">
+      <p:transition spd="slow" p14:dur="2000"/>
+    </mc:Choice>
+    <mc:Fallback>
+      <p:transition spd="slow"/>
+    </mc:Fallback>
+  </mc:AlternateContent>
+</p:sld>
+</file>
+
+<file path=ppt/slides/slide10.xml><?xml version="1.0" encoding="utf-8"?>
+<p:sld xmlns:a="http://schemas.openxmlformats.org/drawingml/2006/main" xmlns:r="http://schemas.openxmlformats.org/officeDocument/2006/relationships" xmlns:p="http://schemas.openxmlformats.org/presentationml/2006/main">
+  <p:cSld>
+    <p:spTree>
+      <p:nvGrpSpPr>
+        <p:cNvPr id="1" name=""/>
+        <p:cNvGrpSpPr/>
+        <p:nvPr/>
+      </p:nvGrpSpPr>
+      <p:grpSpPr>
+        <a:xfrm>
+          <a:off x="0" y="0"/>
+          <a:ext cx="0" cy="0"/>
+          <a:chOff x="0" y="0"/>
+          <a:chExt cx="0" cy="0"/>
+        </a:xfrm>
+      </p:grpSpPr>
+      <p:sp>
+        <p:nvSpPr>
+          <p:cNvPr id="2" name="Title 1"/>
+          <p:cNvSpPr txBox="1">
+            <a:spLocks noGrp="1"/>
+          </p:cNvSpPr>
+          <p:nvPr>
+            <p:ph type="title" idx="4294967295"/>
+          </p:nvPr>
+        </p:nvSpPr>
+        <p:spPr>
+          <a:xfrm>
+            <a:off x="1584000" y="813348"/>
+            <a:ext cx="7991640" cy="738505"/>
+          </a:xfrm>
+        </p:spPr>
+        <p:txBody>
+          <a:bodyPr>
+            <a:spAutoFit/>
+          </a:bodyPr>
+          <a:lstStyle/>
+          <a:p>
+            <a:r>
+              <a:rPr lang="en-US" altLang="en-US" sz="4800">
+                <a:sym typeface="+mn-ea"/>
+              </a:rPr>
+              <a:t>Prim</a:t>
+            </a:r>
+            <a:endParaRPr lang="en-US" altLang="en-US" sz="4800">
+              <a:sym typeface="+mn-ea"/>
+            </a:endParaRPr>
+          </a:p>
+        </p:txBody>
+      </p:sp>
+      <p:sp>
+        <p:nvSpPr>
+          <p:cNvPr id="3" name="Text Placeholder 2"/>
+          <p:cNvSpPr txBox="1">
+            <a:spLocks noGrp="1"/>
+          </p:cNvSpPr>
+          <p:nvPr>
+            <p:ph type="body" idx="4294967295"/>
+          </p:nvPr>
+        </p:nvSpPr>
+        <p:spPr>
+          <a:xfrm>
+            <a:off x="360000" y="1872000"/>
+            <a:ext cx="9216000" cy="3292559"/>
+          </a:xfrm>
+        </p:spPr>
+        <p:txBody>
+          <a:bodyPr/>
+          <a:lstStyle/>
+          <a:p>
+            <a:pPr marL="0" indent="0">
+              <a:buNone/>
+            </a:pPr>
+            <a:endParaRPr lang="en-US" sz="3200"/>
+          </a:p>
+          <a:p>
+            <a:endParaRPr lang="en-US" altLang="en-US" sz="3200">
+              <a:sym typeface="+mn-ea"/>
+            </a:endParaRPr>
+          </a:p>
+        </p:txBody>
+      </p:sp>
+      <p:pic>
+        <p:nvPicPr>
+          <p:cNvPr id="4" name="Content Placeholder 3"/>
+          <p:cNvPicPr>
+            <a:picLocks noChangeAspect="1"/>
+          </p:cNvPicPr>
+          <p:nvPr/>
+        </p:nvPicPr>
+        <p:blipFill>
+          <a:blip r:embed="rId1"/>
+          <a:stretch>
+            <a:fillRect/>
+          </a:stretch>
+        </p:blipFill>
+        <p:spPr>
+          <a:xfrm>
+            <a:off x="15240" y="1871980"/>
+            <a:ext cx="9196070" cy="3824605"/>
+          </a:xfrm>
+          <a:prstGeom prst="rect">
+            <a:avLst/>
+          </a:prstGeom>
+          <a:noFill/>
+          <a:ln w="9525">
+            <a:noFill/>
+          </a:ln>
+        </p:spPr>
+      </p:pic>
+    </p:spTree>
+  </p:cSld>
+  <p:clrMapOvr>
+    <a:masterClrMapping/>
+  </p:clrMapOvr>
+  <mc:AlternateContent xmlns:mc="http://schemas.openxmlformats.org/markup-compatibility/2006">
+    <mc:Choice xmlns:p14="http://schemas.microsoft.com/office/powerpoint/2010/main" Requires="p14">
+      <p:transition spd="slow" p14:dur="2000"/>
+    </mc:Choice>
+    <mc:Fallback>
+      <p:transition spd="slow"/>
+    </mc:Fallback>
+  </mc:AlternateContent>
+</p:sld>
+</file>
+
+<file path=ppt/slides/slide11.xml><?xml version="1.0" encoding="utf-8"?>
+<p:sld xmlns:a="http://schemas.openxmlformats.org/drawingml/2006/main" xmlns:r="http://schemas.openxmlformats.org/officeDocument/2006/relationships" xmlns:p="http://schemas.openxmlformats.org/presentationml/2006/main">
+  <p:cSld>
+    <p:spTree>
+      <p:nvGrpSpPr>
+        <p:cNvPr id="1" name=""/>
+        <p:cNvGrpSpPr/>
+        <p:nvPr/>
+      </p:nvGrpSpPr>
+      <p:grpSpPr>
+        <a:xfrm>
+          <a:off x="0" y="0"/>
+          <a:ext cx="0" cy="0"/>
+          <a:chOff x="0" y="0"/>
+          <a:chExt cx="0" cy="0"/>
+        </a:xfrm>
+      </p:grpSpPr>
+      <p:sp>
+        <p:nvSpPr>
+          <p:cNvPr id="2" name="Title 1"/>
+          <p:cNvSpPr txBox="1">
+            <a:spLocks noGrp="1"/>
+          </p:cNvSpPr>
+          <p:nvPr>
+            <p:ph type="title" idx="4294967295"/>
+          </p:nvPr>
+        </p:nvSpPr>
+        <p:spPr>
+          <a:xfrm>
+            <a:off x="1584000" y="813348"/>
+            <a:ext cx="7991640" cy="738505"/>
+          </a:xfrm>
+        </p:spPr>
+        <p:txBody>
+          <a:bodyPr>
+            <a:spAutoFit/>
+          </a:bodyPr>
+          <a:lstStyle/>
+          <a:p>
+            <a:r>
+              <a:rPr lang="en-US" altLang="en-US" sz="4800">
+                <a:sym typeface="+mn-ea"/>
+              </a:rPr>
+              <a:t>Prim</a:t>
+            </a:r>
+            <a:endParaRPr lang="en-US" altLang="en-US" sz="4800">
+              <a:sym typeface="+mn-ea"/>
+            </a:endParaRPr>
+          </a:p>
+        </p:txBody>
+      </p:sp>
+      <p:sp>
+        <p:nvSpPr>
+          <p:cNvPr id="3" name="Text Placeholder 2"/>
+          <p:cNvSpPr txBox="1">
+            <a:spLocks noGrp="1"/>
+          </p:cNvSpPr>
+          <p:nvPr>
+            <p:ph type="body" idx="4294967295"/>
+          </p:nvPr>
+        </p:nvSpPr>
+        <p:spPr>
+          <a:xfrm>
+            <a:off x="360000" y="1872000"/>
+            <a:ext cx="9216000" cy="3292559"/>
+          </a:xfrm>
+        </p:spPr>
+        <p:txBody>
+          <a:bodyPr/>
+          <a:lstStyle/>
+          <a:p>
+            <a:pPr marL="0" indent="0">
+              <a:buNone/>
+            </a:pPr>
+            <a:endParaRPr lang="en-US" sz="3200"/>
+          </a:p>
+          <a:p>
+            <a:endParaRPr lang="en-US" altLang="en-US" sz="3200">
+              <a:sym typeface="+mn-ea"/>
+            </a:endParaRPr>
+          </a:p>
+        </p:txBody>
+      </p:sp>
+      <p:pic>
+        <p:nvPicPr>
+          <p:cNvPr id="5" name="Content Placeholder 3"/>
+          <p:cNvPicPr>
+            <a:picLocks noChangeAspect="1"/>
+          </p:cNvPicPr>
+          <p:nvPr/>
+        </p:nvPicPr>
+        <p:blipFill>
+          <a:blip r:embed="rId1"/>
+          <a:stretch>
+            <a:fillRect/>
+          </a:stretch>
+        </p:blipFill>
+        <p:spPr>
+          <a:xfrm>
+            <a:off x="3105785" y="1374140"/>
+            <a:ext cx="4946650" cy="4288155"/>
+          </a:xfrm>
+          <a:prstGeom prst="rect">
+            <a:avLst/>
+          </a:prstGeom>
+          <a:noFill/>
+          <a:ln w="9525">
+            <a:noFill/>
+          </a:ln>
+        </p:spPr>
+      </p:pic>
+    </p:spTree>
+  </p:cSld>
+  <p:clrMapOvr>
+    <a:masterClrMapping/>
+  </p:clrMapOvr>
+  <mc:AlternateContent xmlns:mc="http://schemas.openxmlformats.org/markup-compatibility/2006">
+    <mc:Choice xmlns:p14="http://schemas.microsoft.com/office/powerpoint/2010/main" Requires="p14">
+      <p:transition spd="slow" p14:dur="2000"/>
+    </mc:Choice>
+    <mc:Fallback>
+      <p:transition spd="slow"/>
+    </mc:Fallback>
+  </mc:AlternateContent>
+</p:sld>
+</file>
+
+<file path=ppt/slides/slide12.xml><?xml version="1.0" encoding="utf-8"?>
+<p:sld xmlns:a="http://schemas.openxmlformats.org/drawingml/2006/main" xmlns:r="http://schemas.openxmlformats.org/officeDocument/2006/relationships" xmlns:p="http://schemas.openxmlformats.org/presentationml/2006/main">
+  <p:cSld>
+    <p:spTree>
+      <p:nvGrpSpPr>
+        <p:cNvPr id="1" name=""/>
+        <p:cNvGrpSpPr/>
+        <p:nvPr/>
+      </p:nvGrpSpPr>
+      <p:grpSpPr>
+        <a:xfrm>
+          <a:off x="0" y="0"/>
+          <a:ext cx="0" cy="0"/>
+          <a:chOff x="0" y="0"/>
+          <a:chExt cx="0" cy="0"/>
+        </a:xfrm>
+      </p:grpSpPr>
+      <p:sp>
+        <p:nvSpPr>
+          <p:cNvPr id="2" name="Title 1"/>
+          <p:cNvSpPr txBox="1">
+            <a:spLocks noGrp="1"/>
+          </p:cNvSpPr>
+          <p:nvPr>
+            <p:ph type="title" idx="4294967295"/>
+          </p:nvPr>
+        </p:nvSpPr>
+        <p:spPr>
+          <a:xfrm>
+            <a:off x="1584000" y="813348"/>
+            <a:ext cx="7991640" cy="738505"/>
+          </a:xfrm>
+        </p:spPr>
+        <p:txBody>
+          <a:bodyPr>
+            <a:spAutoFit/>
+          </a:bodyPr>
+          <a:lstStyle/>
+          <a:p>
+            <a:r>
+              <a:rPr lang="en-US" altLang="en-US" sz="4800">
+                <a:sym typeface="+mn-ea"/>
+              </a:rPr>
+              <a:t>Prim</a:t>
+            </a:r>
+            <a:endParaRPr lang="en-US" altLang="en-US" sz="4800">
+              <a:sym typeface="+mn-ea"/>
+            </a:endParaRPr>
+          </a:p>
+        </p:txBody>
+      </p:sp>
+      <p:sp>
+        <p:nvSpPr>
+          <p:cNvPr id="3" name="Text Placeholder 2"/>
+          <p:cNvSpPr txBox="1">
+            <a:spLocks noGrp="1"/>
+          </p:cNvSpPr>
+          <p:nvPr>
+            <p:ph type="body" idx="4294967295"/>
+          </p:nvPr>
+        </p:nvSpPr>
+        <p:spPr>
+          <a:xfrm>
+            <a:off x="360000" y="1872000"/>
+            <a:ext cx="9216000" cy="3292559"/>
+          </a:xfrm>
+        </p:spPr>
+        <p:txBody>
+          <a:bodyPr/>
+          <a:lstStyle/>
+          <a:p>
+            <a:pPr marL="0" indent="0">
+              <a:buNone/>
+            </a:pPr>
+            <a:endParaRPr lang="en-US" sz="3200"/>
+          </a:p>
+          <a:p>
+            <a:endParaRPr lang="en-US" altLang="en-US" sz="3200">
+              <a:sym typeface="+mn-ea"/>
+            </a:endParaRPr>
+          </a:p>
+        </p:txBody>
+      </p:sp>
+      <p:pic>
+        <p:nvPicPr>
+          <p:cNvPr id="6" name="Picture 5"/>
+          <p:cNvPicPr>
+            <a:picLocks noChangeAspect="1"/>
+          </p:cNvPicPr>
+          <p:nvPr/>
+        </p:nvPicPr>
+        <p:blipFill>
+          <a:blip r:embed="rId1"/>
+          <a:stretch>
+            <a:fillRect/>
+          </a:stretch>
+        </p:blipFill>
+        <p:spPr>
+          <a:xfrm>
+            <a:off x="3002915" y="2321560"/>
+            <a:ext cx="5153660" cy="2393315"/>
+          </a:xfrm>
+          <a:prstGeom prst="rect">
+            <a:avLst/>
+          </a:prstGeom>
+        </p:spPr>
+      </p:pic>
+    </p:spTree>
+  </p:cSld>
+  <p:clrMapOvr>
+    <a:masterClrMapping/>
+  </p:clrMapOvr>
+  <mc:AlternateContent xmlns:mc="http://schemas.openxmlformats.org/markup-compatibility/2006">
+    <mc:Choice xmlns:p14="http://schemas.microsoft.com/office/powerpoint/2010/main" Requires="p14">
+      <p:transition spd="slow" p14:dur="2000"/>
+    </mc:Choice>
+    <mc:Fallback>
+      <p:transition spd="slow"/>
+    </mc:Fallback>
+  </mc:AlternateContent>
+</p:sld>
+</file>
+
+<file path=ppt/slides/slide13.xml><?xml version="1.0" encoding="utf-8"?>
+<p:sld xmlns:a="http://schemas.openxmlformats.org/drawingml/2006/main" xmlns:r="http://schemas.openxmlformats.org/officeDocument/2006/relationships" xmlns:p="http://schemas.openxmlformats.org/presentationml/2006/main">
+  <p:cSld>
+    <p:spTree>
+      <p:nvGrpSpPr>
+        <p:cNvPr id="1" name=""/>
+        <p:cNvGrpSpPr/>
+        <p:nvPr/>
+      </p:nvGrpSpPr>
+      <p:grpSpPr>
+        <a:xfrm>
+          <a:off x="0" y="0"/>
+          <a:ext cx="0" cy="0"/>
+          <a:chOff x="0" y="0"/>
+          <a:chExt cx="0" cy="0"/>
+        </a:xfrm>
+      </p:grpSpPr>
+      <p:sp>
+        <p:nvSpPr>
+          <p:cNvPr id="2" name="Title 1"/>
+          <p:cNvSpPr txBox="1">
+            <a:spLocks noGrp="1"/>
+          </p:cNvSpPr>
+          <p:nvPr>
+            <p:ph type="title" idx="4294967295"/>
+          </p:nvPr>
+        </p:nvSpPr>
+        <p:spPr>
+          <a:xfrm>
+            <a:off x="1584000" y="813348"/>
+            <a:ext cx="7991640" cy="738505"/>
+          </a:xfrm>
+        </p:spPr>
+        <p:txBody>
+          <a:bodyPr>
+            <a:spAutoFit/>
+          </a:bodyPr>
+          <a:lstStyle/>
+          <a:p>
+            <a:r>
+              <a:rPr lang="en-US" altLang="en-US" sz="4800">
+                <a:sym typeface="+mn-ea"/>
+              </a:rPr>
+              <a:t>Dados utilizados</a:t>
+            </a:r>
+            <a:endParaRPr lang="en-US" altLang="en-US" sz="4800">
+              <a:sym typeface="+mn-ea"/>
+            </a:endParaRPr>
+          </a:p>
+        </p:txBody>
+      </p:sp>
+      <p:sp>
+        <p:nvSpPr>
+          <p:cNvPr id="3" name="Text Placeholder 2"/>
+          <p:cNvSpPr txBox="1">
+            <a:spLocks noGrp="1"/>
+          </p:cNvSpPr>
+          <p:nvPr>
+            <p:ph type="body" idx="4294967295"/>
+          </p:nvPr>
+        </p:nvSpPr>
+        <p:spPr>
+          <a:xfrm>
+            <a:off x="360000" y="1872000"/>
+            <a:ext cx="9216000" cy="3292559"/>
+          </a:xfrm>
+        </p:spPr>
+        <p:txBody>
+          <a:bodyPr/>
+          <a:lstStyle/>
+          <a:p>
+            <a:r>
+              <a:rPr lang="en-US" altLang="en-US" sz="3200">
+                <a:solidFill>
+                  <a:srgbClr val="000000"/>
+                </a:solidFill>
+                <a:latin typeface="Arial" panose="020B0604020202020204" pitchFamily="34" charset="0"/>
+                <a:ea typeface="SimSun" pitchFamily="2" charset="-122"/>
+                <a:cs typeface="+mn-ea"/>
+                <a:sym typeface="+mn-ea"/>
+              </a:rPr>
+              <a:t>Dados de rede óptica italiana, retirados do artigo “</a:t>
+            </a:r>
+            <a:r>
+              <a:rPr lang="en-US" altLang="en-US" sz="3200" b="1">
+                <a:solidFill>
+                  <a:srgbClr val="000000"/>
+                </a:solidFill>
+                <a:latin typeface="Arial" panose="020B0604020202020204" pitchFamily="34" charset="0"/>
+                <a:ea typeface="SimSun" pitchFamily="2" charset="-122"/>
+                <a:cs typeface="+mn-ea"/>
+                <a:sym typeface="+mn-ea"/>
+              </a:rPr>
+              <a:t>O Problema da Árvore Geradora Mínima Fuzzy: um algoritmo para o caso envolvendo incertezas nos pesos das arestas e na estrutura da rede” </a:t>
+            </a:r>
+            <a:r>
+              <a:rPr lang="en-US" altLang="en-US" sz="3200">
+                <a:solidFill>
+                  <a:srgbClr val="000000"/>
+                </a:solidFill>
+                <a:latin typeface="Arial" panose="020B0604020202020204" pitchFamily="34" charset="0"/>
+                <a:ea typeface="SimSun" pitchFamily="2" charset="-122"/>
+                <a:cs typeface="+mn-ea"/>
+                <a:sym typeface="+mn-ea"/>
+              </a:rPr>
+              <a:t>de autoria de Fábio Hernandes e Cassiano Blonski Sampaio</a:t>
+            </a:r>
+            <a:endParaRPr lang="en-US" altLang="en-US" sz="3200">
+              <a:sym typeface="+mn-ea"/>
+            </a:endParaRPr>
+          </a:p>
+        </p:txBody>
+      </p:sp>
+    </p:spTree>
+  </p:cSld>
+  <p:clrMapOvr>
+    <a:masterClrMapping/>
+  </p:clrMapOvr>
+  <mc:AlternateContent xmlns:mc="http://schemas.openxmlformats.org/markup-compatibility/2006">
+    <mc:Choice xmlns:p14="http://schemas.microsoft.com/office/powerpoint/2010/main" Requires="p14">
+      <p:transition spd="slow" p14:dur="2000"/>
+    </mc:Choice>
+    <mc:Fallback>
+      <p:transition spd="slow"/>
+    </mc:Fallback>
+  </mc:AlternateContent>
+</p:sld>
+</file>
+
+<file path=ppt/slides/slide14.xml><?xml version="1.0" encoding="utf-8"?>
+<p:sld xmlns:a="http://schemas.openxmlformats.org/drawingml/2006/main" xmlns:r="http://schemas.openxmlformats.org/officeDocument/2006/relationships" xmlns:p="http://schemas.openxmlformats.org/presentationml/2006/main" showMasterSp="0">
+  <p:cSld>
+    <p:bg>
+      <p:bgPr>
+        <a:solidFill>
+          <a:schemeClr val="bg1"/>
+        </a:solidFill>
+        <a:effectLst/>
+      </p:bgPr>
+    </p:bg>
+    <p:spTree>
+      <p:nvGrpSpPr>
+        <p:cNvPr id="1" name=""/>
+        <p:cNvGrpSpPr/>
+        <p:nvPr/>
+      </p:nvGrpSpPr>
+      <p:grpSpPr>
+        <a:xfrm>
+          <a:off x="0" y="0"/>
+          <a:ext cx="0" cy="0"/>
+          <a:chOff x="0" y="0"/>
+          <a:chExt cx="0" cy="0"/>
+        </a:xfrm>
+      </p:grpSpPr>
+      <p:pic>
+        <p:nvPicPr>
+          <p:cNvPr id="4" name="Content Placeholder 3"/>
+          <p:cNvPicPr>
+            <a:picLocks noChangeAspect="1"/>
+          </p:cNvPicPr>
+          <p:nvPr/>
+        </p:nvPicPr>
+        <p:blipFill>
+          <a:blip r:embed="rId1"/>
+          <a:stretch>
+            <a:fillRect/>
+          </a:stretch>
+        </p:blipFill>
+        <p:spPr>
+          <a:xfrm>
+            <a:off x="2138680" y="110490"/>
+            <a:ext cx="5423535" cy="5450205"/>
+          </a:xfrm>
+          <a:prstGeom prst="rect">
+            <a:avLst/>
+          </a:prstGeom>
+          <a:noFill/>
+          <a:ln w="9525">
+            <a:noFill/>
+          </a:ln>
+        </p:spPr>
+      </p:pic>
+    </p:spTree>
+  </p:cSld>
+  <p:clrMapOvr>
+    <a:masterClrMapping/>
+  </p:clrMapOvr>
+  <mc:AlternateContent xmlns:mc="http://schemas.openxmlformats.org/markup-compatibility/2006">
+    <mc:Choice xmlns:p14="http://schemas.microsoft.com/office/powerpoint/2010/main" Requires="p14">
+      <p:transition spd="slow" p14:dur="2000"/>
+    </mc:Choice>
+    <mc:Fallback>
+      <p:transition spd="slow"/>
+    </mc:Fallback>
+  </mc:AlternateContent>
 </p:sld>
 </file>
 
@@ -3835,64 +5658,89 @@
         <p:cNvGrpSpPr/>
         <p:nvPr/>
       </p:nvGrpSpPr>
-      <p:grpSpPr/>
+      <p:grpSpPr>
+        <a:xfrm>
+          <a:off x="0" y="0"/>
+          <a:ext cx="0" cy="0"/>
+          <a:chOff x="0" y="0"/>
+          <a:chExt cx="0" cy="0"/>
+        </a:xfrm>
+      </p:grpSpPr>
       <p:sp>
         <p:nvSpPr>
           <p:cNvPr id="2" name="Title 1"/>
-          <p:cNvSpPr>
-            <a:spLocks noGrp="1"/>
-          </p:cNvSpPr>
-          <p:nvPr>
-            <p:ph type="title"/>
-          </p:nvPr>
-        </p:nvSpPr>
-        <p:spPr/>
-        <p:txBody>
-          <a:bodyPr/>
-          <a:p>
-            <a:r>
-              <a:rPr lang="en-US" altLang="en-US"/>
+          <p:cNvSpPr txBox="1">
+            <a:spLocks noGrp="1"/>
+          </p:cNvSpPr>
+          <p:nvPr>
+            <p:ph type="title" idx="4294967295"/>
+          </p:nvPr>
+        </p:nvSpPr>
+        <p:spPr>
+          <a:xfrm>
+            <a:off x="1584000" y="813348"/>
+            <a:ext cx="7991640" cy="738505"/>
+          </a:xfrm>
+        </p:spPr>
+        <p:txBody>
+          <a:bodyPr>
+            <a:spAutoFit/>
+          </a:bodyPr>
+          <a:lstStyle/>
+          <a:p>
+            <a:r>
+              <a:rPr lang="en-US" altLang="en-US" sz="4800">
+                <a:sym typeface="+mn-ea"/>
+              </a:rPr>
               <a:t>Definição</a:t>
             </a:r>
-            <a:endParaRPr lang="en-US" altLang="en-US"/>
-          </a:p>
-        </p:txBody>
-      </p:sp>
-      <p:sp>
-        <p:nvSpPr>
-          <p:cNvPr id="3" name="Content Placeholder 2"/>
-          <p:cNvSpPr>
-            <a:spLocks noGrp="1"/>
-          </p:cNvSpPr>
-          <p:nvPr>
-            <p:ph idx="1"/>
-          </p:nvPr>
-        </p:nvSpPr>
-        <p:spPr/>
-        <p:txBody>
-          <a:bodyPr/>
-          <a:p>
-            <a:r>
-              <a:rPr lang="en-US" altLang="en-US"/>
+            <a:endParaRPr lang="en-US" altLang="en-US" sz="4800">
+              <a:sym typeface="+mn-ea"/>
+            </a:endParaRPr>
+          </a:p>
+        </p:txBody>
+      </p:sp>
+      <p:sp>
+        <p:nvSpPr>
+          <p:cNvPr id="3" name="Text Placeholder 2"/>
+          <p:cNvSpPr txBox="1">
+            <a:spLocks noGrp="1"/>
+          </p:cNvSpPr>
+          <p:nvPr>
+            <p:ph type="body" idx="4294967295"/>
+          </p:nvPr>
+        </p:nvSpPr>
+        <p:spPr>
+          <a:xfrm>
+            <a:off x="360000" y="1872000"/>
+            <a:ext cx="9216000" cy="3292559"/>
+          </a:xfrm>
+        </p:spPr>
+        <p:txBody>
+          <a:bodyPr/>
+          <a:lstStyle/>
+          <a:p>
+            <a:r>
+              <a:rPr lang="en-US" altLang="en-US" sz="3200">
+                <a:sym typeface="+mn-ea"/>
+              </a:rPr>
               <a:t>A árvore de espalhamento mínimo representa o caminho de menor custo que conecte todos os vértices de um grafo;</a:t>
             </a:r>
-            <a:endParaRPr lang="en-US" altLang="en-US"/>
-          </a:p>
-          <a:p>
-            <a:endParaRPr lang="en-US" altLang="en-US"/>
-          </a:p>
-          <a:p>
-            <a:r>
-              <a:rPr lang="en-US" altLang="en-US"/>
+            <a:endParaRPr lang="en-US" altLang="en-US" sz="3200"/>
+          </a:p>
+          <a:p>
+            <a:endParaRPr lang="en-US" altLang="en-US" sz="3200"/>
+          </a:p>
+          <a:p>
+            <a:r>
+              <a:rPr lang="en-US" altLang="en-US" sz="3200">
+                <a:sym typeface="+mn-ea"/>
+              </a:rPr>
               <a:t>Este custo pode ser atribuido como um peso específico de cada aresta;</a:t>
             </a:r>
-            <a:endParaRPr lang="en-US" altLang="en-US"/>
-          </a:p>
-          <a:p>
-            <a:pPr marL="0" indent="0">
-              <a:buNone/>
-            </a:pPr>
-            <a:endParaRPr lang="en-US" altLang="en-US"/>
+            <a:endParaRPr lang="en-US" altLang="en-US" sz="3200">
+              <a:sym typeface="+mn-ea"/>
+            </a:endParaRPr>
           </a:p>
         </p:txBody>
       </p:sp>
@@ -3901,6 +5749,14 @@
   <p:clrMapOvr>
     <a:masterClrMapping/>
   </p:clrMapOvr>
+  <mc:AlternateContent xmlns:mc="http://schemas.openxmlformats.org/markup-compatibility/2006">
+    <mc:Choice xmlns:p14="http://schemas.microsoft.com/office/powerpoint/2010/main" Requires="p14">
+      <p:transition spd="slow" p14:dur="2000"/>
+    </mc:Choice>
+    <mc:Fallback>
+      <p:transition spd="slow"/>
+    </mc:Fallback>
+  </mc:AlternateContent>
 </p:sld>
 </file>
 
@@ -3913,68 +5769,101 @@
         <p:cNvGrpSpPr/>
         <p:nvPr/>
       </p:nvGrpSpPr>
-      <p:grpSpPr/>
+      <p:grpSpPr>
+        <a:xfrm>
+          <a:off x="0" y="0"/>
+          <a:ext cx="0" cy="0"/>
+          <a:chOff x="0" y="0"/>
+          <a:chExt cx="0" cy="0"/>
+        </a:xfrm>
+      </p:grpSpPr>
       <p:sp>
         <p:nvSpPr>
           <p:cNvPr id="2" name="Title 1"/>
-          <p:cNvSpPr>
-            <a:spLocks noGrp="1"/>
-          </p:cNvSpPr>
-          <p:nvPr>
-            <p:ph type="title"/>
-          </p:nvPr>
-        </p:nvSpPr>
-        <p:spPr/>
-        <p:txBody>
-          <a:bodyPr/>
-          <a:p>
-            <a:r>
-              <a:rPr lang="en-US" altLang="en-US"/>
+          <p:cNvSpPr txBox="1">
+            <a:spLocks noGrp="1"/>
+          </p:cNvSpPr>
+          <p:nvPr>
+            <p:ph type="title" idx="4294967295"/>
+          </p:nvPr>
+        </p:nvSpPr>
+        <p:spPr>
+          <a:xfrm>
+            <a:off x="1584000" y="813348"/>
+            <a:ext cx="7991640" cy="738505"/>
+          </a:xfrm>
+        </p:spPr>
+        <p:txBody>
+          <a:bodyPr>
+            <a:spAutoFit/>
+          </a:bodyPr>
+          <a:lstStyle/>
+          <a:p>
+            <a:r>
+              <a:rPr lang="en-US" altLang="en-US" sz="4800">
+                <a:sym typeface="+mn-ea"/>
+              </a:rPr>
               <a:t>Aplicações</a:t>
             </a:r>
-            <a:endParaRPr lang="en-US" altLang="en-US"/>
-          </a:p>
-        </p:txBody>
-      </p:sp>
-      <p:sp>
-        <p:nvSpPr>
-          <p:cNvPr id="3" name="Content Placeholder 2"/>
-          <p:cNvSpPr>
-            <a:spLocks noGrp="1"/>
-          </p:cNvSpPr>
-          <p:nvPr>
-            <p:ph idx="1"/>
-          </p:nvPr>
-        </p:nvSpPr>
-        <p:spPr/>
-        <p:txBody>
-          <a:bodyPr/>
-          <a:p>
-            <a:r>
-              <a:rPr lang="en-US" altLang="en-US"/>
+            <a:endParaRPr lang="en-US" altLang="en-US" sz="4800">
+              <a:sym typeface="+mn-ea"/>
+            </a:endParaRPr>
+          </a:p>
+        </p:txBody>
+      </p:sp>
+      <p:sp>
+        <p:nvSpPr>
+          <p:cNvPr id="3" name="Text Placeholder 2"/>
+          <p:cNvSpPr txBox="1">
+            <a:spLocks noGrp="1"/>
+          </p:cNvSpPr>
+          <p:nvPr>
+            <p:ph type="body" idx="4294967295"/>
+          </p:nvPr>
+        </p:nvSpPr>
+        <p:spPr>
+          <a:xfrm>
+            <a:off x="360000" y="1872000"/>
+            <a:ext cx="9216000" cy="3292559"/>
+          </a:xfrm>
+        </p:spPr>
+        <p:txBody>
+          <a:bodyPr/>
+          <a:lstStyle/>
+          <a:p>
+            <a:r>
+              <a:rPr lang="en-US" altLang="en-US" sz="3200">
+                <a:sym typeface="+mn-ea"/>
+              </a:rPr>
               <a:t>Custo de instalação de redes;</a:t>
             </a:r>
-            <a:endParaRPr lang="en-US" altLang="en-US"/>
-          </a:p>
-          <a:p>
-            <a:endParaRPr lang="en-US" altLang="en-US"/>
-          </a:p>
-          <a:p>
-            <a:r>
-              <a:rPr lang="en-US" altLang="en-US"/>
+            <a:endParaRPr lang="en-US" altLang="en-US" sz="3200"/>
+          </a:p>
+          <a:p>
+            <a:endParaRPr lang="en-US" altLang="en-US" sz="3200"/>
+          </a:p>
+          <a:p>
+            <a:r>
+              <a:rPr lang="en-US" altLang="en-US" sz="3200">
+                <a:sym typeface="+mn-ea"/>
+              </a:rPr>
               <a:t>Caminhos para transporte de cargas;</a:t>
             </a:r>
-            <a:endParaRPr lang="en-US" altLang="en-US"/>
-          </a:p>
-          <a:p>
-            <a:endParaRPr lang="en-US" altLang="en-US"/>
-          </a:p>
-          <a:p>
-            <a:r>
-              <a:rPr lang="en-US" altLang="en-US"/>
+            <a:endParaRPr lang="en-US" altLang="en-US" sz="3200"/>
+          </a:p>
+          <a:p>
+            <a:endParaRPr lang="en-US" altLang="en-US" sz="3200"/>
+          </a:p>
+          <a:p>
+            <a:r>
+              <a:rPr lang="en-US" altLang="en-US" sz="3200">
+                <a:sym typeface="+mn-ea"/>
+              </a:rPr>
               <a:t>Armazenamento de dados;</a:t>
             </a:r>
-            <a:endParaRPr lang="en-US" altLang="en-US"/>
+            <a:endParaRPr lang="en-US" altLang="en-US" sz="3200">
+              <a:sym typeface="+mn-ea"/>
+            </a:endParaRPr>
           </a:p>
         </p:txBody>
       </p:sp>
@@ -3983,6 +5872,14 @@
   <p:clrMapOvr>
     <a:masterClrMapping/>
   </p:clrMapOvr>
+  <mc:AlternateContent xmlns:mc="http://schemas.openxmlformats.org/markup-compatibility/2006">
+    <mc:Choice xmlns:p14="http://schemas.microsoft.com/office/powerpoint/2010/main" Requires="p14">
+      <p:transition spd="slow" p14:dur="2000"/>
+    </mc:Choice>
+    <mc:Fallback>
+      <p:transition spd="slow"/>
+    </mc:Fallback>
+  </mc:AlternateContent>
 </p:sld>
 </file>
 
@@ -3995,34 +5892,21 @@
         <p:cNvGrpSpPr/>
         <p:nvPr/>
       </p:nvGrpSpPr>
-      <p:grpSpPr/>
-      <p:sp>
-        <p:nvSpPr>
-          <p:cNvPr id="2" name="Title 1"/>
-          <p:cNvSpPr>
-            <a:spLocks noGrp="1"/>
-          </p:cNvSpPr>
-          <p:nvPr>
-            <p:ph type="title"/>
-          </p:nvPr>
-        </p:nvSpPr>
-        <p:spPr/>
-        <p:txBody>
-          <a:bodyPr/>
-          <a:p>
-            <a:endParaRPr lang="en-US"/>
-          </a:p>
-        </p:txBody>
-      </p:sp>
+      <p:grpSpPr>
+        <a:xfrm>
+          <a:off x="0" y="0"/>
+          <a:ext cx="0" cy="0"/>
+          <a:chOff x="0" y="0"/>
+          <a:chExt cx="0" cy="0"/>
+        </a:xfrm>
+      </p:grpSpPr>
       <p:pic>
         <p:nvPicPr>
-          <p:cNvPr id="4" name="Content Placeholder 3"/>
+          <p:cNvPr id="4" name="Content Placeholder 3" descr="test_export"/>
           <p:cNvPicPr>
             <a:picLocks noChangeAspect="1"/>
           </p:cNvPicPr>
-          <p:nvPr>
-            <p:ph idx="1"/>
-          </p:nvPr>
+          <p:nvPr/>
         </p:nvPicPr>
         <p:blipFill>
           <a:blip r:embed="rId1"/>
@@ -4032,8 +5916,36 @@
         </p:blipFill>
         <p:spPr>
           <a:xfrm>
-            <a:off x="2691765" y="7620"/>
-            <a:ext cx="6808470" cy="6842125"/>
+            <a:off x="2570480" y="217170"/>
+            <a:ext cx="1630680" cy="5236845"/>
+          </a:xfrm>
+          <a:prstGeom prst="rect">
+            <a:avLst/>
+          </a:prstGeom>
+          <a:noFill/>
+          <a:ln w="9525">
+            <a:noFill/>
+          </a:ln>
+        </p:spPr>
+      </p:pic>
+      <p:pic>
+        <p:nvPicPr>
+          <p:cNvPr id="5" name="Picture 4" descr="mst_test_export"/>
+          <p:cNvPicPr>
+            <a:picLocks noChangeAspect="1"/>
+          </p:cNvPicPr>
+          <p:nvPr/>
+        </p:nvPicPr>
+        <p:blipFill>
+          <a:blip r:embed="rId2"/>
+          <a:stretch>
+            <a:fillRect/>
+          </a:stretch>
+        </p:blipFill>
+        <p:spPr>
+          <a:xfrm>
+            <a:off x="5693410" y="1446530"/>
+            <a:ext cx="2796540" cy="2959735"/>
           </a:xfrm>
           <a:prstGeom prst="rect">
             <a:avLst/>
@@ -4045,6 +5957,14 @@
   <p:clrMapOvr>
     <a:masterClrMapping/>
   </p:clrMapOvr>
+  <mc:AlternateContent xmlns:mc="http://schemas.openxmlformats.org/markup-compatibility/2006">
+    <mc:Choice xmlns:p14="http://schemas.microsoft.com/office/powerpoint/2010/main" Requires="p14">
+      <p:transition spd="slow" p14:dur="2000"/>
+    </mc:Choice>
+    <mc:Fallback>
+      <p:transition spd="slow"/>
+    </mc:Fallback>
+  </mc:AlternateContent>
 </p:sld>
 </file>
 
@@ -4057,76 +5977,55 @@
         <p:cNvGrpSpPr/>
         <p:nvPr/>
       </p:nvGrpSpPr>
-      <p:grpSpPr/>
-      <p:sp>
-        <p:nvSpPr>
-          <p:cNvPr id="2" name="Title 1"/>
-          <p:cNvSpPr>
-            <a:spLocks noGrp="1"/>
-          </p:cNvSpPr>
-          <p:nvPr>
-            <p:ph type="title"/>
-          </p:nvPr>
-        </p:nvSpPr>
-        <p:spPr/>
-        <p:txBody>
-          <a:bodyPr/>
-          <a:p>
-            <a:r>
-              <a:rPr lang="en-US" altLang="en-US"/>
-              <a:t>Principais algoritmos</a:t>
-            </a:r>
-            <a:endParaRPr lang="en-US" altLang="en-US"/>
-          </a:p>
-        </p:txBody>
-      </p:sp>
-      <p:sp>
-        <p:nvSpPr>
-          <p:cNvPr id="3" name="Content Placeholder 2"/>
-          <p:cNvSpPr>
-            <a:spLocks noGrp="1"/>
-          </p:cNvSpPr>
-          <p:nvPr>
-            <p:ph idx="1"/>
-          </p:nvPr>
-        </p:nvSpPr>
-        <p:spPr/>
-        <p:txBody>
-          <a:bodyPr/>
-          <a:p>
-            <a:r>
-              <a:rPr lang="en-US" altLang="en-US"/>
-              <a:t>Kruskal</a:t>
-            </a:r>
-            <a:endParaRPr lang="en-US" altLang="en-US"/>
-          </a:p>
-          <a:p>
-            <a:endParaRPr lang="en-US" altLang="en-US"/>
-          </a:p>
-          <a:p>
-            <a:r>
-              <a:rPr lang="en-US" altLang="en-US"/>
-              <a:t>Prim</a:t>
-            </a:r>
-            <a:endParaRPr lang="en-US" altLang="en-US"/>
-          </a:p>
-          <a:p>
-            <a:endParaRPr lang="en-US" altLang="en-US"/>
-          </a:p>
-          <a:p>
-            <a:r>
-              <a:rPr lang="en-US" altLang="en-US"/>
-              <a:t>Sollin</a:t>
-            </a:r>
-            <a:endParaRPr lang="en-US" altLang="en-US"/>
-          </a:p>
-        </p:txBody>
-      </p:sp>
+      <p:grpSpPr>
+        <a:xfrm>
+          <a:off x="0" y="0"/>
+          <a:ext cx="0" cy="0"/>
+          <a:chOff x="0" y="0"/>
+          <a:chExt cx="0" cy="0"/>
+        </a:xfrm>
+      </p:grpSpPr>
+      <p:pic>
+        <p:nvPicPr>
+          <p:cNvPr id="2" name="Content Placeholder 3" descr="300px-Minimum_spanning_tree.svg"/>
+          <p:cNvPicPr>
+            <a:picLocks noChangeAspect="1"/>
+          </p:cNvPicPr>
+          <p:nvPr/>
+        </p:nvPicPr>
+        <p:blipFill>
+          <a:blip r:embed="rId1"/>
+          <a:stretch>
+            <a:fillRect/>
+          </a:stretch>
+        </p:blipFill>
+        <p:spPr>
+          <a:xfrm>
+            <a:off x="2313940" y="1092835"/>
+            <a:ext cx="5452745" cy="4398645"/>
+          </a:xfrm>
+          <a:prstGeom prst="rect">
+            <a:avLst/>
+          </a:prstGeom>
+          <a:noFill/>
+          <a:ln w="9525">
+            <a:noFill/>
+          </a:ln>
+        </p:spPr>
+      </p:pic>
     </p:spTree>
   </p:cSld>
   <p:clrMapOvr>
     <a:masterClrMapping/>
   </p:clrMapOvr>
+  <mc:AlternateContent xmlns:mc="http://schemas.openxmlformats.org/markup-compatibility/2006">
+    <mc:Choice xmlns:p14="http://schemas.microsoft.com/office/powerpoint/2010/main" Requires="p14">
+      <p:transition spd="slow" p14:dur="2000"/>
+    </mc:Choice>
+    <mc:Fallback>
+      <p:transition spd="slow"/>
+    </mc:Fallback>
+  </mc:AlternateContent>
 </p:sld>
 </file>
 
@@ -4139,131 +6038,89 @@
         <p:cNvGrpSpPr/>
         <p:nvPr/>
       </p:nvGrpSpPr>
-      <p:grpSpPr/>
+      <p:grpSpPr>
+        <a:xfrm>
+          <a:off x="0" y="0"/>
+          <a:ext cx="0" cy="0"/>
+          <a:chOff x="0" y="0"/>
+          <a:chExt cx="0" cy="0"/>
+        </a:xfrm>
+      </p:grpSpPr>
       <p:sp>
         <p:nvSpPr>
           <p:cNvPr id="2" name="Title 1"/>
-          <p:cNvSpPr>
-            <a:spLocks noGrp="1"/>
-          </p:cNvSpPr>
-          <p:nvPr>
-            <p:ph type="title"/>
-          </p:nvPr>
-        </p:nvSpPr>
-        <p:spPr/>
-        <p:txBody>
-          <a:bodyPr/>
-          <a:p>
-            <a:r>
-              <a:rPr lang="en-US" altLang="en-US"/>
-              <a:t>Kruskal</a:t>
-            </a:r>
-            <a:endParaRPr lang="en-US" altLang="en-US"/>
-          </a:p>
-        </p:txBody>
-      </p:sp>
-      <p:sp>
-        <p:nvSpPr>
-          <p:cNvPr id="3" name="Content Placeholder 2"/>
-          <p:cNvSpPr>
-            <a:spLocks noGrp="1"/>
-          </p:cNvSpPr>
-          <p:nvPr>
-            <p:ph idx="1"/>
-          </p:nvPr>
-        </p:nvSpPr>
-        <p:spPr/>
-        <p:txBody>
-          <a:bodyPr/>
-          <a:p>
-            <a:pPr marL="0" indent="0">
-              <a:buNone/>
-            </a:pPr>
-            <a:r>
-              <a:rPr lang="en-US" sz="2800"/>
-              <a:t>KRUSKAL(G):</a:t>
-            </a:r>
-            <a:endParaRPr lang="en-US" sz="2800"/>
-          </a:p>
-          <a:p>
-            <a:pPr marL="0" indent="0">
-              <a:buNone/>
-            </a:pPr>
-            <a:r>
-              <a:rPr lang="en-US" sz="2800"/>
-              <a:t>A = ∅</a:t>
-            </a:r>
-            <a:endParaRPr lang="en-US" sz="2800"/>
-          </a:p>
-          <a:p>
-            <a:pPr marL="0" indent="0">
-              <a:buNone/>
-            </a:pPr>
-            <a:r>
-              <a:rPr lang="en-US" sz="2800"/>
-              <a:t>foreach v ∈ G.V:</a:t>
-            </a:r>
-            <a:endParaRPr lang="en-US" sz="2800"/>
-          </a:p>
-          <a:p>
-            <a:pPr marL="0" indent="0">
-              <a:buNone/>
-            </a:pPr>
-            <a:r>
-              <a:rPr lang="en-US" sz="2800"/>
-              <a:t>   MAKE-SET(v)</a:t>
-            </a:r>
-            <a:endParaRPr lang="en-US" sz="2800"/>
-          </a:p>
-          <a:p>
-            <a:pPr marL="0" indent="0">
-              <a:buNone/>
-            </a:pPr>
-            <a:r>
-              <a:rPr lang="en-US" sz="2800"/>
-              <a:t>foreach (u, v) in G.E ordered by weight(u, v), increasing:</a:t>
-            </a:r>
-            <a:endParaRPr lang="en-US" sz="2800"/>
-          </a:p>
-          <a:p>
-            <a:pPr marL="0" indent="0">
-              <a:buNone/>
-            </a:pPr>
-            <a:r>
-              <a:rPr lang="en-US" sz="2800"/>
-              <a:t>   if FIND-SET(u) ≠ FIND-SET(v):</a:t>
-            </a:r>
-            <a:endParaRPr lang="en-US" sz="2800"/>
-          </a:p>
-          <a:p>
-            <a:pPr marL="0" indent="0">
-              <a:buNone/>
-            </a:pPr>
-            <a:r>
-              <a:rPr lang="en-US" sz="2800"/>
-              <a:t>      A = A ∪ {(u, v)}</a:t>
-            </a:r>
-            <a:endParaRPr lang="en-US" sz="2800"/>
-          </a:p>
-          <a:p>
-            <a:pPr marL="0" indent="0">
-              <a:buNone/>
-            </a:pPr>
-            <a:r>
-              <a:rPr lang="en-US" sz="2800"/>
-              <a:t>      UNION(FIND-SET(u), FIND-SET(v))</a:t>
-            </a:r>
-            <a:endParaRPr lang="en-US" sz="2800"/>
-          </a:p>
-          <a:p>
-            <a:pPr marL="0" indent="0">
-              <a:buNone/>
-            </a:pPr>
-            <a:r>
-              <a:rPr lang="en-US" sz="2800"/>
-              <a:t>return A</a:t>
-            </a:r>
-            <a:endParaRPr lang="en-US" sz="2800"/>
+          <p:cNvSpPr txBox="1">
+            <a:spLocks noGrp="1"/>
+          </p:cNvSpPr>
+          <p:nvPr>
+            <p:ph type="title" idx="4294967295"/>
+          </p:nvPr>
+        </p:nvSpPr>
+        <p:spPr>
+          <a:xfrm>
+            <a:off x="1584000" y="813348"/>
+            <a:ext cx="7991640" cy="738505"/>
+          </a:xfrm>
+        </p:spPr>
+        <p:txBody>
+          <a:bodyPr>
+            <a:spAutoFit/>
+          </a:bodyPr>
+          <a:lstStyle/>
+          <a:p>
+            <a:r>
+              <a:rPr lang="en-US" altLang="en-US" sz="4800">
+                <a:sym typeface="+mn-ea"/>
+              </a:rPr>
+              <a:t>Principais algoritmos</a:t>
+            </a:r>
+            <a:endParaRPr lang="en-US" altLang="en-US" sz="4800">
+              <a:sym typeface="+mn-ea"/>
+            </a:endParaRPr>
+          </a:p>
+        </p:txBody>
+      </p:sp>
+      <p:sp>
+        <p:nvSpPr>
+          <p:cNvPr id="3" name="Text Placeholder 2"/>
+          <p:cNvSpPr txBox="1">
+            <a:spLocks noGrp="1"/>
+          </p:cNvSpPr>
+          <p:nvPr>
+            <p:ph type="body" idx="4294967295"/>
+          </p:nvPr>
+        </p:nvSpPr>
+        <p:spPr>
+          <a:xfrm>
+            <a:off x="360000" y="1872000"/>
+            <a:ext cx="9216000" cy="3292559"/>
+          </a:xfrm>
+        </p:spPr>
+        <p:txBody>
+          <a:bodyPr/>
+          <a:lstStyle/>
+          <a:p>
+            <a:r>
+              <a:rPr lang="en-US" altLang="en-US" sz="3200">
+                <a:sym typeface="+mn-ea"/>
+              </a:rPr>
+              <a:t>Kruskal 	O (m log n)</a:t>
+            </a:r>
+            <a:endParaRPr lang="en-US" altLang="en-US" sz="3200"/>
+          </a:p>
+          <a:p>
+            <a:endParaRPr lang="en-US" altLang="en-US" sz="3200"/>
+          </a:p>
+          <a:p>
+            <a:r>
+              <a:rPr lang="en-US" altLang="en-US" sz="3200">
+                <a:sym typeface="+mn-ea"/>
+              </a:rPr>
+              <a:t>Prim		O (m log n) ou O (n²) no pior caso</a:t>
+            </a:r>
+            <a:endParaRPr lang="en-US" altLang="en-US" sz="3200">
+              <a:sym typeface="+mn-ea"/>
+            </a:endParaRPr>
           </a:p>
         </p:txBody>
       </p:sp>
@@ -4272,6 +6129,14 @@
   <p:clrMapOvr>
     <a:masterClrMapping/>
   </p:clrMapOvr>
+  <mc:AlternateContent xmlns:mc="http://schemas.openxmlformats.org/markup-compatibility/2006">
+    <mc:Choice xmlns:p14="http://schemas.microsoft.com/office/powerpoint/2010/main" Requires="p14">
+      <p:transition spd="slow" p14:dur="2000"/>
+    </mc:Choice>
+    <mc:Fallback>
+      <p:transition spd="slow"/>
+    </mc:Fallback>
+  </mc:AlternateContent>
 </p:sld>
 </file>
 
@@ -4284,44 +6149,179 @@
         <p:cNvGrpSpPr/>
         <p:nvPr/>
       </p:nvGrpSpPr>
-      <p:grpSpPr/>
+      <p:grpSpPr>
+        <a:xfrm>
+          <a:off x="0" y="0"/>
+          <a:ext cx="0" cy="0"/>
+          <a:chOff x="0" y="0"/>
+          <a:chExt cx="0" cy="0"/>
+        </a:xfrm>
+      </p:grpSpPr>
       <p:sp>
         <p:nvSpPr>
           <p:cNvPr id="2" name="Title 1"/>
-          <p:cNvSpPr>
-            <a:spLocks noGrp="1"/>
-          </p:cNvSpPr>
-          <p:nvPr>
-            <p:ph type="title"/>
-          </p:nvPr>
-        </p:nvSpPr>
-        <p:spPr/>
-        <p:txBody>
-          <a:bodyPr/>
-          <a:p>
-            <a:r>
-              <a:rPr lang="en-US" altLang="en-US"/>
-              <a:t>Prim</a:t>
-            </a:r>
-            <a:endParaRPr lang="en-US" altLang="en-US"/>
-          </a:p>
-        </p:txBody>
-      </p:sp>
-      <p:sp>
-        <p:nvSpPr>
-          <p:cNvPr id="3" name="Content Placeholder 2"/>
-          <p:cNvSpPr>
-            <a:spLocks noGrp="1"/>
-          </p:cNvSpPr>
-          <p:nvPr>
-            <p:ph idx="1"/>
-          </p:nvPr>
-        </p:nvSpPr>
-        <p:spPr/>
-        <p:txBody>
-          <a:bodyPr/>
-          <a:p>
-            <a:endParaRPr lang="en-US"/>
+          <p:cNvSpPr txBox="1">
+            <a:spLocks noGrp="1"/>
+          </p:cNvSpPr>
+          <p:nvPr>
+            <p:ph type="title" idx="4294967295"/>
+          </p:nvPr>
+        </p:nvSpPr>
+        <p:spPr>
+          <a:xfrm>
+            <a:off x="1584000" y="813348"/>
+            <a:ext cx="7991640" cy="738505"/>
+          </a:xfrm>
+        </p:spPr>
+        <p:txBody>
+          <a:bodyPr>
+            <a:spAutoFit/>
+          </a:bodyPr>
+          <a:lstStyle/>
+          <a:p>
+            <a:r>
+              <a:rPr lang="en-US" altLang="en-US" sz="4800">
+                <a:sym typeface="+mn-ea"/>
+              </a:rPr>
+              <a:t>Kruskal</a:t>
+            </a:r>
+            <a:endParaRPr lang="en-US" altLang="en-US" sz="4800">
+              <a:sym typeface="+mn-ea"/>
+            </a:endParaRPr>
+          </a:p>
+        </p:txBody>
+      </p:sp>
+      <p:sp>
+        <p:nvSpPr>
+          <p:cNvPr id="3" name="Text Placeholder 2"/>
+          <p:cNvSpPr txBox="1">
+            <a:spLocks noGrp="1"/>
+          </p:cNvSpPr>
+          <p:nvPr>
+            <p:ph type="body" idx="4294967295"/>
+          </p:nvPr>
+        </p:nvSpPr>
+        <p:spPr>
+          <a:xfrm>
+            <a:off x="360000" y="1872000"/>
+            <a:ext cx="9216000" cy="3292559"/>
+          </a:xfrm>
+        </p:spPr>
+        <p:txBody>
+          <a:bodyPr/>
+          <a:lstStyle/>
+          <a:p>
+            <a:pPr marL="0" indent="0">
+              <a:buNone/>
+            </a:pPr>
+            <a:r>
+              <a:rPr lang="en-US" sz="2000">
+                <a:sym typeface="+mn-ea"/>
+              </a:rPr>
+              <a:t>KRUSKAL(G):</a:t>
+            </a:r>
+            <a:endParaRPr lang="en-US" sz="2000"/>
+          </a:p>
+          <a:p>
+            <a:pPr marL="0" indent="0">
+              <a:buNone/>
+            </a:pPr>
+            <a:r>
+              <a:rPr lang="en-US" sz="2000">
+                <a:sym typeface="+mn-ea"/>
+              </a:rPr>
+              <a:t>A = ∅</a:t>
+            </a:r>
+            <a:endParaRPr lang="en-US" sz="2000"/>
+          </a:p>
+          <a:p>
+            <a:pPr marL="0" indent="0">
+              <a:buNone/>
+            </a:pPr>
+            <a:r>
+              <a:rPr lang="en-US" sz="2000">
+                <a:sym typeface="+mn-ea"/>
+              </a:rPr>
+              <a:t>foreach v ∈ G.V:</a:t>
+            </a:r>
+            <a:endParaRPr lang="en-US" sz="2000"/>
+          </a:p>
+          <a:p>
+            <a:pPr marL="0" indent="0">
+              <a:buNone/>
+            </a:pPr>
+            <a:r>
+              <a:rPr lang="en-US" sz="2000">
+                <a:sym typeface="+mn-ea"/>
+              </a:rPr>
+              <a:t>   MAKE-SET(v)</a:t>
+            </a:r>
+            <a:endParaRPr lang="en-US" sz="2000"/>
+          </a:p>
+          <a:p>
+            <a:pPr marL="0" indent="0">
+              <a:buNone/>
+            </a:pPr>
+            <a:r>
+              <a:rPr lang="en-US" sz="2000">
+                <a:sym typeface="+mn-ea"/>
+              </a:rPr>
+              <a:t>foreach (u, v) in G.E ordered by weight(u, v), increasing:</a:t>
+            </a:r>
+            <a:endParaRPr lang="en-US" sz="2000"/>
+          </a:p>
+          <a:p>
+            <a:pPr marL="0" indent="0">
+              <a:buNone/>
+            </a:pPr>
+            <a:r>
+              <a:rPr lang="en-US" sz="2000">
+                <a:sym typeface="+mn-ea"/>
+              </a:rPr>
+              <a:t>   if FIND-SET(u) ≠ FIND-SET(v):</a:t>
+            </a:r>
+            <a:endParaRPr lang="en-US" sz="2000"/>
+          </a:p>
+          <a:p>
+            <a:pPr marL="0" indent="0">
+              <a:buNone/>
+            </a:pPr>
+            <a:r>
+              <a:rPr lang="en-US" sz="2000">
+                <a:sym typeface="+mn-ea"/>
+              </a:rPr>
+              <a:t>      A = A ∪ {(u, v)}</a:t>
+            </a:r>
+            <a:endParaRPr lang="en-US" sz="2000"/>
+          </a:p>
+          <a:p>
+            <a:pPr marL="0" indent="0">
+              <a:buNone/>
+            </a:pPr>
+            <a:r>
+              <a:rPr lang="en-US" sz="2000">
+                <a:sym typeface="+mn-ea"/>
+              </a:rPr>
+              <a:t>      UNION(FIND-SET(u), FIND-SET(v))</a:t>
+            </a:r>
+            <a:endParaRPr lang="en-US" sz="2000"/>
+          </a:p>
+          <a:p>
+            <a:pPr marL="0" indent="0">
+              <a:buNone/>
+            </a:pPr>
+            <a:r>
+              <a:rPr lang="en-US" sz="2000">
+                <a:sym typeface="+mn-ea"/>
+              </a:rPr>
+              <a:t>return A</a:t>
+            </a:r>
+            <a:endParaRPr lang="en-US" sz="3200"/>
+          </a:p>
+          <a:p>
+            <a:endParaRPr lang="en-US" altLang="en-US" sz="3200">
+              <a:sym typeface="+mn-ea"/>
+            </a:endParaRPr>
           </a:p>
         </p:txBody>
       </p:sp>
@@ -4330,6 +6330,14 @@
   <p:clrMapOvr>
     <a:masterClrMapping/>
   </p:clrMapOvr>
+  <mc:AlternateContent xmlns:mc="http://schemas.openxmlformats.org/markup-compatibility/2006">
+    <mc:Choice xmlns:p14="http://schemas.microsoft.com/office/powerpoint/2010/main" Requires="p14">
+      <p:transition spd="slow" p14:dur="2000"/>
+    </mc:Choice>
+    <mc:Fallback>
+      <p:transition spd="slow"/>
+    </mc:Fallback>
+  </mc:AlternateContent>
 </p:sld>
 </file>
 
@@ -4342,73 +6350,121 @@
         <p:cNvGrpSpPr/>
         <p:nvPr/>
       </p:nvGrpSpPr>
-      <p:grpSpPr/>
+      <p:grpSpPr>
+        <a:xfrm>
+          <a:off x="0" y="0"/>
+          <a:ext cx="0" cy="0"/>
+          <a:chOff x="0" y="0"/>
+          <a:chExt cx="0" cy="0"/>
+        </a:xfrm>
+      </p:grpSpPr>
       <p:sp>
         <p:nvSpPr>
           <p:cNvPr id="2" name="Title 1"/>
-          <p:cNvSpPr>
-            <a:spLocks noGrp="1"/>
-          </p:cNvSpPr>
-          <p:nvPr>
-            <p:ph type="title"/>
-          </p:nvPr>
-        </p:nvSpPr>
-        <p:spPr/>
-        <p:txBody>
-          <a:bodyPr/>
-          <a:p>
-            <a:r>
-              <a:rPr lang="en-US" altLang="en-US"/>
-              <a:t>Dados utilizados</a:t>
-            </a:r>
-            <a:endParaRPr lang="en-US" altLang="en-US"/>
-          </a:p>
-        </p:txBody>
-      </p:sp>
-      <p:sp>
-        <p:nvSpPr>
-          <p:cNvPr id="3" name="Content Placeholder 2"/>
-          <p:cNvSpPr>
-            <a:spLocks noGrp="1"/>
-          </p:cNvSpPr>
-          <p:nvPr>
-            <p:ph idx="1"/>
-          </p:nvPr>
-        </p:nvSpPr>
-        <p:spPr>
-          <a:xfrm>
-            <a:off x="609600" y="1635760"/>
-            <a:ext cx="10972800" cy="4525963"/>
-          </a:xfrm>
-        </p:spPr>
-        <p:txBody>
-          <a:bodyPr/>
-          <a:p>
-            <a:r>
-              <a:rPr lang="en-US" altLang="en-US"/>
-              <a:t>Dados de rede óptica italiana, retirados do artigo “</a:t>
-            </a:r>
-            <a:r>
-              <a:rPr lang="en-US" altLang="en-US" sz="2800" b="1"/>
-              <a:t>O Problema da Árvore Geradora Mínima Fuzzy: um algoritmo para o caso envolvendo incertezas nos pesos das arestas e na estrutura da rede”</a:t>
-            </a:r>
-            <a:r>
-              <a:rPr lang="en-US" altLang="en-US" b="1"/>
-              <a:t> </a:t>
-            </a:r>
-            <a:r>
-              <a:rPr lang="en-US" altLang="en-US"/>
-              <a:t>de autoria de Fábio Hernandes e Cassiano Blonski Sampaio</a:t>
-            </a:r>
-            <a:endParaRPr lang="en-US" altLang="en-US"/>
-          </a:p>
-        </p:txBody>
-      </p:sp>
+          <p:cNvSpPr txBox="1">
+            <a:spLocks noGrp="1"/>
+          </p:cNvSpPr>
+          <p:nvPr>
+            <p:ph type="title" idx="4294967295"/>
+          </p:nvPr>
+        </p:nvSpPr>
+        <p:spPr>
+          <a:xfrm>
+            <a:off x="1584000" y="813348"/>
+            <a:ext cx="7991640" cy="738505"/>
+          </a:xfrm>
+        </p:spPr>
+        <p:txBody>
+          <a:bodyPr>
+            <a:spAutoFit/>
+          </a:bodyPr>
+          <a:lstStyle/>
+          <a:p>
+            <a:r>
+              <a:rPr lang="en-US" altLang="en-US" sz="4800">
+                <a:sym typeface="+mn-ea"/>
+              </a:rPr>
+              <a:t>Kruskal</a:t>
+            </a:r>
+            <a:endParaRPr lang="en-US" altLang="en-US" sz="4800">
+              <a:sym typeface="+mn-ea"/>
+            </a:endParaRPr>
+          </a:p>
+        </p:txBody>
+      </p:sp>
+      <p:sp>
+        <p:nvSpPr>
+          <p:cNvPr id="3" name="Text Placeholder 2"/>
+          <p:cNvSpPr txBox="1">
+            <a:spLocks noGrp="1"/>
+          </p:cNvSpPr>
+          <p:nvPr>
+            <p:ph type="body" idx="4294967295"/>
+          </p:nvPr>
+        </p:nvSpPr>
+        <p:spPr>
+          <a:xfrm>
+            <a:off x="360000" y="1872000"/>
+            <a:ext cx="9216000" cy="3292559"/>
+          </a:xfrm>
+        </p:spPr>
+        <p:txBody>
+          <a:bodyPr/>
+          <a:lstStyle/>
+          <a:p>
+            <a:pPr marL="0" indent="0">
+              <a:buNone/>
+            </a:pPr>
+            <a:endParaRPr lang="en-US" sz="3200"/>
+          </a:p>
+          <a:p>
+            <a:endParaRPr lang="en-US" altLang="en-US" sz="3200">
+              <a:sym typeface="+mn-ea"/>
+            </a:endParaRPr>
+          </a:p>
+        </p:txBody>
+      </p:sp>
+      <p:pic>
+        <p:nvPicPr>
+          <p:cNvPr id="4" name="Content Placeholder 3" descr="KruskalDemo"/>
+          <p:cNvPicPr>
+            <a:picLocks noChangeAspect="1"/>
+          </p:cNvPicPr>
+          <p:nvPr/>
+        </p:nvPicPr>
+        <p:blipFill>
+          <a:blip r:embed="rId1"/>
+          <a:stretch>
+            <a:fillRect/>
+          </a:stretch>
+        </p:blipFill>
+        <p:spPr>
+          <a:xfrm>
+            <a:off x="3603625" y="1488440"/>
+            <a:ext cx="3736340" cy="3838575"/>
+          </a:xfrm>
+          <a:prstGeom prst="rect">
+            <a:avLst/>
+          </a:prstGeom>
+          <a:noFill/>
+          <a:ln w="9525">
+            <a:noFill/>
+          </a:ln>
+        </p:spPr>
+      </p:pic>
     </p:spTree>
   </p:cSld>
   <p:clrMapOvr>
     <a:masterClrMapping/>
   </p:clrMapOvr>
+  <mc:AlternateContent xmlns:mc="http://schemas.openxmlformats.org/markup-compatibility/2006">
+    <mc:Choice xmlns:p14="http://schemas.microsoft.com/office/powerpoint/2010/main" Requires="p14">
+      <p:transition spd="slow" p14:dur="2000"/>
+    </mc:Choice>
+    <mc:Fallback>
+      <p:transition spd="slow"/>
+    </mc:Fallback>
+  </mc:AlternateContent>
 </p:sld>
 </file>
 
@@ -4421,123 +6477,235 @@
         <p:cNvGrpSpPr/>
         <p:nvPr/>
       </p:nvGrpSpPr>
-      <p:grpSpPr/>
+      <p:grpSpPr>
+        <a:xfrm>
+          <a:off x="0" y="0"/>
+          <a:ext cx="0" cy="0"/>
+          <a:chOff x="0" y="0"/>
+          <a:chExt cx="0" cy="0"/>
+        </a:xfrm>
+      </p:grpSpPr>
       <p:sp>
         <p:nvSpPr>
           <p:cNvPr id="2" name="Title 1"/>
-          <p:cNvSpPr>
-            <a:spLocks noGrp="1"/>
-          </p:cNvSpPr>
-          <p:nvPr>
-            <p:ph type="title"/>
-          </p:nvPr>
-        </p:nvSpPr>
-        <p:spPr/>
-        <p:txBody>
-          <a:bodyPr/>
-          <a:p>
-            <a:r>
-              <a:rPr lang="en-US" altLang="en-US"/>
-              <a:t>Referências</a:t>
-            </a:r>
-            <a:endParaRPr lang="en-US" altLang="en-US"/>
-          </a:p>
-        </p:txBody>
-      </p:sp>
-      <p:sp>
-        <p:nvSpPr>
-          <p:cNvPr id="3" name="Content Placeholder 2"/>
-          <p:cNvSpPr>
-            <a:spLocks noGrp="1"/>
-          </p:cNvSpPr>
-          <p:nvPr>
-            <p:ph idx="1"/>
-          </p:nvPr>
-        </p:nvSpPr>
-        <p:spPr/>
-        <p:txBody>
-          <a:bodyPr/>
-          <a:p>
-            <a:r>
-              <a:rPr lang="en-US" sz="2400"/>
-              <a:t>https://www.ime.unicamp.br/~cbsf4/Papers_IVCBSF/CBSF_2016_paper_81.pdf</a:t>
-            </a:r>
-            <a:endParaRPr lang="en-US" sz="2400"/>
-          </a:p>
-          <a:p>
-            <a:r>
-              <a:rPr lang="en-US" sz="2400"/>
-              <a:t>https://pt.wikipedia.org/wiki/Algoritmo_de_Prim</a:t>
-            </a:r>
-            <a:endParaRPr lang="en-US"/>
-          </a:p>
-          <a:p>
-            <a:endParaRPr lang="en-US"/>
-          </a:p>
-          <a:p>
-            <a:endParaRPr lang="en-US"/>
-          </a:p>
-        </p:txBody>
-      </p:sp>
+          <p:cNvSpPr txBox="1">
+            <a:spLocks noGrp="1"/>
+          </p:cNvSpPr>
+          <p:nvPr>
+            <p:ph type="title" idx="4294967295"/>
+          </p:nvPr>
+        </p:nvSpPr>
+        <p:spPr>
+          <a:xfrm>
+            <a:off x="1584000" y="813348"/>
+            <a:ext cx="7991640" cy="738505"/>
+          </a:xfrm>
+        </p:spPr>
+        <p:txBody>
+          <a:bodyPr>
+            <a:spAutoFit/>
+          </a:bodyPr>
+          <a:lstStyle/>
+          <a:p>
+            <a:r>
+              <a:rPr lang="en-US" altLang="en-US" sz="4800">
+                <a:sym typeface="+mn-ea"/>
+              </a:rPr>
+              <a:t>Prim</a:t>
+            </a:r>
+            <a:endParaRPr lang="en-US" altLang="en-US" sz="4800">
+              <a:sym typeface="+mn-ea"/>
+            </a:endParaRPr>
+          </a:p>
+        </p:txBody>
+      </p:sp>
+      <p:sp>
+        <p:nvSpPr>
+          <p:cNvPr id="3" name="Text Placeholder 2"/>
+          <p:cNvSpPr txBox="1">
+            <a:spLocks noGrp="1"/>
+          </p:cNvSpPr>
+          <p:nvPr>
+            <p:ph type="body" idx="4294967295"/>
+          </p:nvPr>
+        </p:nvSpPr>
+        <p:spPr>
+          <a:xfrm>
+            <a:off x="360000" y="1872000"/>
+            <a:ext cx="9216000" cy="3292559"/>
+          </a:xfrm>
+        </p:spPr>
+        <p:txBody>
+          <a:bodyPr/>
+          <a:lstStyle/>
+          <a:p>
+            <a:pPr marL="0" indent="0">
+              <a:buNone/>
+            </a:pPr>
+            <a:endParaRPr lang="en-US" sz="3200"/>
+          </a:p>
+          <a:p>
+            <a:endParaRPr lang="en-US" altLang="en-US" sz="3200">
+              <a:sym typeface="+mn-ea"/>
+            </a:endParaRPr>
+          </a:p>
+        </p:txBody>
+      </p:sp>
+      <p:pic>
+        <p:nvPicPr>
+          <p:cNvPr id="6" name="Content Placeholder 5"/>
+          <p:cNvPicPr>
+            <a:picLocks noChangeAspect="1"/>
+          </p:cNvPicPr>
+          <p:nvPr/>
+        </p:nvPicPr>
+        <p:blipFill>
+          <a:blip r:embed="rId1"/>
+          <a:stretch>
+            <a:fillRect/>
+          </a:stretch>
+        </p:blipFill>
+        <p:spPr>
+          <a:xfrm>
+            <a:off x="-10160" y="1551940"/>
+            <a:ext cx="10789285" cy="3976370"/>
+          </a:xfrm>
+          <a:prstGeom prst="rect">
+            <a:avLst/>
+          </a:prstGeom>
+          <a:noFill/>
+          <a:ln w="9525">
+            <a:noFill/>
+          </a:ln>
+        </p:spPr>
+      </p:pic>
     </p:spTree>
   </p:cSld>
   <p:clrMapOvr>
     <a:masterClrMapping/>
   </p:clrMapOvr>
+  <mc:AlternateContent xmlns:mc="http://schemas.openxmlformats.org/markup-compatibility/2006">
+    <mc:Choice xmlns:p14="http://schemas.microsoft.com/office/powerpoint/2010/main" Requires="p14">
+      <p:transition spd="slow" p14:dur="2000"/>
+    </mc:Choice>
+    <mc:Fallback>
+      <p:transition spd="slow"/>
+    </mc:Fallback>
+  </mc:AlternateContent>
 </p:sld>
 </file>
 
 <file path=ppt/theme/theme1.xml><?xml version="1.0" encoding="utf-8"?>
-<a:theme xmlns:a="http://schemas.openxmlformats.org/drawingml/2006/main" name="Default Design">
+<a:theme xmlns:a="http://schemas.openxmlformats.org/drawingml/2006/main" name="Padrão">
   <a:themeElements>
-    <a:clrScheme name="">
+    <a:clrScheme name="Office">
       <a:dk1>
-        <a:srgbClr val="000000"/>
+        <a:sysClr val="windowText" lastClr="000000"/>
       </a:dk1>
       <a:lt1>
-        <a:srgbClr val="FFFFFF"/>
+        <a:sysClr val="window" lastClr="FFFFFF"/>
       </a:lt1>
       <a:dk2>
-        <a:srgbClr val="000000"/>
+        <a:srgbClr val="44546A"/>
       </a:dk2>
       <a:lt2>
-        <a:srgbClr val="808080"/>
+        <a:srgbClr val="E7E6E6"/>
       </a:lt2>
       <a:accent1>
-        <a:srgbClr val="7DB6EF"/>
+        <a:srgbClr val="5B9BD5"/>
       </a:accent1>
       <a:accent2>
-        <a:srgbClr val="C0504D"/>
+        <a:srgbClr val="ED7D31"/>
       </a:accent2>
       <a:accent3>
-        <a:srgbClr val="FFFFFF"/>
+        <a:srgbClr val="A5A5A5"/>
       </a:accent3>
       <a:accent4>
-        <a:srgbClr val="000000"/>
+        <a:srgbClr val="FFC000"/>
       </a:accent4>
       <a:accent5>
-        <a:srgbClr val="C0D7F5"/>
+        <a:srgbClr val="4472C4"/>
       </a:accent5>
       <a:accent6>
-        <a:srgbClr val="AC4744"/>
+        <a:srgbClr val="70AD47"/>
       </a:accent6>
       <a:hlink>
-        <a:srgbClr val="0066CC"/>
+        <a:srgbClr val="0563C1"/>
       </a:hlink>
       <a:folHlink>
-        <a:srgbClr val="800080"/>
+        <a:srgbClr val="954F72"/>
       </a:folHlink>
     </a:clrScheme>
-    <a:fontScheme name="">
+    <a:fontScheme name="Office">
       <a:majorFont>
-        <a:latin typeface="Arial"/>
-        <a:ea typeface="Arial"/>
+        <a:latin typeface="Calibri Light"/>
+        <a:ea typeface=""/>
         <a:cs typeface=""/>
+        <a:font script="Jpan" typeface="游ゴシック Light"/>
+        <a:font script="Hang" typeface="맑은 고딕"/>
+        <a:font script="Hans" typeface="等线 Light"/>
+        <a:font script="Hant" typeface="新細明體"/>
+        <a:font script="Arab" typeface="Times New Roman"/>
+        <a:font script="Hebr" typeface="Times New Roman"/>
+        <a:font script="Thai" typeface="Angsana New"/>
+        <a:font script="Ethi" typeface="Nyala"/>
+        <a:font script="Beng" typeface="Vrinda"/>
+        <a:font script="Gujr" typeface="Shruti"/>
+        <a:font script="Khmr" typeface="MoolBoran"/>
+        <a:font script="Knda" typeface="Tunga"/>
+        <a:font script="Guru" typeface="Raavi"/>
+        <a:font script="Cans" typeface="Euphemia"/>
+        <a:font script="Cher" typeface="Plantagenet Cherokee"/>
+        <a:font script="Yiii" typeface="Microsoft Yi Baiti"/>
+        <a:font script="Tibt" typeface="Microsoft Himalaya"/>
+        <a:font script="Thaa" typeface="MV Boli"/>
+        <a:font script="Deva" typeface="Mangal"/>
+        <a:font script="Telu" typeface="Gautami"/>
+        <a:font script="Taml" typeface="Latha"/>
+        <a:font script="Syrc" typeface="Estrangelo Edessa"/>
+        <a:font script="Orya" typeface="Kalinga"/>
+        <a:font script="Mlym" typeface="Kartika"/>
+        <a:font script="Laoo" typeface="DokChampa"/>
+        <a:font script="Sinh" typeface="Iskoola Pota"/>
+        <a:font script="Mong" typeface="Mongolian Baiti"/>
+        <a:font script="Viet" typeface="Times New Roman"/>
+        <a:font script="Uigh" typeface="Microsoft Uighur"/>
+        <a:font script="Geor" typeface="Sylfaen"/>
       </a:majorFont>
       <a:minorFont>
-        <a:latin typeface="Arial"/>
-        <a:ea typeface="Arial"/>
+        <a:latin typeface="Calibri"/>
+        <a:ea typeface=""/>
         <a:cs typeface=""/>
+        <a:font script="Jpan" typeface="游ゴシック"/>
+        <a:font script="Hang" typeface="맑은 고딕"/>
+        <a:font script="Hans" typeface="等线"/>
+        <a:font script="Hant" typeface="新細明體"/>
+        <a:font script="Arab" typeface="Arial"/>
+        <a:font script="Hebr" typeface="Arial"/>
+        <a:font script="Thai" typeface="Cordia New"/>
+        <a:font script="Ethi" typeface="Nyala"/>
+        <a:font script="Beng" typeface="Vrinda"/>
+        <a:font script="Gujr" typeface="Shruti"/>
+        <a:font script="Khmr" typeface="DaunPenh"/>
+        <a:font script="Knda" typeface="Tunga"/>
+        <a:font script="Guru" typeface="Raavi"/>
+        <a:font script="Cans" typeface="Euphemia"/>
+        <a:font script="Cher" typeface="Plantagenet Cherokee"/>
+        <a:font script="Yiii" typeface="Microsoft Yi Baiti"/>
+        <a:font script="Tibt" typeface="Microsoft Himalaya"/>
+        <a:font script="Thaa" typeface="MV Boli"/>
+        <a:font script="Deva" typeface="Mangal"/>
+        <a:font script="Telu" typeface="Gautami"/>
+        <a:font script="Taml" typeface="Latha"/>
+        <a:font script="Syrc" typeface="Estrangelo Edessa"/>
+        <a:font script="Orya" typeface="Kalinga"/>
+        <a:font script="Mlym" typeface="Kartika"/>
+        <a:font script="Laoo" typeface="DokChampa"/>
+        <a:font script="Sinh" typeface="Iskoola Pota"/>
+        <a:font script="Mong" typeface="Mongolian Baiti"/>
+        <a:font script="Viet" typeface="Arial"/>
+        <a:font script="Uigh" typeface="Microsoft Uighur"/>
+        <a:font script="Geor" typeface="Sylfaen"/>
       </a:minorFont>
     </a:fontScheme>
     <a:fmtScheme name="Office">
@@ -4678,500 +6846,6 @@
       </a:bgFillStyleLst>
     </a:fmtScheme>
   </a:themeElements>
-  <a:extraClrSchemeLst>
-    <a:extraClrScheme>
-      <a:clrScheme name="">
-        <a:dk1>
-          <a:srgbClr val="000000"/>
-        </a:dk1>
-        <a:lt1>
-          <a:srgbClr val="FFFFFF"/>
-        </a:lt1>
-        <a:dk2>
-          <a:srgbClr val="000000"/>
-        </a:dk2>
-        <a:lt2>
-          <a:srgbClr val="969696"/>
-        </a:lt2>
-        <a:accent1>
-          <a:srgbClr val="FBDF53"/>
-        </a:accent1>
-        <a:accent2>
-          <a:srgbClr val="FF9966"/>
-        </a:accent2>
-        <a:accent3>
-          <a:srgbClr val="FFFFFF"/>
-        </a:accent3>
-        <a:accent4>
-          <a:srgbClr val="000000"/>
-        </a:accent4>
-        <a:accent5>
-          <a:srgbClr val="FDECB4"/>
-        </a:accent5>
-        <a:accent6>
-          <a:srgbClr val="E5895B"/>
-        </a:accent6>
-        <a:hlink>
-          <a:srgbClr val="CC3300"/>
-        </a:hlink>
-        <a:folHlink>
-          <a:srgbClr val="996600"/>
-        </a:folHlink>
-      </a:clrScheme>
-      <a:clrMap bg1="lt1" tx1="dk1" bg2="lt2" tx2="dk2" accent1="accent1" accent2="accent2" accent3="accent3" accent4="accent4" accent5="accent5" accent6="accent6" hlink="hlink" folHlink="folHlink"/>
-    </a:extraClrScheme>
-    <a:extraClrScheme>
-      <a:clrScheme name="">
-        <a:dk1>
-          <a:srgbClr val="000000"/>
-        </a:dk1>
-        <a:lt1>
-          <a:srgbClr val="FFFFFF"/>
-        </a:lt1>
-        <a:dk2>
-          <a:srgbClr val="000000"/>
-        </a:dk2>
-        <a:lt2>
-          <a:srgbClr val="808080"/>
-        </a:lt2>
-        <a:accent1>
-          <a:srgbClr val="99CCFF"/>
-        </a:accent1>
-        <a:accent2>
-          <a:srgbClr val="CCCCFF"/>
-        </a:accent2>
-        <a:accent3>
-          <a:srgbClr val="FFFFFF"/>
-        </a:accent3>
-        <a:accent4>
-          <a:srgbClr val="000000"/>
-        </a:accent4>
-        <a:accent5>
-          <a:srgbClr val="CAE2FF"/>
-        </a:accent5>
-        <a:accent6>
-          <a:srgbClr val="B7B7E5"/>
-        </a:accent6>
-        <a:hlink>
-          <a:srgbClr val="3333CC"/>
-        </a:hlink>
-        <a:folHlink>
-          <a:srgbClr val="AF67FF"/>
-        </a:folHlink>
-      </a:clrScheme>
-      <a:clrMap bg1="lt1" tx1="dk1" bg2="lt2" tx2="dk2" accent1="accent1" accent2="accent2" accent3="accent3" accent4="accent4" accent5="accent5" accent6="accent6" hlink="hlink" folHlink="folHlink"/>
-    </a:extraClrScheme>
-    <a:extraClrScheme>
-      <a:clrScheme name="">
-        <a:dk1>
-          <a:srgbClr val="000000"/>
-        </a:dk1>
-        <a:lt1>
-          <a:srgbClr val="DEF6F1"/>
-        </a:lt1>
-        <a:dk2>
-          <a:srgbClr val="000000"/>
-        </a:dk2>
-        <a:lt2>
-          <a:srgbClr val="969696"/>
-        </a:lt2>
-        <a:accent1>
-          <a:srgbClr val="FFFFFF"/>
-        </a:accent1>
-        <a:accent2>
-          <a:srgbClr val="8DC6FF"/>
-        </a:accent2>
-        <a:accent3>
-          <a:srgbClr val="EBFAF7"/>
-        </a:accent3>
-        <a:accent4>
-          <a:srgbClr val="000000"/>
-        </a:accent4>
-        <a:accent5>
-          <a:srgbClr val="FFFFFF"/>
-        </a:accent5>
-        <a:accent6>
-          <a:srgbClr val="7EB1E5"/>
-        </a:accent6>
-        <a:hlink>
-          <a:srgbClr val="0066CC"/>
-        </a:hlink>
-        <a:folHlink>
-          <a:srgbClr val="00A800"/>
-        </a:folHlink>
-      </a:clrScheme>
-      <a:clrMap bg1="lt1" tx1="dk1" bg2="lt2" tx2="dk2" accent1="accent1" accent2="accent2" accent3="accent3" accent4="accent4" accent5="accent5" accent6="accent6" hlink="hlink" folHlink="folHlink"/>
-    </a:extraClrScheme>
-    <a:extraClrScheme>
-      <a:clrScheme name="">
-        <a:dk1>
-          <a:srgbClr val="000000"/>
-        </a:dk1>
-        <a:lt1>
-          <a:srgbClr val="FFFFD9"/>
-        </a:lt1>
-        <a:dk2>
-          <a:srgbClr val="000000"/>
-        </a:dk2>
-        <a:lt2>
-          <a:srgbClr val="777777"/>
-        </a:lt2>
-        <a:accent1>
-          <a:srgbClr val="FFFFF7"/>
-        </a:accent1>
-        <a:accent2>
-          <a:srgbClr val="33CCCC"/>
-        </a:accent2>
-        <a:accent3>
-          <a:srgbClr val="FFFFE9"/>
-        </a:accent3>
-        <a:accent4>
-          <a:srgbClr val="000000"/>
-        </a:accent4>
-        <a:accent5>
-          <a:srgbClr val="FFFFFA"/>
-        </a:accent5>
-        <a:accent6>
-          <a:srgbClr val="2DB7B7"/>
-        </a:accent6>
-        <a:hlink>
-          <a:srgbClr val="FF5050"/>
-        </a:hlink>
-        <a:folHlink>
-          <a:srgbClr val="FF9900"/>
-        </a:folHlink>
-      </a:clrScheme>
-      <a:clrMap bg1="lt1" tx1="dk1" bg2="lt2" tx2="dk2" accent1="accent1" accent2="accent2" accent3="accent3" accent4="accent4" accent5="accent5" accent6="accent6" hlink="hlink" folHlink="folHlink"/>
-    </a:extraClrScheme>
-    <a:extraClrScheme>
-      <a:clrScheme name="">
-        <a:dk1>
-          <a:srgbClr val="FFFFFF"/>
-        </a:dk1>
-        <a:lt1>
-          <a:srgbClr val="008080"/>
-        </a:lt1>
-        <a:dk2>
-          <a:srgbClr val="FFFF99"/>
-        </a:dk2>
-        <a:lt2>
-          <a:srgbClr val="005A58"/>
-        </a:lt2>
-        <a:accent1>
-          <a:srgbClr val="006462"/>
-        </a:accent1>
-        <a:accent2>
-          <a:srgbClr val="6D6FC7"/>
-        </a:accent2>
-        <a:accent3>
-          <a:srgbClr val="AAC1C1"/>
-        </a:accent3>
-        <a:accent4>
-          <a:srgbClr val="DCDCDC"/>
-        </a:accent4>
-        <a:accent5>
-          <a:srgbClr val="AAB8B8"/>
-        </a:accent5>
-        <a:accent6>
-          <a:srgbClr val="6163B2"/>
-        </a:accent6>
-        <a:hlink>
-          <a:srgbClr val="00FFFF"/>
-        </a:hlink>
-        <a:folHlink>
-          <a:srgbClr val="00FF00"/>
-        </a:folHlink>
-      </a:clrScheme>
-      <a:clrMap bg1="lt1" tx1="dk1" bg2="lt2" tx2="dk2" accent1="accent1" accent2="accent2" accent3="accent3" accent4="accent4" accent5="accent5" accent6="accent6" hlink="hlink" folHlink="folHlink"/>
-    </a:extraClrScheme>
-    <a:extraClrScheme>
-      <a:clrScheme name="">
-        <a:dk1>
-          <a:srgbClr val="FFFFFF"/>
-        </a:dk1>
-        <a:lt1>
-          <a:srgbClr val="800000"/>
-        </a:lt1>
-        <a:dk2>
-          <a:srgbClr val="DFD293"/>
-        </a:dk2>
-        <a:lt2>
-          <a:srgbClr val="5C1F00"/>
-        </a:lt2>
-        <a:accent1>
-          <a:srgbClr val="CC3300"/>
-        </a:accent1>
-        <a:accent2>
-          <a:srgbClr val="BE7960"/>
-        </a:accent2>
-        <a:accent3>
-          <a:srgbClr val="C1AAAA"/>
-        </a:accent3>
-        <a:accent4>
-          <a:srgbClr val="DCDCDC"/>
-        </a:accent4>
-        <a:accent5>
-          <a:srgbClr val="E2ADAA"/>
-        </a:accent5>
-        <a:accent6>
-          <a:srgbClr val="AA6C55"/>
-        </a:accent6>
-        <a:hlink>
-          <a:srgbClr val="FFFF99"/>
-        </a:hlink>
-        <a:folHlink>
-          <a:srgbClr val="D3A219"/>
-        </a:folHlink>
-      </a:clrScheme>
-      <a:clrMap bg1="lt1" tx1="dk1" bg2="lt2" tx2="dk2" accent1="accent1" accent2="accent2" accent3="accent3" accent4="accent4" accent5="accent5" accent6="accent6" hlink="hlink" folHlink="folHlink"/>
-    </a:extraClrScheme>
-    <a:extraClrScheme>
-      <a:clrScheme name="">
-        <a:dk1>
-          <a:srgbClr val="FFFFFF"/>
-        </a:dk1>
-        <a:lt1>
-          <a:srgbClr val="000099"/>
-        </a:lt1>
-        <a:dk2>
-          <a:srgbClr val="CCFFFF"/>
-        </a:dk2>
-        <a:lt2>
-          <a:srgbClr val="003366"/>
-        </a:lt2>
-        <a:accent1>
-          <a:srgbClr val="3366CC"/>
-        </a:accent1>
-        <a:accent2>
-          <a:srgbClr val="00B000"/>
-        </a:accent2>
-        <a:accent3>
-          <a:srgbClr val="AAAACA"/>
-        </a:accent3>
-        <a:accent4>
-          <a:srgbClr val="DCDCDC"/>
-        </a:accent4>
-        <a:accent5>
-          <a:srgbClr val="ADB9E2"/>
-        </a:accent5>
-        <a:accent6>
-          <a:srgbClr val="009D00"/>
-        </a:accent6>
-        <a:hlink>
-          <a:srgbClr val="66CCFF"/>
-        </a:hlink>
-        <a:folHlink>
-          <a:srgbClr val="FFE701"/>
-        </a:folHlink>
-      </a:clrScheme>
-      <a:clrMap bg1="lt1" tx1="dk1" bg2="lt2" tx2="dk2" accent1="accent1" accent2="accent2" accent3="accent3" accent4="accent4" accent5="accent5" accent6="accent6" hlink="hlink" folHlink="folHlink"/>
-    </a:extraClrScheme>
-    <a:extraClrScheme>
-      <a:clrScheme name="">
-        <a:dk1>
-          <a:srgbClr val="FFFFFF"/>
-        </a:dk1>
-        <a:lt1>
-          <a:srgbClr val="000000"/>
-        </a:lt1>
-        <a:dk2>
-          <a:srgbClr val="E3EBF1"/>
-        </a:dk2>
-        <a:lt2>
-          <a:srgbClr val="336699"/>
-        </a:lt2>
-        <a:accent1>
-          <a:srgbClr val="003399"/>
-        </a:accent1>
-        <a:accent2>
-          <a:srgbClr val="468A4B"/>
-        </a:accent2>
-        <a:accent3>
-          <a:srgbClr val="AAAAAA"/>
-        </a:accent3>
-        <a:accent4>
-          <a:srgbClr val="DCDCDC"/>
-        </a:accent4>
-        <a:accent5>
-          <a:srgbClr val="AAADCA"/>
-        </a:accent5>
-        <a:accent6>
-          <a:srgbClr val="3E7B43"/>
-        </a:accent6>
-        <a:hlink>
-          <a:srgbClr val="66CCFF"/>
-        </a:hlink>
-        <a:folHlink>
-          <a:srgbClr val="F0E500"/>
-        </a:folHlink>
-      </a:clrScheme>
-      <a:clrMap bg1="lt1" tx1="dk1" bg2="lt2" tx2="dk2" accent1="accent1" accent2="accent2" accent3="accent3" accent4="accent4" accent5="accent5" accent6="accent6" hlink="hlink" folHlink="folHlink"/>
-    </a:extraClrScheme>
-    <a:extraClrScheme>
-      <a:clrScheme name="">
-        <a:dk1>
-          <a:srgbClr val="FFFFFF"/>
-        </a:dk1>
-        <a:lt1>
-          <a:srgbClr val="686B5D"/>
-        </a:lt1>
-        <a:dk2>
-          <a:srgbClr val="D1D1CB"/>
-        </a:dk2>
-        <a:lt2>
-          <a:srgbClr val="777777"/>
-        </a:lt2>
-        <a:accent1>
-          <a:srgbClr val="909082"/>
-        </a:accent1>
-        <a:accent2>
-          <a:srgbClr val="809EA8"/>
-        </a:accent2>
-        <a:accent3>
-          <a:srgbClr val="B9BAB6"/>
-        </a:accent3>
-        <a:accent4>
-          <a:srgbClr val="DCDCDC"/>
-        </a:accent4>
-        <a:accent5>
-          <a:srgbClr val="C7C7C1"/>
-        </a:accent5>
-        <a:accent6>
-          <a:srgbClr val="728D96"/>
-        </a:accent6>
-        <a:hlink>
-          <a:srgbClr val="FFCC66"/>
-        </a:hlink>
-        <a:folHlink>
-          <a:srgbClr val="E9DCB9"/>
-        </a:folHlink>
-      </a:clrScheme>
-      <a:clrMap bg1="lt1" tx1="dk1" bg2="lt2" tx2="dk2" accent1="accent1" accent2="accent2" accent3="accent3" accent4="accent4" accent5="accent5" accent6="accent6" hlink="hlink" folHlink="folHlink"/>
-    </a:extraClrScheme>
-    <a:extraClrScheme>
-      <a:clrScheme name="">
-        <a:dk1>
-          <a:srgbClr val="FFFFFF"/>
-        </a:dk1>
-        <a:lt1>
-          <a:srgbClr val="666699"/>
-        </a:lt1>
-        <a:dk2>
-          <a:srgbClr val="FFFFFF"/>
-        </a:dk2>
-        <a:lt2>
-          <a:srgbClr val="3E3E5C"/>
-        </a:lt2>
-        <a:accent1>
-          <a:srgbClr val="60597B"/>
-        </a:accent1>
-        <a:accent2>
-          <a:srgbClr val="6666FF"/>
-        </a:accent2>
-        <a:accent3>
-          <a:srgbClr val="B9B9CA"/>
-        </a:accent3>
-        <a:accent4>
-          <a:srgbClr val="DCDCDC"/>
-        </a:accent4>
-        <a:accent5>
-          <a:srgbClr val="B7B5BF"/>
-        </a:accent5>
-        <a:accent6>
-          <a:srgbClr val="5B5BE5"/>
-        </a:accent6>
-        <a:hlink>
-          <a:srgbClr val="99CCFF"/>
-        </a:hlink>
-        <a:folHlink>
-          <a:srgbClr val="FFFF99"/>
-        </a:folHlink>
-      </a:clrScheme>
-      <a:clrMap bg1="lt1" tx1="dk1" bg2="lt2" tx2="dk2" accent1="accent1" accent2="accent2" accent3="accent3" accent4="accent4" accent5="accent5" accent6="accent6" hlink="hlink" folHlink="folHlink"/>
-    </a:extraClrScheme>
-    <a:extraClrScheme>
-      <a:clrScheme name="">
-        <a:dk1>
-          <a:srgbClr val="FFFFFF"/>
-        </a:dk1>
-        <a:lt1>
-          <a:srgbClr val="523E26"/>
-        </a:lt1>
-        <a:dk2>
-          <a:srgbClr val="DFC08D"/>
-        </a:dk2>
-        <a:lt2>
-          <a:srgbClr val="2D2015"/>
-        </a:lt2>
-        <a:accent1>
-          <a:srgbClr val="8C7B70"/>
-        </a:accent1>
-        <a:accent2>
-          <a:srgbClr val="8F5F2F"/>
-        </a:accent2>
-        <a:accent3>
-          <a:srgbClr val="B3AFAB"/>
-        </a:accent3>
-        <a:accent4>
-          <a:srgbClr val="DCDCDC"/>
-        </a:accent4>
-        <a:accent5>
-          <a:srgbClr val="C5BFBC"/>
-        </a:accent5>
-        <a:accent6>
-          <a:srgbClr val="805529"/>
-        </a:accent6>
-        <a:hlink>
-          <a:srgbClr val="CCB400"/>
-        </a:hlink>
-        <a:folHlink>
-          <a:srgbClr val="8C9EA0"/>
-        </a:folHlink>
-      </a:clrScheme>
-      <a:clrMap bg1="lt1" tx1="dk1" bg2="lt2" tx2="dk2" accent1="accent1" accent2="accent2" accent3="accent3" accent4="accent4" accent5="accent5" accent6="accent6" hlink="hlink" folHlink="folHlink"/>
-    </a:extraClrScheme>
-    <a:extraClrScheme>
-      <a:clrScheme name="">
-        <a:dk1>
-          <a:srgbClr val="000000"/>
-        </a:dk1>
-        <a:lt1>
-          <a:srgbClr val="FFFFFF"/>
-        </a:lt1>
-        <a:dk2>
-          <a:srgbClr val="000000"/>
-        </a:dk2>
-        <a:lt2>
-          <a:srgbClr val="808080"/>
-        </a:lt2>
-        <a:accent1>
-          <a:srgbClr val="7DB6EF"/>
-        </a:accent1>
-        <a:accent2>
-          <a:srgbClr val="C0504D"/>
-        </a:accent2>
-        <a:accent3>
-          <a:srgbClr val="FFFFFF"/>
-        </a:accent3>
-        <a:accent4>
-          <a:srgbClr val="000000"/>
-        </a:accent4>
-        <a:accent5>
-          <a:srgbClr val="C0D7F5"/>
-        </a:accent5>
-        <a:accent6>
-          <a:srgbClr val="AC4744"/>
-        </a:accent6>
-        <a:hlink>
-          <a:srgbClr val="0066CC"/>
-        </a:hlink>
-        <a:folHlink>
-          <a:srgbClr val="800080"/>
-        </a:folHlink>
-      </a:clrScheme>
-      <a:clrMap bg1="lt1" tx1="dk1" bg2="lt2" tx2="dk2" accent1="accent1" accent2="accent2" accent3="accent3" accent4="accent4" accent5="accent5" accent6="accent6" hlink="hlink" folHlink="folHlink"/>
-    </a:extraClrScheme>
-  </a:extraClrSchemeLst>
   <a:extLst>
     <a:ext uri="{05A4C25C-085E-4340-85A3-A5531E510DB2}">
       <thm15:themeFamily xmlns:thm15="http://schemas.microsoft.com/office/thememl/2012/main" name="Office Theme" id="{62F939B6-93AF-4DB8-9C6B-D6C7DFDC589F}" vid="{4A3C46E8-61CC-4603-A589-7422A47A8E4A}"/>
@@ -5181,7 +6855,7 @@
 </file>
 
 <file path=ppt/theme/theme2.xml><?xml version="1.0" encoding="utf-8"?>
-<a:theme xmlns:a="http://schemas.openxmlformats.org/drawingml/2006/main" name="Office 主题​​">
+<a:theme xmlns:a="http://schemas.openxmlformats.org/drawingml/2006/main" name="Office Theme">
   <a:themeElements>
     <a:clrScheme name="Office">
       <a:dk1>
@@ -5197,7 +6871,7 @@
         <a:srgbClr val="E7E6E6"/>
       </a:lt2>
       <a:accent1>
-        <a:srgbClr val="4472C4"/>
+        <a:srgbClr val="5B9BD5"/>
       </a:accent1>
       <a:accent2>
         <a:srgbClr val="ED7D31"/>
@@ -5209,7 +6883,7 @@
         <a:srgbClr val="FFC000"/>
       </a:accent4>
       <a:accent5>
-        <a:srgbClr val="5B9BD5"/>
+        <a:srgbClr val="4472C4"/>
       </a:accent5>
       <a:accent6>
         <a:srgbClr val="70AD47"/>
@@ -5223,12 +6897,12 @@
     </a:clrScheme>
     <a:fontScheme name="Office">
       <a:majorFont>
-        <a:latin typeface="宋体"/>
+        <a:latin typeface="Calibri Light"/>
         <a:ea typeface=""/>
         <a:cs typeface=""/>
         <a:font script="Jpan" typeface="游ゴシック Light"/>
         <a:font script="Hang" typeface="맑은 고딕"/>
-        <a:font script="Hans" typeface="宋体"/>
+        <a:font script="Hans" typeface="等线 Light"/>
         <a:font script="Hant" typeface="新細明體"/>
         <a:font script="Arab" typeface="Times New Roman"/>
         <a:font script="Hebr" typeface="Times New Roman"/>
@@ -5258,12 +6932,12 @@
         <a:font script="Geor" typeface="Sylfaen"/>
       </a:majorFont>
       <a:minorFont>
-        <a:latin typeface="宋体"/>
+        <a:latin typeface="Calibri"/>
         <a:ea typeface=""/>
         <a:cs typeface=""/>
         <a:font script="Jpan" typeface="游ゴシック"/>
         <a:font script="Hang" typeface="맑은 고딕"/>
-        <a:font script="Hans" typeface="宋体"/>
+        <a:font script="Hans" typeface="等线"/>
         <a:font script="Hant" typeface="新細明體"/>
         <a:font script="Arab" typeface="Arial"/>
         <a:font script="Hebr" typeface="Arial"/>
@@ -5440,7 +7114,7 @@
 </file>
 
 <file path=ppt/theme/theme3.xml><?xml version="1.0" encoding="utf-8"?>
-<a:theme xmlns:a="http://schemas.openxmlformats.org/drawingml/2006/main" name="Office 主题">
+<a:theme xmlns:a="http://schemas.openxmlformats.org/drawingml/2006/main" name="Office Theme">
   <a:themeElements>
     <a:clrScheme name="Office">
       <a:dk1>
@@ -5485,9 +7159,9 @@
         <a:latin typeface="Calibri Light"/>
         <a:ea typeface=""/>
         <a:cs typeface=""/>
-        <a:font script="Jpan" typeface="ＭＳ Ｐゴシック"/>
+        <a:font script="Jpan" typeface="游ゴシック Light"/>
         <a:font script="Hang" typeface="맑은 고딕"/>
-        <a:font script="Hans" typeface="宋体"/>
+        <a:font script="Hans" typeface="等线 Light"/>
         <a:font script="Hant" typeface="新細明體"/>
         <a:font script="Arab" typeface="Times New Roman"/>
         <a:font script="Hebr" typeface="Times New Roman"/>
@@ -5520,9 +7194,9 @@
         <a:latin typeface="Calibri"/>
         <a:ea typeface=""/>
         <a:cs typeface=""/>
-        <a:font script="Jpan" typeface="ＭＳ Ｐゴシック"/>
+        <a:font script="Jpan" typeface="游ゴシック"/>
         <a:font script="Hang" typeface="맑은 고딕"/>
-        <a:font script="Hans" typeface="宋体"/>
+        <a:font script="Hans" typeface="等线"/>
         <a:font script="Hant" typeface="新細明體"/>
         <a:font script="Arab" typeface="Arial"/>
         <a:font script="Hebr" typeface="Arial"/>
